--- a/VSCode/VSCode - Take2.pptx
+++ b/VSCode/VSCode - Take2.pptx
@@ -5,27 +5,26 @@
     <p:sldMasterId id="2147483648" r:id="rId4"/>
   </p:sldMasterIdLst>
   <p:notesMasterIdLst>
-    <p:notesMasterId r:id="rId20"/>
+    <p:notesMasterId r:id="rId19"/>
   </p:notesMasterIdLst>
   <p:handoutMasterIdLst>
-    <p:handoutMasterId r:id="rId21"/>
+    <p:handoutMasterId r:id="rId20"/>
   </p:handoutMasterIdLst>
   <p:sldIdLst>
     <p:sldId id="297" r:id="rId5"/>
     <p:sldId id="357" r:id="rId6"/>
-    <p:sldId id="285" r:id="rId7"/>
-    <p:sldId id="359" r:id="rId8"/>
-    <p:sldId id="360" r:id="rId9"/>
-    <p:sldId id="361" r:id="rId10"/>
-    <p:sldId id="366" r:id="rId11"/>
-    <p:sldId id="367" r:id="rId12"/>
-    <p:sldId id="371" r:id="rId13"/>
-    <p:sldId id="363" r:id="rId14"/>
-    <p:sldId id="348" r:id="rId15"/>
-    <p:sldId id="364" r:id="rId16"/>
-    <p:sldId id="365" r:id="rId17"/>
-    <p:sldId id="358" r:id="rId18"/>
-    <p:sldId id="343" r:id="rId19"/>
+    <p:sldId id="360" r:id="rId7"/>
+    <p:sldId id="285" r:id="rId8"/>
+    <p:sldId id="366" r:id="rId9"/>
+    <p:sldId id="367" r:id="rId10"/>
+    <p:sldId id="371" r:id="rId11"/>
+    <p:sldId id="363" r:id="rId12"/>
+    <p:sldId id="348" r:id="rId13"/>
+    <p:sldId id="364" r:id="rId14"/>
+    <p:sldId id="372" r:id="rId15"/>
+    <p:sldId id="358" r:id="rId16"/>
+    <p:sldId id="343" r:id="rId17"/>
+    <p:sldId id="365" r:id="rId18"/>
   </p:sldIdLst>
   <p:sldSz cx="10972800" cy="6172200"/>
   <p:notesSz cx="9144000" cy="6858000"/>
@@ -161,19 +160,22 @@
           <p14:sldIdLst>
             <p14:sldId id="297"/>
             <p14:sldId id="357"/>
+            <p14:sldId id="360"/>
             <p14:sldId id="285"/>
-            <p14:sldId id="359"/>
-            <p14:sldId id="360"/>
-            <p14:sldId id="361"/>
             <p14:sldId id="366"/>
             <p14:sldId id="367"/>
             <p14:sldId id="371"/>
             <p14:sldId id="363"/>
             <p14:sldId id="348"/>
             <p14:sldId id="364"/>
-            <p14:sldId id="365"/>
+            <p14:sldId id="372"/>
             <p14:sldId id="358"/>
             <p14:sldId id="343"/>
+          </p14:sldIdLst>
+        </p14:section>
+        <p14:section name="Other" id="{05314824-47FA-4AC4-A51E-54F69E428BF3}">
+          <p14:sldIdLst>
+            <p14:sldId id="365"/>
           </p14:sldIdLst>
         </p14:section>
       </p14:sectionLst>
@@ -213,7 +215,7 @@
 <file path=ppt/revisionInfo.xml><?xml version="1.0" encoding="utf-8"?>
 <p1510:revInfo xmlns:a="http://schemas.openxmlformats.org/drawingml/2006/main" xmlns:r="http://schemas.openxmlformats.org/officeDocument/2006/relationships" xmlns:p1510="http://schemas.microsoft.com/office/powerpoint/2015/10/main">
   <p1510:revLst>
-    <p1510:client id="{9B71FE66-1413-4906-92C2-8A4B1BB32688}" v="33" dt="2024-01-18T06:15:24.146"/>
+    <p1510:client id="{9B71FE66-1413-4906-92C2-8A4B1BB32688}" v="63" dt="2024-01-18T08:43:10.573"/>
     <p1510:client id="{C7B947ED-24F9-4A3B-B260-0705F1463FAD}" v="384" dt="2024-01-18T03:27:16.089"/>
   </p1510:revLst>
 </p1510:revInfo>
@@ -978,11 +980,97 @@
   </pc:docChgLst>
   <pc:docChgLst>
     <pc:chgData name="Vineel Kumar Reddy Kovvuri" userId="ac244ac603143e16" providerId="LiveId" clId="{9B71FE66-1413-4906-92C2-8A4B1BB32688}"/>
-    <pc:docChg chg="undo custSel addSld delSld modSld sldOrd modSection">
-      <pc:chgData name="Vineel Kumar Reddy Kovvuri" userId="ac244ac603143e16" providerId="LiveId" clId="{9B71FE66-1413-4906-92C2-8A4B1BB32688}" dt="2024-01-18T07:48:33.016" v="1028" actId="20577"/>
+    <pc:docChg chg="undo custSel addSld delSld modSld sldOrd addSection modSection">
+      <pc:chgData name="Vineel Kumar Reddy Kovvuri" userId="ac244ac603143e16" providerId="LiveId" clId="{9B71FE66-1413-4906-92C2-8A4B1BB32688}" dt="2024-01-18T08:44:48.863" v="1564" actId="20577"/>
       <pc:docMkLst>
         <pc:docMk/>
       </pc:docMkLst>
+      <pc:sldChg chg="addSp modSp mod">
+        <pc:chgData name="Vineel Kumar Reddy Kovvuri" userId="ac244ac603143e16" providerId="LiveId" clId="{9B71FE66-1413-4906-92C2-8A4B1BB32688}" dt="2024-01-18T08:44:22.036" v="1562" actId="20577"/>
+        <pc:sldMkLst>
+          <pc:docMk/>
+          <pc:sldMk cId="2952847942" sldId="285"/>
+        </pc:sldMkLst>
+        <pc:spChg chg="add mod">
+          <ac:chgData name="Vineel Kumar Reddy Kovvuri" userId="ac244ac603143e16" providerId="LiveId" clId="{9B71FE66-1413-4906-92C2-8A4B1BB32688}" dt="2024-01-18T08:12:30.301" v="1233" actId="14100"/>
+          <ac:spMkLst>
+            <pc:docMk/>
+            <pc:sldMk cId="2952847942" sldId="285"/>
+            <ac:spMk id="2" creationId="{ADB1DFB8-8053-3B1B-DE08-4886E3BC338A}"/>
+          </ac:spMkLst>
+        </pc:spChg>
+        <pc:spChg chg="mod">
+          <ac:chgData name="Vineel Kumar Reddy Kovvuri" userId="ac244ac603143e16" providerId="LiveId" clId="{9B71FE66-1413-4906-92C2-8A4B1BB32688}" dt="2024-01-18T08:44:22.036" v="1562" actId="20577"/>
+          <ac:spMkLst>
+            <pc:docMk/>
+            <pc:sldMk cId="2952847942" sldId="285"/>
+            <ac:spMk id="3" creationId="{00000000-0000-0000-0000-000000000000}"/>
+          </ac:spMkLst>
+        </pc:spChg>
+        <pc:spChg chg="mod">
+          <ac:chgData name="Vineel Kumar Reddy Kovvuri" userId="ac244ac603143e16" providerId="LiveId" clId="{9B71FE66-1413-4906-92C2-8A4B1BB32688}" dt="2024-01-18T08:12:44.724" v="1236" actId="1076"/>
+          <ac:spMkLst>
+            <pc:docMk/>
+            <pc:sldMk cId="2952847942" sldId="285"/>
+            <ac:spMk id="6" creationId="{00000000-0000-0000-0000-000000000000}"/>
+          </ac:spMkLst>
+        </pc:spChg>
+        <pc:picChg chg="add mod modCrop">
+          <ac:chgData name="Vineel Kumar Reddy Kovvuri" userId="ac244ac603143e16" providerId="LiveId" clId="{9B71FE66-1413-4906-92C2-8A4B1BB32688}" dt="2024-01-18T08:13:29.092" v="1244" actId="1076"/>
+          <ac:picMkLst>
+            <pc:docMk/>
+            <pc:sldMk cId="2952847942" sldId="285"/>
+            <ac:picMk id="5" creationId="{A3EC46D8-DAC7-6116-9106-EA7953C3F25D}"/>
+          </ac:picMkLst>
+        </pc:picChg>
+        <pc:picChg chg="add mod modCrop">
+          <ac:chgData name="Vineel Kumar Reddy Kovvuri" userId="ac244ac603143e16" providerId="LiveId" clId="{9B71FE66-1413-4906-92C2-8A4B1BB32688}" dt="2024-01-18T08:13:46.196" v="1246" actId="1076"/>
+          <ac:picMkLst>
+            <pc:docMk/>
+            <pc:sldMk cId="2952847942" sldId="285"/>
+            <ac:picMk id="7" creationId="{5918553F-F758-E7C9-4317-937C70D081A4}"/>
+          </ac:picMkLst>
+        </pc:picChg>
+        <pc:picChg chg="mod">
+          <ac:chgData name="Vineel Kumar Reddy Kovvuri" userId="ac244ac603143e16" providerId="LiveId" clId="{9B71FE66-1413-4906-92C2-8A4B1BB32688}" dt="2024-01-18T08:12:36.365" v="1234" actId="1076"/>
+          <ac:picMkLst>
+            <pc:docMk/>
+            <pc:sldMk cId="2952847942" sldId="285"/>
+            <ac:picMk id="10" creationId="{EBBDA309-6BF6-B69B-9E89-7A612192E575}"/>
+          </ac:picMkLst>
+        </pc:picChg>
+      </pc:sldChg>
+      <pc:sldChg chg="delSp modSp mod">
+        <pc:chgData name="Vineel Kumar Reddy Kovvuri" userId="ac244ac603143e16" providerId="LiveId" clId="{9B71FE66-1413-4906-92C2-8A4B1BB32688}" dt="2024-01-18T08:41:15.500" v="1509" actId="1076"/>
+        <pc:sldMkLst>
+          <pc:docMk/>
+          <pc:sldMk cId="43521620" sldId="297"/>
+        </pc:sldMkLst>
+        <pc:spChg chg="del">
+          <ac:chgData name="Vineel Kumar Reddy Kovvuri" userId="ac244ac603143e16" providerId="LiveId" clId="{9B71FE66-1413-4906-92C2-8A4B1BB32688}" dt="2024-01-18T08:39:36.110" v="1506" actId="478"/>
+          <ac:spMkLst>
+            <pc:docMk/>
+            <pc:sldMk cId="43521620" sldId="297"/>
+            <ac:spMk id="2" creationId="{8B8E0CDC-7EF6-87E3-766E-2BCD6D6953DD}"/>
+          </ac:spMkLst>
+        </pc:spChg>
+        <pc:spChg chg="mod">
+          <ac:chgData name="Vineel Kumar Reddy Kovvuri" userId="ac244ac603143e16" providerId="LiveId" clId="{9B71FE66-1413-4906-92C2-8A4B1BB32688}" dt="2024-01-18T08:41:15.500" v="1509" actId="1076"/>
+          <ac:spMkLst>
+            <pc:docMk/>
+            <pc:sldMk cId="43521620" sldId="297"/>
+            <ac:spMk id="4" creationId="{91C4C62B-7C76-F9E7-68BC-3B4FB2840337}"/>
+          </ac:spMkLst>
+        </pc:spChg>
+        <pc:picChg chg="mod">
+          <ac:chgData name="Vineel Kumar Reddy Kovvuri" userId="ac244ac603143e16" providerId="LiveId" clId="{9B71FE66-1413-4906-92C2-8A4B1BB32688}" dt="2024-01-18T08:41:12.067" v="1508" actId="1076"/>
+          <ac:picMkLst>
+            <pc:docMk/>
+            <pc:sldMk cId="43521620" sldId="297"/>
+            <ac:picMk id="7" creationId="{DD647345-87DE-DA4B-C796-3AD500B124DC}"/>
+          </ac:picMkLst>
+        </pc:picChg>
+      </pc:sldChg>
       <pc:sldChg chg="addSp delSp modSp">
         <pc:chgData name="Vineel Kumar Reddy Kovvuri" userId="ac244ac603143e16" providerId="LiveId" clId="{9B71FE66-1413-4906-92C2-8A4B1BB32688}" dt="2024-01-18T06:14:55.814" v="993" actId="478"/>
         <pc:sldMkLst>
@@ -1006,29 +1094,53 @@
           </ac:picMkLst>
         </pc:picChg>
       </pc:sldChg>
-      <pc:sldChg chg="modSp mod">
-        <pc:chgData name="Vineel Kumar Reddy Kovvuri" userId="ac244ac603143e16" providerId="LiveId" clId="{9B71FE66-1413-4906-92C2-8A4B1BB32688}" dt="2024-01-18T05:34:22.836" v="0" actId="6549"/>
+      <pc:sldChg chg="addSp modSp mod">
+        <pc:chgData name="Vineel Kumar Reddy Kovvuri" userId="ac244ac603143e16" providerId="LiveId" clId="{9B71FE66-1413-4906-92C2-8A4B1BB32688}" dt="2024-01-18T08:44:48.863" v="1564" actId="20577"/>
         <pc:sldMkLst>
           <pc:docMk/>
           <pc:sldMk cId="1535211458" sldId="357"/>
         </pc:sldMkLst>
         <pc:spChg chg="mod">
-          <ac:chgData name="Vineel Kumar Reddy Kovvuri" userId="ac244ac603143e16" providerId="LiveId" clId="{9B71FE66-1413-4906-92C2-8A4B1BB32688}" dt="2024-01-18T05:34:22.836" v="0" actId="6549"/>
+          <ac:chgData name="Vineel Kumar Reddy Kovvuri" userId="ac244ac603143e16" providerId="LiveId" clId="{9B71FE66-1413-4906-92C2-8A4B1BB32688}" dt="2024-01-18T08:44:48.863" v="1564" actId="20577"/>
           <ac:spMkLst>
             <pc:docMk/>
             <pc:sldMk cId="1535211458" sldId="357"/>
             <ac:spMk id="3" creationId="{00000000-0000-0000-0000-000000000000}"/>
           </ac:spMkLst>
         </pc:spChg>
+        <pc:picChg chg="add mod">
+          <ac:chgData name="Vineel Kumar Reddy Kovvuri" userId="ac244ac603143e16" providerId="LiveId" clId="{9B71FE66-1413-4906-92C2-8A4B1BB32688}" dt="2024-01-18T08:30:25.700" v="1442" actId="1076"/>
+          <ac:picMkLst>
+            <pc:docMk/>
+            <pc:sldMk cId="1535211458" sldId="357"/>
+            <ac:picMk id="4" creationId="{06A6C543-E477-2F0B-BA63-7DE8B5D1DAB3}"/>
+          </ac:picMkLst>
+        </pc:picChg>
+        <pc:picChg chg="add mod">
+          <ac:chgData name="Vineel Kumar Reddy Kovvuri" userId="ac244ac603143e16" providerId="LiveId" clId="{9B71FE66-1413-4906-92C2-8A4B1BB32688}" dt="2024-01-18T08:30:08.028" v="1438" actId="1076"/>
+          <ac:picMkLst>
+            <pc:docMk/>
+            <pc:sldMk cId="1535211458" sldId="357"/>
+            <ac:picMk id="5" creationId="{DF4A0B3F-FC72-252F-C86D-609F6C0FF81F}"/>
+          </ac:picMkLst>
+        </pc:picChg>
+        <pc:picChg chg="add mod">
+          <ac:chgData name="Vineel Kumar Reddy Kovvuri" userId="ac244ac603143e16" providerId="LiveId" clId="{9B71FE66-1413-4906-92C2-8A4B1BB32688}" dt="2024-01-18T08:30:17.915" v="1441" actId="1076"/>
+          <ac:picMkLst>
+            <pc:docMk/>
+            <pc:sldMk cId="1535211458" sldId="357"/>
+            <ac:picMk id="6" creationId="{A680E69F-FC22-16F9-25FD-016ADDE4CFC6}"/>
+          </ac:picMkLst>
+        </pc:picChg>
       </pc:sldChg>
       <pc:sldChg chg="modSp mod">
-        <pc:chgData name="Vineel Kumar Reddy Kovvuri" userId="ac244ac603143e16" providerId="LiveId" clId="{9B71FE66-1413-4906-92C2-8A4B1BB32688}" dt="2024-01-18T07:48:33.016" v="1028" actId="20577"/>
+        <pc:chgData name="Vineel Kumar Reddy Kovvuri" userId="ac244ac603143e16" providerId="LiveId" clId="{9B71FE66-1413-4906-92C2-8A4B1BB32688}" dt="2024-01-18T08:35:08.176" v="1465" actId="12"/>
         <pc:sldMkLst>
           <pc:docMk/>
           <pc:sldMk cId="4082139258" sldId="358"/>
         </pc:sldMkLst>
         <pc:spChg chg="mod">
-          <ac:chgData name="Vineel Kumar Reddy Kovvuri" userId="ac244ac603143e16" providerId="LiveId" clId="{9B71FE66-1413-4906-92C2-8A4B1BB32688}" dt="2024-01-18T07:48:33.016" v="1028" actId="20577"/>
+          <ac:chgData name="Vineel Kumar Reddy Kovvuri" userId="ac244ac603143e16" providerId="LiveId" clId="{9B71FE66-1413-4906-92C2-8A4B1BB32688}" dt="2024-01-18T08:35:08.176" v="1465" actId="12"/>
           <ac:spMkLst>
             <pc:docMk/>
             <pc:sldMk cId="4082139258" sldId="358"/>
@@ -1036,8 +1148,15 @@
           </ac:spMkLst>
         </pc:spChg>
       </pc:sldChg>
-      <pc:sldChg chg="addSp delSp modSp mod">
-        <pc:chgData name="Vineel Kumar Reddy Kovvuri" userId="ac244ac603143e16" providerId="LiveId" clId="{9B71FE66-1413-4906-92C2-8A4B1BB32688}" dt="2024-01-18T06:04:23.004" v="781" actId="14100"/>
+      <pc:sldChg chg="del">
+        <pc:chgData name="Vineel Kumar Reddy Kovvuri" userId="ac244ac603143e16" providerId="LiveId" clId="{9B71FE66-1413-4906-92C2-8A4B1BB32688}" dt="2024-01-18T08:14:03.300" v="1247" actId="47"/>
+        <pc:sldMkLst>
+          <pc:docMk/>
+          <pc:sldMk cId="3921069663" sldId="359"/>
+        </pc:sldMkLst>
+      </pc:sldChg>
+      <pc:sldChg chg="addSp delSp modSp mod ord">
+        <pc:chgData name="Vineel Kumar Reddy Kovvuri" userId="ac244ac603143e16" providerId="LiveId" clId="{9B71FE66-1413-4906-92C2-8A4B1BB32688}" dt="2024-01-18T08:43:10.571" v="1560"/>
         <pc:sldMkLst>
           <pc:docMk/>
           <pc:sldMk cId="3760662161" sldId="360"/>
@@ -1050,8 +1169,16 @@
             <ac:spMk id="2" creationId="{F8117C95-8B96-B7C6-F244-430D6ADB1CE2}"/>
           </ac:spMkLst>
         </pc:spChg>
+        <pc:spChg chg="mod">
+          <ac:chgData name="Vineel Kumar Reddy Kovvuri" userId="ac244ac603143e16" providerId="LiveId" clId="{9B71FE66-1413-4906-92C2-8A4B1BB32688}" dt="2024-01-18T08:09:29.362" v="1117" actId="20577"/>
+          <ac:spMkLst>
+            <pc:docMk/>
+            <pc:sldMk cId="3760662161" sldId="360"/>
+            <ac:spMk id="3" creationId="{00000000-0000-0000-0000-000000000000}"/>
+          </ac:spMkLst>
+        </pc:spChg>
         <pc:spChg chg="add del mod">
-          <ac:chgData name="Vineel Kumar Reddy Kovvuri" userId="ac244ac603143e16" providerId="LiveId" clId="{9B71FE66-1413-4906-92C2-8A4B1BB32688}" dt="2024-01-18T06:03:49.750" v="779" actId="207"/>
+          <ac:chgData name="Vineel Kumar Reddy Kovvuri" userId="ac244ac603143e16" providerId="LiveId" clId="{9B71FE66-1413-4906-92C2-8A4B1BB32688}" dt="2024-01-18T08:43:10.571" v="1560"/>
           <ac:spMkLst>
             <pc:docMk/>
             <pc:sldMk cId="3760662161" sldId="360"/>
@@ -1099,14 +1226,14 @@
           </ac:picMkLst>
         </pc:picChg>
       </pc:sldChg>
-      <pc:sldChg chg="modSp mod">
-        <pc:chgData name="Vineel Kumar Reddy Kovvuri" userId="ac244ac603143e16" providerId="LiveId" clId="{9B71FE66-1413-4906-92C2-8A4B1BB32688}" dt="2024-01-18T06:06:13.424" v="809" actId="20577"/>
+      <pc:sldChg chg="modSp del mod">
+        <pc:chgData name="Vineel Kumar Reddy Kovvuri" userId="ac244ac603143e16" providerId="LiveId" clId="{9B71FE66-1413-4906-92C2-8A4B1BB32688}" dt="2024-01-18T08:18:40.377" v="1267" actId="47"/>
         <pc:sldMkLst>
           <pc:docMk/>
           <pc:sldMk cId="1126691328" sldId="361"/>
         </pc:sldMkLst>
         <pc:spChg chg="mod">
-          <ac:chgData name="Vineel Kumar Reddy Kovvuri" userId="ac244ac603143e16" providerId="LiveId" clId="{9B71FE66-1413-4906-92C2-8A4B1BB32688}" dt="2024-01-18T06:06:13.424" v="809" actId="20577"/>
+          <ac:chgData name="Vineel Kumar Reddy Kovvuri" userId="ac244ac603143e16" providerId="LiveId" clId="{9B71FE66-1413-4906-92C2-8A4B1BB32688}" dt="2024-01-18T08:17:49.041" v="1255" actId="6549"/>
           <ac:spMkLst>
             <pc:docMk/>
             <pc:sldMk cId="1126691328" sldId="361"/>
@@ -1130,28 +1257,75 @@
         </pc:spChg>
       </pc:sldChg>
       <pc:sldChg chg="modSp mod ord">
-        <pc:chgData name="Vineel Kumar Reddy Kovvuri" userId="ac244ac603143e16" providerId="LiveId" clId="{9B71FE66-1413-4906-92C2-8A4B1BB32688}" dt="2024-01-18T06:41:48.645" v="1023"/>
+        <pc:chgData name="Vineel Kumar Reddy Kovvuri" userId="ac244ac603143e16" providerId="LiveId" clId="{9B71FE66-1413-4906-92C2-8A4B1BB32688}" dt="2024-01-18T08:31:10.172" v="1444"/>
+        <pc:sldMkLst>
+          <pc:docMk/>
+          <pc:sldMk cId="2638763177" sldId="365"/>
+        </pc:sldMkLst>
+        <pc:spChg chg="mod">
+          <ac:chgData name="Vineel Kumar Reddy Kovvuri" userId="ac244ac603143e16" providerId="LiveId" clId="{9B71FE66-1413-4906-92C2-8A4B1BB32688}" dt="2024-01-18T08:05:25.841" v="1066" actId="20577"/>
+          <ac:spMkLst>
+            <pc:docMk/>
+            <pc:sldMk cId="2638763177" sldId="365"/>
+            <ac:spMk id="2" creationId="{4B37A515-8872-EB84-DE61-F4BC97CFC21C}"/>
+          </ac:spMkLst>
+        </pc:spChg>
+        <pc:spChg chg="mod">
+          <ac:chgData name="Vineel Kumar Reddy Kovvuri" userId="ac244ac603143e16" providerId="LiveId" clId="{9B71FE66-1413-4906-92C2-8A4B1BB32688}" dt="2024-01-18T08:04:57.411" v="1061" actId="20577"/>
+          <ac:spMkLst>
+            <pc:docMk/>
+            <pc:sldMk cId="2638763177" sldId="365"/>
+            <ac:spMk id="5" creationId="{DEE3A139-E71D-36E2-03C2-6FBE11903731}"/>
+          </ac:spMkLst>
+        </pc:spChg>
+      </pc:sldChg>
+      <pc:sldChg chg="addSp delSp modSp mod ord">
+        <pc:chgData name="Vineel Kumar Reddy Kovvuri" userId="ac244ac603143e16" providerId="LiveId" clId="{9B71FE66-1413-4906-92C2-8A4B1BB32688}" dt="2024-01-18T08:24:19.476" v="1310" actId="1076"/>
         <pc:sldMkLst>
           <pc:docMk/>
           <pc:sldMk cId="946196539" sldId="366"/>
         </pc:sldMkLst>
         <pc:spChg chg="mod">
-          <ac:chgData name="Vineel Kumar Reddy Kovvuri" userId="ac244ac603143e16" providerId="LiveId" clId="{9B71FE66-1413-4906-92C2-8A4B1BB32688}" dt="2024-01-18T06:41:48.645" v="1023"/>
+          <ac:chgData name="Vineel Kumar Reddy Kovvuri" userId="ac244ac603143e16" providerId="LiveId" clId="{9B71FE66-1413-4906-92C2-8A4B1BB32688}" dt="2024-01-18T08:22:06.206" v="1296" actId="21"/>
           <ac:spMkLst>
             <pc:docMk/>
             <pc:sldMk cId="946196539" sldId="366"/>
             <ac:spMk id="2" creationId="{AFD3BE29-AA42-33CC-FA24-6F4AD22B3C20}"/>
           </ac:spMkLst>
         </pc:spChg>
+        <pc:spChg chg="mod">
+          <ac:chgData name="Vineel Kumar Reddy Kovvuri" userId="ac244ac603143e16" providerId="LiveId" clId="{9B71FE66-1413-4906-92C2-8A4B1BB32688}" dt="2024-01-18T08:18:36.768" v="1266" actId="20577"/>
+          <ac:spMkLst>
+            <pc:docMk/>
+            <pc:sldMk cId="946196539" sldId="366"/>
+            <ac:spMk id="3" creationId="{00000000-0000-0000-0000-000000000000}"/>
+          </ac:spMkLst>
+        </pc:spChg>
+        <pc:picChg chg="add del mod">
+          <ac:chgData name="Vineel Kumar Reddy Kovvuri" userId="ac244ac603143e16" providerId="LiveId" clId="{9B71FE66-1413-4906-92C2-8A4B1BB32688}" dt="2024-01-18T08:24:10.878" v="1306" actId="478"/>
+          <ac:picMkLst>
+            <pc:docMk/>
+            <pc:sldMk cId="946196539" sldId="366"/>
+            <ac:picMk id="6" creationId="{20291435-9A84-5BEF-9EDD-6D25B5227C38}"/>
+          </ac:picMkLst>
+        </pc:picChg>
+        <pc:picChg chg="add mod">
+          <ac:chgData name="Vineel Kumar Reddy Kovvuri" userId="ac244ac603143e16" providerId="LiveId" clId="{9B71FE66-1413-4906-92C2-8A4B1BB32688}" dt="2024-01-18T08:24:19.476" v="1310" actId="1076"/>
+          <ac:picMkLst>
+            <pc:docMk/>
+            <pc:sldMk cId="946196539" sldId="366"/>
+            <ac:picMk id="8" creationId="{9D26D43C-5474-121D-8EFB-8D2C4B0B8AD8}"/>
+          </ac:picMkLst>
+        </pc:picChg>
       </pc:sldChg>
-      <pc:sldChg chg="modSp mod">
-        <pc:chgData name="Vineel Kumar Reddy Kovvuri" userId="ac244ac603143e16" providerId="LiveId" clId="{9B71FE66-1413-4906-92C2-8A4B1BB32688}" dt="2024-01-18T06:15:43.626" v="1018" actId="6549"/>
+      <pc:sldChg chg="addSp delSp modSp mod">
+        <pc:chgData name="Vineel Kumar Reddy Kovvuri" userId="ac244ac603143e16" providerId="LiveId" clId="{9B71FE66-1413-4906-92C2-8A4B1BB32688}" dt="2024-01-18T08:27:53.308" v="1429"/>
         <pc:sldMkLst>
           <pc:docMk/>
           <pc:sldMk cId="3544741326" sldId="367"/>
         </pc:sldMkLst>
         <pc:spChg chg="mod">
-          <ac:chgData name="Vineel Kumar Reddy Kovvuri" userId="ac244ac603143e16" providerId="LiveId" clId="{9B71FE66-1413-4906-92C2-8A4B1BB32688}" dt="2024-01-18T06:15:43.626" v="1018" actId="6549"/>
+          <ac:chgData name="Vineel Kumar Reddy Kovvuri" userId="ac244ac603143e16" providerId="LiveId" clId="{9B71FE66-1413-4906-92C2-8A4B1BB32688}" dt="2024-01-18T08:27:53.308" v="1429"/>
           <ac:spMkLst>
             <pc:docMk/>
             <pc:sldMk cId="3544741326" sldId="367"/>
@@ -1164,6 +1338,30 @@
             <pc:docMk/>
             <pc:sldMk cId="3544741326" sldId="367"/>
             <ac:spMk id="3" creationId="{00000000-0000-0000-0000-000000000000}"/>
+          </ac:spMkLst>
+        </pc:spChg>
+        <pc:spChg chg="add del mod">
+          <ac:chgData name="Vineel Kumar Reddy Kovvuri" userId="ac244ac603143e16" providerId="LiveId" clId="{9B71FE66-1413-4906-92C2-8A4B1BB32688}" dt="2024-01-18T08:22:32.037" v="1301" actId="478"/>
+          <ac:spMkLst>
+            <pc:docMk/>
+            <pc:sldMk cId="3544741326" sldId="367"/>
+            <ac:spMk id="6" creationId="{11ED045C-0245-63D2-BDD2-4E8E473F810B}"/>
+          </ac:spMkLst>
+        </pc:spChg>
+        <pc:spChg chg="add mod">
+          <ac:chgData name="Vineel Kumar Reddy Kovvuri" userId="ac244ac603143e16" providerId="LiveId" clId="{9B71FE66-1413-4906-92C2-8A4B1BB32688}" dt="2024-01-18T08:27:32.923" v="1405" actId="1076"/>
+          <ac:spMkLst>
+            <pc:docMk/>
+            <pc:sldMk cId="3544741326" sldId="367"/>
+            <ac:spMk id="7" creationId="{F82E5C19-22B3-B35F-251E-021E6BD28005}"/>
+          </ac:spMkLst>
+        </pc:spChg>
+        <pc:spChg chg="add mod">
+          <ac:chgData name="Vineel Kumar Reddy Kovvuri" userId="ac244ac603143e16" providerId="LiveId" clId="{9B71FE66-1413-4906-92C2-8A4B1BB32688}" dt="2024-01-18T08:27:30.451" v="1404" actId="1076"/>
+          <ac:spMkLst>
+            <pc:docMk/>
+            <pc:sldMk cId="3544741326" sldId="367"/>
+            <ac:spMk id="9" creationId="{21109B2E-C00C-2D92-D400-B51A08642E2F}"/>
           </ac:spMkLst>
         </pc:spChg>
       </pc:sldChg>
@@ -1203,6 +1401,21 @@
             <ac:picMk id="2052" creationId="{A0B9DEAD-B4E1-9F2A-D876-26398B6ED522}"/>
           </ac:picMkLst>
         </pc:picChg>
+      </pc:sldChg>
+      <pc:sldChg chg="modSp add mod ord">
+        <pc:chgData name="Vineel Kumar Reddy Kovvuri" userId="ac244ac603143e16" providerId="LiveId" clId="{9B71FE66-1413-4906-92C2-8A4B1BB32688}" dt="2024-01-18T08:06:13.173" v="1081" actId="122"/>
+        <pc:sldMkLst>
+          <pc:docMk/>
+          <pc:sldMk cId="3368414746" sldId="372"/>
+        </pc:sldMkLst>
+        <pc:spChg chg="mod">
+          <ac:chgData name="Vineel Kumar Reddy Kovvuri" userId="ac244ac603143e16" providerId="LiveId" clId="{9B71FE66-1413-4906-92C2-8A4B1BB32688}" dt="2024-01-18T08:06:13.173" v="1081" actId="122"/>
+          <ac:spMkLst>
+            <pc:docMk/>
+            <pc:sldMk cId="3368414746" sldId="372"/>
+            <ac:spMk id="11" creationId="{00000000-0000-0000-0000-000000000000}"/>
+          </ac:spMkLst>
+        </pc:spChg>
       </pc:sldChg>
     </pc:docChg>
   </pc:docChgLst>
@@ -1526,7 +1739,7 @@
           <a:p>
             <a:fld id="{86CB4AEC-7088-4070-835C-53BE7EC9500B}" type="datetimeFigureOut">
               <a:rPr lang="en-US" smtClean="0"/>
-              <a:t>1/17/2024</a:t>
+              <a:t>1/18/2024</a:t>
             </a:fld>
             <a:endParaRPr lang="en-US"/>
           </a:p>
@@ -1954,7 +2167,7 @@
     </p:spTree>
     <p:extLst>
       <p:ext uri="{BB962C8B-B14F-4D97-AF65-F5344CB8AC3E}">
-        <p14:creationId xmlns:p14="http://schemas.microsoft.com/office/powerpoint/2010/main" val="2993259974"/>
+        <p14:creationId xmlns:p14="http://schemas.microsoft.com/office/powerpoint/2010/main" val="3024379379"/>
       </p:ext>
     </p:extLst>
   </p:cSld>
@@ -2041,7 +2254,7 @@
     </p:spTree>
     <p:extLst>
       <p:ext uri="{BB962C8B-B14F-4D97-AF65-F5344CB8AC3E}">
-        <p14:creationId xmlns:p14="http://schemas.microsoft.com/office/powerpoint/2010/main" val="1194959463"/>
+        <p14:creationId xmlns:p14="http://schemas.microsoft.com/office/powerpoint/2010/main" val="2334228043"/>
       </p:ext>
     </p:extLst>
   </p:cSld>
@@ -2125,7 +2338,7 @@
     </p:spTree>
     <p:extLst>
       <p:ext uri="{BB962C8B-B14F-4D97-AF65-F5344CB8AC3E}">
-        <p14:creationId xmlns:p14="http://schemas.microsoft.com/office/powerpoint/2010/main" val="3024379379"/>
+        <p14:creationId xmlns:p14="http://schemas.microsoft.com/office/powerpoint/2010/main" val="3948334699"/>
       </p:ext>
     </p:extLst>
   </p:cSld>
@@ -2209,7 +2422,7 @@
     </p:spTree>
     <p:extLst>
       <p:ext uri="{BB962C8B-B14F-4D97-AF65-F5344CB8AC3E}">
-        <p14:creationId xmlns:p14="http://schemas.microsoft.com/office/powerpoint/2010/main" val="3687907648"/>
+        <p14:creationId xmlns:p14="http://schemas.microsoft.com/office/powerpoint/2010/main" val="133116165"/>
       </p:ext>
     </p:extLst>
   </p:cSld>
@@ -2293,91 +2506,7 @@
     </p:spTree>
     <p:extLst>
       <p:ext uri="{BB962C8B-B14F-4D97-AF65-F5344CB8AC3E}">
-        <p14:creationId xmlns:p14="http://schemas.microsoft.com/office/powerpoint/2010/main" val="3948334699"/>
-      </p:ext>
-    </p:extLst>
-  </p:cSld>
-  <p:clrMapOvr>
-    <a:masterClrMapping/>
-  </p:clrMapOvr>
-</p:notes>
-</file>
-
-<file path=ppt/notesSlides/notesSlide15.xml><?xml version="1.0" encoding="utf-8"?>
-<p:notes xmlns:a="http://schemas.openxmlformats.org/drawingml/2006/main" xmlns:r="http://schemas.openxmlformats.org/officeDocument/2006/relationships" xmlns:p="http://schemas.openxmlformats.org/presentationml/2006/main">
-  <p:cSld>
-    <p:spTree>
-      <p:nvGrpSpPr>
-        <p:cNvPr id="1" name=""/>
-        <p:cNvGrpSpPr/>
-        <p:nvPr/>
-      </p:nvGrpSpPr>
-      <p:grpSpPr>
-        <a:xfrm>
-          <a:off x="0" y="0"/>
-          <a:ext cx="0" cy="0"/>
-          <a:chOff x="0" y="0"/>
-          <a:chExt cx="0" cy="0"/>
-        </a:xfrm>
-      </p:grpSpPr>
-      <p:sp>
-        <p:nvSpPr>
-          <p:cNvPr id="2" name="Slide Image Placeholder 1"/>
-          <p:cNvSpPr>
-            <a:spLocks noGrp="1" noRot="1" noChangeAspect="1"/>
-          </p:cNvSpPr>
-          <p:nvPr>
-            <p:ph type="sldImg"/>
-          </p:nvPr>
-        </p:nvSpPr>
-        <p:spPr/>
-      </p:sp>
-      <p:sp>
-        <p:nvSpPr>
-          <p:cNvPr id="3" name="Notes Placeholder 2"/>
-          <p:cNvSpPr>
-            <a:spLocks noGrp="1"/>
-          </p:cNvSpPr>
-          <p:nvPr>
-            <p:ph type="body" idx="1"/>
-          </p:nvPr>
-        </p:nvSpPr>
-        <p:spPr/>
-        <p:txBody>
-          <a:bodyPr/>
-          <a:lstStyle/>
-          <a:p>
-            <a:endParaRPr lang="en-US" dirty="0"/>
-          </a:p>
-        </p:txBody>
-      </p:sp>
-      <p:sp>
-        <p:nvSpPr>
-          <p:cNvPr id="4" name="Slide Number Placeholder 3"/>
-          <p:cNvSpPr>
-            <a:spLocks noGrp="1"/>
-          </p:cNvSpPr>
-          <p:nvPr>
-            <p:ph type="sldNum" sz="quarter" idx="10"/>
-          </p:nvPr>
-        </p:nvSpPr>
-        <p:spPr/>
-        <p:txBody>
-          <a:bodyPr/>
-          <a:lstStyle/>
-          <a:p>
-            <a:fld id="{585406F1-9602-4599-91D0-7F9D2965C956}" type="slidenum">
-              <a:rPr lang="en-US" smtClean="0"/>
-              <a:t>15</a:t>
-            </a:fld>
-            <a:endParaRPr lang="en-US"/>
-          </a:p>
-        </p:txBody>
-      </p:sp>
-    </p:spTree>
-    <p:extLst>
-      <p:ext uri="{BB962C8B-B14F-4D97-AF65-F5344CB8AC3E}">
-        <p14:creationId xmlns:p14="http://schemas.microsoft.com/office/powerpoint/2010/main" val="133116165"/>
+        <p14:creationId xmlns:p14="http://schemas.microsoft.com/office/powerpoint/2010/main" val="3687907648"/>
       </p:ext>
     </p:extLst>
   </p:cSld>
@@ -2548,7 +2677,7 @@
     </p:spTree>
     <p:extLst>
       <p:ext uri="{BB962C8B-B14F-4D97-AF65-F5344CB8AC3E}">
-        <p14:creationId xmlns:p14="http://schemas.microsoft.com/office/powerpoint/2010/main" val="3679954192"/>
+        <p14:creationId xmlns:p14="http://schemas.microsoft.com/office/powerpoint/2010/main" val="1865990018"/>
       </p:ext>
     </p:extLst>
   </p:cSld>
@@ -2632,7 +2761,7 @@
     </p:spTree>
     <p:extLst>
       <p:ext uri="{BB962C8B-B14F-4D97-AF65-F5344CB8AC3E}">
-        <p14:creationId xmlns:p14="http://schemas.microsoft.com/office/powerpoint/2010/main" val="1001897165"/>
+        <p14:creationId xmlns:p14="http://schemas.microsoft.com/office/powerpoint/2010/main" val="3679954192"/>
       </p:ext>
     </p:extLst>
   </p:cSld>
@@ -2716,7 +2845,7 @@
     </p:spTree>
     <p:extLst>
       <p:ext uri="{BB962C8B-B14F-4D97-AF65-F5344CB8AC3E}">
-        <p14:creationId xmlns:p14="http://schemas.microsoft.com/office/powerpoint/2010/main" val="1865990018"/>
+        <p14:creationId xmlns:p14="http://schemas.microsoft.com/office/powerpoint/2010/main" val="954511529"/>
       </p:ext>
     </p:extLst>
   </p:cSld>
@@ -2800,7 +2929,7 @@
     </p:spTree>
     <p:extLst>
       <p:ext uri="{BB962C8B-B14F-4D97-AF65-F5344CB8AC3E}">
-        <p14:creationId xmlns:p14="http://schemas.microsoft.com/office/powerpoint/2010/main" val="4105151699"/>
+        <p14:creationId xmlns:p14="http://schemas.microsoft.com/office/powerpoint/2010/main" val="1757615835"/>
       </p:ext>
     </p:extLst>
   </p:cSld>
@@ -2854,6 +2983,9 @@
           <a:bodyPr/>
           <a:lstStyle/>
           <a:p>
+            <a:pPr marL="228600" indent="-228600">
+              <a:buAutoNum type="arabicPeriod"/>
+            </a:pPr>
             <a:endParaRPr lang="en-US" dirty="0"/>
           </a:p>
         </p:txBody>
@@ -2884,7 +3016,7 @@
     </p:spTree>
     <p:extLst>
       <p:ext uri="{BB962C8B-B14F-4D97-AF65-F5344CB8AC3E}">
-        <p14:creationId xmlns:p14="http://schemas.microsoft.com/office/powerpoint/2010/main" val="954511529"/>
+        <p14:creationId xmlns:p14="http://schemas.microsoft.com/office/powerpoint/2010/main" val="1465228574"/>
       </p:ext>
     </p:extLst>
   </p:cSld>
@@ -2968,7 +3100,7 @@
     </p:spTree>
     <p:extLst>
       <p:ext uri="{BB962C8B-B14F-4D97-AF65-F5344CB8AC3E}">
-        <p14:creationId xmlns:p14="http://schemas.microsoft.com/office/powerpoint/2010/main" val="1757615835"/>
+        <p14:creationId xmlns:p14="http://schemas.microsoft.com/office/powerpoint/2010/main" val="2993259974"/>
       </p:ext>
     </p:extLst>
   </p:cSld>
@@ -3055,7 +3187,7 @@
     </p:spTree>
     <p:extLst>
       <p:ext uri="{BB962C8B-B14F-4D97-AF65-F5344CB8AC3E}">
-        <p14:creationId xmlns:p14="http://schemas.microsoft.com/office/powerpoint/2010/main" val="1465228574"/>
+        <p14:creationId xmlns:p14="http://schemas.microsoft.com/office/powerpoint/2010/main" val="1194959463"/>
       </p:ext>
     </p:extLst>
   </p:cSld>
@@ -4528,198 +4660,6 @@
       </p:grpSpPr>
       <p:sp>
         <p:nvSpPr>
-          <p:cNvPr id="2" name="Title 3">
-            <a:extLst>
-              <a:ext uri="{FF2B5EF4-FFF2-40B4-BE49-F238E27FC236}">
-                <a16:creationId xmlns:a16="http://schemas.microsoft.com/office/drawing/2014/main" id="{8B8E0CDC-7EF6-87E3-766E-2BCD6D6953DD}"/>
-              </a:ext>
-            </a:extLst>
-          </p:cNvPr>
-          <p:cNvSpPr txBox="1">
-            <a:spLocks/>
-          </p:cNvSpPr>
-          <p:nvPr/>
-        </p:nvSpPr>
-        <p:spPr bwMode="auto">
-          <a:xfrm>
-            <a:off x="2209800" y="1791005"/>
-            <a:ext cx="6324600" cy="584775"/>
-          </a:xfrm>
-          <a:prstGeom prst="rect">
-            <a:avLst/>
-          </a:prstGeom>
-          <a:noFill/>
-          <a:ln>
-            <a:noFill/>
-          </a:ln>
-          <a:extLst>
-            <a:ext uri="{909E8E84-426E-40DD-AFC4-6F175D3DCCD1}">
-              <a14:hiddenFill xmlns:a14="http://schemas.microsoft.com/office/drawing/2010/main">
-                <a:solidFill>
-                  <a:srgbClr val="FFFFFF"/>
-                </a:solidFill>
-              </a14:hiddenFill>
-            </a:ext>
-            <a:ext uri="{91240B29-F687-4F45-9708-019B960494DF}">
-              <a14:hiddenLine xmlns:a14="http://schemas.microsoft.com/office/drawing/2010/main" w="9525">
-                <a:solidFill>
-                  <a:srgbClr val="000000"/>
-                </a:solidFill>
-                <a:miter lim="800000"/>
-                <a:headEnd/>
-                <a:tailEnd/>
-              </a14:hiddenLine>
-            </a:ext>
-          </a:extLst>
-        </p:spPr>
-        <p:txBody>
-          <a:bodyPr vert="horz" wrap="square" lIns="91440" tIns="45720" rIns="91440" bIns="45720" numCol="1" anchor="t" anchorCtr="0" compatLnSpc="1">
-            <a:prstTxWarp prst="textNoShape">
-              <a:avLst/>
-            </a:prstTxWarp>
-            <a:spAutoFit/>
-          </a:bodyPr>
-          <a:lstStyle>
-            <a:lvl1pPr algn="l" rtl="0" eaLnBrk="1" fontAlgn="base" hangingPunct="1">
-              <a:spcBef>
-                <a:spcPct val="0"/>
-              </a:spcBef>
-              <a:spcAft>
-                <a:spcPct val="0"/>
-              </a:spcAft>
-              <a:defRPr sz="3200" b="1">
-                <a:solidFill>
-                  <a:srgbClr val="73B900"/>
-                </a:solidFill>
-                <a:latin typeface="Calibri" panose="020F0502020204030204" pitchFamily="34" charset="0"/>
-                <a:ea typeface="+mj-ea"/>
-                <a:cs typeface="Calibri" panose="020F0502020204030204" pitchFamily="34" charset="0"/>
-              </a:defRPr>
-            </a:lvl1pPr>
-            <a:lvl2pPr algn="l" rtl="0" eaLnBrk="1" fontAlgn="base" hangingPunct="1">
-              <a:spcBef>
-                <a:spcPct val="0"/>
-              </a:spcBef>
-              <a:spcAft>
-                <a:spcPct val="0"/>
-              </a:spcAft>
-              <a:defRPr sz="3200" b="1">
-                <a:solidFill>
-                  <a:srgbClr val="73B900"/>
-                </a:solidFill>
-                <a:latin typeface="Arial" charset="0"/>
-              </a:defRPr>
-            </a:lvl2pPr>
-            <a:lvl3pPr algn="l" rtl="0" eaLnBrk="1" fontAlgn="base" hangingPunct="1">
-              <a:spcBef>
-                <a:spcPct val="0"/>
-              </a:spcBef>
-              <a:spcAft>
-                <a:spcPct val="0"/>
-              </a:spcAft>
-              <a:defRPr sz="3200" b="1">
-                <a:solidFill>
-                  <a:srgbClr val="73B900"/>
-                </a:solidFill>
-                <a:latin typeface="Arial" charset="0"/>
-              </a:defRPr>
-            </a:lvl3pPr>
-            <a:lvl4pPr algn="l" rtl="0" eaLnBrk="1" fontAlgn="base" hangingPunct="1">
-              <a:spcBef>
-                <a:spcPct val="0"/>
-              </a:spcBef>
-              <a:spcAft>
-                <a:spcPct val="0"/>
-              </a:spcAft>
-              <a:defRPr sz="3200" b="1">
-                <a:solidFill>
-                  <a:srgbClr val="73B900"/>
-                </a:solidFill>
-                <a:latin typeface="Arial" charset="0"/>
-              </a:defRPr>
-            </a:lvl4pPr>
-            <a:lvl5pPr algn="l" rtl="0" eaLnBrk="1" fontAlgn="base" hangingPunct="1">
-              <a:spcBef>
-                <a:spcPct val="0"/>
-              </a:spcBef>
-              <a:spcAft>
-                <a:spcPct val="0"/>
-              </a:spcAft>
-              <a:defRPr sz="3200" b="1">
-                <a:solidFill>
-                  <a:srgbClr val="73B900"/>
-                </a:solidFill>
-                <a:latin typeface="Arial" charset="0"/>
-              </a:defRPr>
-            </a:lvl5pPr>
-            <a:lvl6pPr marL="457200" algn="l" rtl="0" eaLnBrk="1" fontAlgn="base" hangingPunct="1">
-              <a:spcBef>
-                <a:spcPct val="0"/>
-              </a:spcBef>
-              <a:spcAft>
-                <a:spcPct val="0"/>
-              </a:spcAft>
-              <a:defRPr sz="3200" b="1">
-                <a:solidFill>
-                  <a:srgbClr val="73B900"/>
-                </a:solidFill>
-                <a:latin typeface="Arial" charset="0"/>
-              </a:defRPr>
-            </a:lvl6pPr>
-            <a:lvl7pPr marL="914400" algn="l" rtl="0" eaLnBrk="1" fontAlgn="base" hangingPunct="1">
-              <a:spcBef>
-                <a:spcPct val="0"/>
-              </a:spcBef>
-              <a:spcAft>
-                <a:spcPct val="0"/>
-              </a:spcAft>
-              <a:defRPr sz="3200" b="1">
-                <a:solidFill>
-                  <a:srgbClr val="73B900"/>
-                </a:solidFill>
-                <a:latin typeface="Arial" charset="0"/>
-              </a:defRPr>
-            </a:lvl7pPr>
-            <a:lvl8pPr marL="1371600" algn="l" rtl="0" eaLnBrk="1" fontAlgn="base" hangingPunct="1">
-              <a:spcBef>
-                <a:spcPct val="0"/>
-              </a:spcBef>
-              <a:spcAft>
-                <a:spcPct val="0"/>
-              </a:spcAft>
-              <a:defRPr sz="3200" b="1">
-                <a:solidFill>
-                  <a:srgbClr val="73B900"/>
-                </a:solidFill>
-                <a:latin typeface="Arial" charset="0"/>
-              </a:defRPr>
-            </a:lvl8pPr>
-            <a:lvl9pPr marL="1828800" algn="l" rtl="0" eaLnBrk="1" fontAlgn="base" hangingPunct="1">
-              <a:spcBef>
-                <a:spcPct val="0"/>
-              </a:spcBef>
-              <a:spcAft>
-                <a:spcPct val="0"/>
-              </a:spcAft>
-              <a:defRPr sz="3200" b="1">
-                <a:solidFill>
-                  <a:srgbClr val="73B900"/>
-                </a:solidFill>
-                <a:latin typeface="Arial" charset="0"/>
-              </a:defRPr>
-            </a:lvl9pPr>
-          </a:lstStyle>
-          <a:p>
-            <a:pPr algn="ctr"/>
-            <a:r>
-              <a:rPr lang="en-US" kern="0"/>
-              <a:t>Visual Studio Code</a:t>
-            </a:r>
-          </a:p>
-        </p:txBody>
-      </p:sp>
-      <p:sp>
-        <p:nvSpPr>
           <p:cNvPr id="4" name="TextBox 3">
             <a:extLst>
               <a:ext uri="{FF2B5EF4-FFF2-40B4-BE49-F238E27FC236}">
@@ -4732,8 +4672,8 @@
         </p:nvSpPr>
         <p:spPr>
           <a:xfrm>
-            <a:off x="3673092" y="2400300"/>
-            <a:ext cx="3398016" cy="400110"/>
+            <a:off x="3482592" y="1885771"/>
+            <a:ext cx="3398016" cy="1200329"/>
           </a:xfrm>
           <a:prstGeom prst="rect">
             <a:avLst/>
@@ -4748,22 +4688,50 @@
           <a:p>
             <a:pPr algn="ctr"/>
             <a:r>
-              <a:rPr lang="en-US" sz="2000" b="1">
-                <a:latin typeface="Candara" panose="020E0502030303020204" pitchFamily="34" charset="0"/>
+              <a:rPr lang="en-US" sz="3200" b="1" kern="0" dirty="0">
+                <a:solidFill>
+                  <a:srgbClr val="73B900"/>
+                </a:solidFill>
+                <a:latin typeface="Calibri" panose="020F0502020204030204" pitchFamily="34" charset="0"/>
+                <a:ea typeface="Calibri" panose="020F0502020204030204" pitchFamily="34" charset="0"/>
                 <a:cs typeface="Calibri" panose="020F0502020204030204" pitchFamily="34" charset="0"/>
               </a:rPr>
-              <a:t>Vineel Kovvuri</a:t>
-            </a:r>
-            <a:endParaRPr lang="en-US" sz="2000" b="1">
+              <a:t>Visual Studio Code</a:t>
+            </a:r>
+            <a:endParaRPr lang="en-US" sz="3200" b="1" dirty="0">
               <a:solidFill>
-                <a:schemeClr val="bg1">
-                  <a:lumMod val="65000"/>
-                  <a:lumOff val="35000"/>
-                </a:schemeClr>
+                <a:srgbClr val="73B900"/>
               </a:solidFill>
-              <a:latin typeface="Candara" panose="020E0502030303020204" pitchFamily="34" charset="0"/>
+              <a:latin typeface="Calibri" panose="020F0502020204030204" pitchFamily="34" charset="0"/>
+              <a:ea typeface="Calibri" panose="020F0502020204030204" pitchFamily="34" charset="0"/>
               <a:cs typeface="Calibri" panose="020F0502020204030204" pitchFamily="34" charset="0"/>
             </a:endParaRPr>
+          </a:p>
+          <a:p>
+            <a:pPr algn="ctr"/>
+            <a:r>
+              <a:rPr lang="en-US" sz="2000" b="1" dirty="0">
+                <a:latin typeface="Candara" panose="020E0502030303020204" pitchFamily="34" charset="0"/>
+                <a:cs typeface="Calibri" panose="020F0502020204030204" pitchFamily="34" charset="0"/>
+              </a:rPr>
+              <a:t>Vineel Kovvuri</a:t>
+            </a:r>
+          </a:p>
+          <a:p>
+            <a:pPr algn="ctr"/>
+            <a:r>
+              <a:rPr lang="en-US" sz="2000" b="1" dirty="0">
+                <a:solidFill>
+                  <a:schemeClr val="bg1">
+                    <a:lumMod val="65000"/>
+                    <a:lumOff val="35000"/>
+                  </a:schemeClr>
+                </a:solidFill>
+                <a:latin typeface="Candara" panose="020E0502030303020204" pitchFamily="34" charset="0"/>
+                <a:cs typeface="Calibri" panose="020F0502020204030204" pitchFamily="34" charset="0"/>
+              </a:rPr>
+              <a:t>Senior SDE @ Microsoft</a:t>
+            </a:r>
           </a:p>
         </p:txBody>
       </p:sp>
@@ -4993,7 +4961,7 @@
         </p:blipFill>
         <p:spPr>
           <a:xfrm>
-            <a:off x="4495800" y="3456120"/>
+            <a:off x="4495800" y="3467100"/>
             <a:ext cx="1371600" cy="1371600"/>
           </a:xfrm>
           <a:prstGeom prst="rect">
@@ -5091,7 +5059,7 @@
               <a:rPr lang="en-US" kern="1200" dirty="0">
                 <a:latin typeface="Candara" panose="020E0502030303020204" pitchFamily="34" charset="0"/>
               </a:rPr>
-              <a:t>Multiple Cursor</a:t>
+              <a:t>Extensions</a:t>
             </a:r>
           </a:p>
         </p:txBody>
@@ -5155,7 +5123,7 @@
         <p:spPr>
           <a:xfrm>
             <a:off x="304800" y="952500"/>
-            <a:ext cx="10287003" cy="1477328"/>
+            <a:ext cx="10287003" cy="2308324"/>
           </a:xfrm>
           <a:noFill/>
         </p:spPr>
@@ -5177,7 +5145,7 @@
                 <a:latin typeface="Candara" panose="020E0502030303020204" pitchFamily="34" charset="0"/>
                 <a:cs typeface="Arial" charset="0"/>
               </a:rPr>
-              <a:t>Ctrl + D – Create Multiple cursor at next occurrence </a:t>
+              <a:t>Align</a:t>
             </a:r>
           </a:p>
           <a:p>
@@ -5193,7 +5161,7 @@
                 <a:latin typeface="Candara" panose="020E0502030303020204" pitchFamily="34" charset="0"/>
                 <a:cs typeface="Arial" charset="0"/>
               </a:rPr>
-              <a:t>Ctrl + Alt + Down/Up – Create Multiple cursors on each line</a:t>
+              <a:t>Case conversion(Transform)</a:t>
             </a:r>
           </a:p>
           <a:p>
@@ -5209,7 +5177,7 @@
                 <a:latin typeface="Candara" panose="020E0502030303020204" pitchFamily="34" charset="0"/>
                 <a:cs typeface="Arial" charset="0"/>
               </a:rPr>
-              <a:t>Each Cursors copies its own select word</a:t>
+              <a:t>Text Pastry - 1 to X</a:t>
             </a:r>
           </a:p>
           <a:p>
@@ -5225,7 +5193,7 @@
                 <a:latin typeface="Candara" panose="020E0502030303020204" pitchFamily="34" charset="0"/>
                 <a:cs typeface="Arial" charset="0"/>
               </a:rPr>
-              <a:t>Ctrl + Shift + I – Multiple Cursors on all selected lines</a:t>
+              <a:t>Delete trailing spaces</a:t>
             </a:r>
           </a:p>
           <a:p>
@@ -5237,32 +5205,66 @@
               <a:buChar char="•"/>
             </a:pPr>
             <a:r>
+              <a:rPr lang="en-US" sz="1800" kern="1200" dirty="0">
+                <a:latin typeface="Candara" panose="020E0502030303020204" pitchFamily="34" charset="0"/>
+                <a:cs typeface="Arial" charset="0"/>
+              </a:rPr>
+              <a:t>Commenting flow</a:t>
+            </a:r>
+          </a:p>
+          <a:p>
+            <a:pPr marL="285750" indent="-285750">
+              <a:spcBef>
+                <a:spcPct val="0"/>
+              </a:spcBef>
+              <a:buFont typeface="Arial" panose="020B0604020202020204" pitchFamily="34" charset="0"/>
+              <a:buChar char="•"/>
+            </a:pPr>
+            <a:r>
+              <a:rPr lang="en-US" sz="1800" kern="1200" dirty="0">
+                <a:latin typeface="Candara" panose="020E0502030303020204" pitchFamily="34" charset="0"/>
+                <a:cs typeface="Arial" charset="0"/>
+              </a:rPr>
+              <a:t>Prettier – Code formatter – Shift + Alt + F</a:t>
+            </a:r>
+          </a:p>
+          <a:p>
+            <a:pPr marL="285750" indent="-285750">
+              <a:spcBef>
+                <a:spcPct val="0"/>
+              </a:spcBef>
+              <a:buFont typeface="Arial" panose="020B0604020202020204" pitchFamily="34" charset="0"/>
+              <a:buChar char="•"/>
+            </a:pPr>
+            <a:r>
               <a:rPr lang="en-US" sz="1800" kern="1200" dirty="0" err="1">
                 <a:latin typeface="Candara" panose="020E0502030303020204" pitchFamily="34" charset="0"/>
                 <a:cs typeface="Arial" charset="0"/>
               </a:rPr>
-              <a:t>Ctrl+F</a:t>
+              <a:t>VSCode</a:t>
             </a:r>
             <a:r>
               <a:rPr lang="en-US" sz="1800" kern="1200" dirty="0">
                 <a:latin typeface="Candara" panose="020E0502030303020204" pitchFamily="34" charset="0"/>
                 <a:cs typeface="Arial" charset="0"/>
               </a:rPr>
-              <a:t> &gt; Search &gt; </a:t>
-            </a:r>
-            <a:r>
-              <a:rPr lang="en-US" sz="1800" kern="1200" dirty="0" err="1">
+              <a:t>-PDF extension</a:t>
+            </a:r>
+          </a:p>
+          <a:p>
+            <a:pPr marL="285750" indent="-285750">
+              <a:spcBef>
+                <a:spcPct val="0"/>
+              </a:spcBef>
+              <a:buFont typeface="Arial" panose="020B0604020202020204" pitchFamily="34" charset="0"/>
+              <a:buChar char="•"/>
+            </a:pPr>
+            <a:r>
+              <a:rPr lang="en-US" sz="1800" kern="1200" dirty="0">
                 <a:latin typeface="Candara" panose="020E0502030303020204" pitchFamily="34" charset="0"/>
                 <a:cs typeface="Arial" charset="0"/>
               </a:rPr>
-              <a:t>Alt+Enter</a:t>
-            </a:r>
-            <a:r>
-              <a:rPr lang="en-US" sz="1800" kern="1200" dirty="0">
-                <a:latin typeface="Candara" panose="020E0502030303020204" pitchFamily="34" charset="0"/>
-                <a:cs typeface="Arial" charset="0"/>
-              </a:rPr>
-              <a:t> – Create multiple cursor on all occurrences in the current file</a:t>
+              <a:t>Rainbow CSV extension</a:t>
             </a:r>
           </a:p>
         </p:txBody>
@@ -5270,7 +5272,7 @@
     </p:spTree>
     <p:extLst>
       <p:ext uri="{BB962C8B-B14F-4D97-AF65-F5344CB8AC3E}">
-        <p14:creationId xmlns:p14="http://schemas.microsoft.com/office/powerpoint/2010/main" val="2861928724"/>
+        <p14:creationId xmlns:p14="http://schemas.microsoft.com/office/powerpoint/2010/main" val="3683145543"/>
       </p:ext>
     </p:extLst>
   </p:cSld>
@@ -5476,11 +5478,12 @@
             </a:lvl9pPr>
           </a:lstStyle>
           <a:p>
+            <a:pPr algn="ctr"/>
             <a:r>
               <a:rPr lang="en-US" dirty="0">
                 <a:latin typeface="Candara" panose="020E0502030303020204" pitchFamily="34" charset="0"/>
               </a:rPr>
-              <a:t>Multiple Cursors Walkthrough</a:t>
+              <a:t>Extensions Walkthrough</a:t>
             </a:r>
           </a:p>
         </p:txBody>
@@ -5488,7 +5491,7 @@
     </p:spTree>
     <p:extLst>
       <p:ext uri="{BB962C8B-B14F-4D97-AF65-F5344CB8AC3E}">
-        <p14:creationId xmlns:p14="http://schemas.microsoft.com/office/powerpoint/2010/main" val="3359961443"/>
+        <p14:creationId xmlns:p14="http://schemas.microsoft.com/office/powerpoint/2010/main" val="3368414746"/>
       </p:ext>
     </p:extLst>
   </p:cSld>
@@ -5575,7 +5578,7 @@
               <a:rPr lang="en-US" kern="1200" dirty="0">
                 <a:latin typeface="Candara" panose="020E0502030303020204" pitchFamily="34" charset="0"/>
               </a:rPr>
-              <a:t>Extensions</a:t>
+              <a:t>References</a:t>
             </a:r>
           </a:p>
         </p:txBody>
@@ -5622,706 +5625,6 @@
       </p:sp>
       <p:sp>
         <p:nvSpPr>
-          <p:cNvPr id="2" name="Content Placeholder 2">
-            <a:extLst>
-              <a:ext uri="{FF2B5EF4-FFF2-40B4-BE49-F238E27FC236}">
-                <a16:creationId xmlns:a16="http://schemas.microsoft.com/office/drawing/2014/main" id="{AFD3BE29-AA42-33CC-FA24-6F4AD22B3C20}"/>
-              </a:ext>
-            </a:extLst>
-          </p:cNvPr>
-          <p:cNvSpPr>
-            <a:spLocks noGrp="1"/>
-          </p:cNvSpPr>
-          <p:nvPr>
-            <p:ph idx="1"/>
-          </p:nvPr>
-        </p:nvSpPr>
-        <p:spPr>
-          <a:xfrm>
-            <a:off x="304800" y="952500"/>
-            <a:ext cx="10287003" cy="2308324"/>
-          </a:xfrm>
-          <a:noFill/>
-        </p:spPr>
-        <p:txBody>
-          <a:bodyPr wrap="square" rtlCol="0">
-            <a:spAutoFit/>
-          </a:bodyPr>
-          <a:lstStyle/>
-          <a:p>
-            <a:pPr marL="285750" indent="-285750">
-              <a:spcBef>
-                <a:spcPct val="0"/>
-              </a:spcBef>
-              <a:buFont typeface="Arial" panose="020B0604020202020204" pitchFamily="34" charset="0"/>
-              <a:buChar char="•"/>
-            </a:pPr>
-            <a:r>
-              <a:rPr lang="en-US" sz="1800" kern="1200" dirty="0">
-                <a:latin typeface="Candara" panose="020E0502030303020204" pitchFamily="34" charset="0"/>
-                <a:cs typeface="Arial" charset="0"/>
-              </a:rPr>
-              <a:t>Align</a:t>
-            </a:r>
-          </a:p>
-          <a:p>
-            <a:pPr marL="285750" indent="-285750">
-              <a:spcBef>
-                <a:spcPct val="0"/>
-              </a:spcBef>
-              <a:buFont typeface="Arial" panose="020B0604020202020204" pitchFamily="34" charset="0"/>
-              <a:buChar char="•"/>
-            </a:pPr>
-            <a:r>
-              <a:rPr lang="en-US" sz="1800" kern="1200" dirty="0">
-                <a:latin typeface="Candara" panose="020E0502030303020204" pitchFamily="34" charset="0"/>
-                <a:cs typeface="Arial" charset="0"/>
-              </a:rPr>
-              <a:t>Case conversion(Transform)</a:t>
-            </a:r>
-          </a:p>
-          <a:p>
-            <a:pPr marL="285750" indent="-285750">
-              <a:spcBef>
-                <a:spcPct val="0"/>
-              </a:spcBef>
-              <a:buFont typeface="Arial" panose="020B0604020202020204" pitchFamily="34" charset="0"/>
-              <a:buChar char="•"/>
-            </a:pPr>
-            <a:r>
-              <a:rPr lang="en-US" sz="1800" kern="1200" dirty="0">
-                <a:latin typeface="Candara" panose="020E0502030303020204" pitchFamily="34" charset="0"/>
-                <a:cs typeface="Arial" charset="0"/>
-              </a:rPr>
-              <a:t>Text Pastry - 1 to X</a:t>
-            </a:r>
-          </a:p>
-          <a:p>
-            <a:pPr marL="285750" indent="-285750">
-              <a:spcBef>
-                <a:spcPct val="0"/>
-              </a:spcBef>
-              <a:buFont typeface="Arial" panose="020B0604020202020204" pitchFamily="34" charset="0"/>
-              <a:buChar char="•"/>
-            </a:pPr>
-            <a:r>
-              <a:rPr lang="en-US" sz="1800" kern="1200" dirty="0">
-                <a:latin typeface="Candara" panose="020E0502030303020204" pitchFamily="34" charset="0"/>
-                <a:cs typeface="Arial" charset="0"/>
-              </a:rPr>
-              <a:t>Delete trailing spaces</a:t>
-            </a:r>
-          </a:p>
-          <a:p>
-            <a:pPr marL="285750" indent="-285750">
-              <a:spcBef>
-                <a:spcPct val="0"/>
-              </a:spcBef>
-              <a:buFont typeface="Arial" panose="020B0604020202020204" pitchFamily="34" charset="0"/>
-              <a:buChar char="•"/>
-            </a:pPr>
-            <a:r>
-              <a:rPr lang="en-US" sz="1800" kern="1200" dirty="0">
-                <a:latin typeface="Candara" panose="020E0502030303020204" pitchFamily="34" charset="0"/>
-                <a:cs typeface="Arial" charset="0"/>
-              </a:rPr>
-              <a:t>Commenting flow</a:t>
-            </a:r>
-          </a:p>
-          <a:p>
-            <a:pPr marL="285750" indent="-285750">
-              <a:spcBef>
-                <a:spcPct val="0"/>
-              </a:spcBef>
-              <a:buFont typeface="Arial" panose="020B0604020202020204" pitchFamily="34" charset="0"/>
-              <a:buChar char="•"/>
-            </a:pPr>
-            <a:r>
-              <a:rPr lang="en-US" sz="1800" kern="1200" dirty="0">
-                <a:latin typeface="Candara" panose="020E0502030303020204" pitchFamily="34" charset="0"/>
-                <a:cs typeface="Arial" charset="0"/>
-              </a:rPr>
-              <a:t>Prettier – Code formatter – Shift + Alt + F</a:t>
-            </a:r>
-          </a:p>
-          <a:p>
-            <a:pPr marL="285750" indent="-285750">
-              <a:spcBef>
-                <a:spcPct val="0"/>
-              </a:spcBef>
-              <a:buFont typeface="Arial" panose="020B0604020202020204" pitchFamily="34" charset="0"/>
-              <a:buChar char="•"/>
-            </a:pPr>
-            <a:r>
-              <a:rPr lang="en-US" sz="1800" kern="1200" dirty="0" err="1">
-                <a:latin typeface="Candara" panose="020E0502030303020204" pitchFamily="34" charset="0"/>
-                <a:cs typeface="Arial" charset="0"/>
-              </a:rPr>
-              <a:t>VSCode</a:t>
-            </a:r>
-            <a:r>
-              <a:rPr lang="en-US" sz="1800" kern="1200" dirty="0">
-                <a:latin typeface="Candara" panose="020E0502030303020204" pitchFamily="34" charset="0"/>
-                <a:cs typeface="Arial" charset="0"/>
-              </a:rPr>
-              <a:t>-PDF extension</a:t>
-            </a:r>
-          </a:p>
-          <a:p>
-            <a:pPr marL="285750" indent="-285750">
-              <a:spcBef>
-                <a:spcPct val="0"/>
-              </a:spcBef>
-              <a:buFont typeface="Arial" panose="020B0604020202020204" pitchFamily="34" charset="0"/>
-              <a:buChar char="•"/>
-            </a:pPr>
-            <a:r>
-              <a:rPr lang="en-US" sz="1800" kern="1200" dirty="0">
-                <a:latin typeface="Candara" panose="020E0502030303020204" pitchFamily="34" charset="0"/>
-                <a:cs typeface="Arial" charset="0"/>
-              </a:rPr>
-              <a:t>Rainbow CSV extension</a:t>
-            </a:r>
-          </a:p>
-        </p:txBody>
-      </p:sp>
-    </p:spTree>
-    <p:extLst>
-      <p:ext uri="{BB962C8B-B14F-4D97-AF65-F5344CB8AC3E}">
-        <p14:creationId xmlns:p14="http://schemas.microsoft.com/office/powerpoint/2010/main" val="3683145543"/>
-      </p:ext>
-    </p:extLst>
-  </p:cSld>
-  <p:clrMapOvr>
-    <a:masterClrMapping/>
-  </p:clrMapOvr>
-  <p:transition/>
-</p:sld>
-</file>
-
-<file path=ppt/slides/slide13.xml><?xml version="1.0" encoding="utf-8"?>
-<p:sld xmlns:a="http://schemas.openxmlformats.org/drawingml/2006/main" xmlns:r="http://schemas.openxmlformats.org/officeDocument/2006/relationships" xmlns:p="http://schemas.openxmlformats.org/presentationml/2006/main">
-  <p:cSld>
-    <p:spTree>
-      <p:nvGrpSpPr>
-        <p:cNvPr id="1" name=""/>
-        <p:cNvGrpSpPr/>
-        <p:nvPr/>
-      </p:nvGrpSpPr>
-      <p:grpSpPr>
-        <a:xfrm>
-          <a:off x="0" y="0"/>
-          <a:ext cx="0" cy="0"/>
-          <a:chOff x="0" y="0"/>
-          <a:chExt cx="0" cy="0"/>
-        </a:xfrm>
-      </p:grpSpPr>
-      <p:sp>
-        <p:nvSpPr>
-          <p:cNvPr id="3" name="Title 2"/>
-          <p:cNvSpPr>
-            <a:spLocks noGrp="1"/>
-          </p:cNvSpPr>
-          <p:nvPr>
-            <p:ph type="title"/>
-          </p:nvPr>
-        </p:nvSpPr>
-        <p:spPr>
-          <a:xfrm>
-            <a:off x="549278" y="247651"/>
-            <a:ext cx="9204325" cy="584775"/>
-          </a:xfrm>
-          <a:noFill/>
-          <a:ln>
-            <a:noFill/>
-          </a:ln>
-          <a:extLst>
-            <a:ext uri="{909E8E84-426E-40DD-AFC4-6F175D3DCCD1}">
-              <a14:hiddenFill xmlns:a14="http://schemas.microsoft.com/office/drawing/2010/main">
-                <a:solidFill>
-                  <a:srgbClr val="FFFFFF"/>
-                </a:solidFill>
-              </a14:hiddenFill>
-            </a:ext>
-            <a:ext uri="{91240B29-F687-4F45-9708-019B960494DF}">
-              <a14:hiddenLine xmlns:a14="http://schemas.microsoft.com/office/drawing/2010/main" w="9525">
-                <a:solidFill>
-                  <a:srgbClr val="000000"/>
-                </a:solidFill>
-                <a:miter lim="800000"/>
-                <a:headEnd/>
-                <a:tailEnd/>
-              </a14:hiddenLine>
-            </a:ext>
-          </a:extLst>
-        </p:spPr>
-        <p:txBody>
-          <a:bodyPr vert="horz" wrap="square" lIns="91440" tIns="45720" rIns="91440" bIns="45720" numCol="1" anchor="b" anchorCtr="0" compatLnSpc="1">
-            <a:prstTxWarp prst="textNoShape">
-              <a:avLst/>
-            </a:prstTxWarp>
-            <a:spAutoFit/>
-          </a:bodyPr>
-          <a:lstStyle/>
-          <a:p>
-            <a:r>
-              <a:rPr lang="en-US" dirty="0">
-                <a:latin typeface="Candara" panose="020E0502030303020204" pitchFamily="34" charset="0"/>
-              </a:rPr>
-              <a:t>Settings and Customization</a:t>
-            </a:r>
-            <a:endParaRPr lang="en-US" kern="1200" dirty="0">
-              <a:latin typeface="Candara" panose="020E0502030303020204" pitchFamily="34" charset="0"/>
-            </a:endParaRPr>
-          </a:p>
-        </p:txBody>
-      </p:sp>
-      <p:sp>
-        <p:nvSpPr>
-          <p:cNvPr id="4" name="Slide Number Placeholder 3"/>
-          <p:cNvSpPr>
-            <a:spLocks noGrp="1"/>
-          </p:cNvSpPr>
-          <p:nvPr>
-            <p:ph type="sldNum" sz="quarter" idx="10"/>
-          </p:nvPr>
-        </p:nvSpPr>
-        <p:spPr/>
-        <p:txBody>
-          <a:bodyPr/>
-          <a:lstStyle/>
-          <a:p>
-            <a:fld id="{A1BED318-8369-4B57-A789-6DE14716B575}" type="slidenum">
-              <a:rPr lang="en-US" smtClean="0">
-                <a:solidFill>
-                  <a:schemeClr val="bg2">
-                    <a:lumMod val="50000"/>
-                  </a:schemeClr>
-                </a:solidFill>
-                <a:latin typeface="Consolas" panose="020B0609020204030204" pitchFamily="49" charset="0"/>
-                <a:cs typeface="Consolas" panose="020B0609020204030204" pitchFamily="49" charset="0"/>
-              </a:rPr>
-              <a:pPr/>
-              <a:t>13</a:t>
-            </a:fld>
-            <a:endParaRPr lang="en-US" dirty="0">
-              <a:solidFill>
-                <a:schemeClr val="bg2">
-                  <a:lumMod val="50000"/>
-                </a:schemeClr>
-              </a:solidFill>
-              <a:latin typeface="Consolas" panose="020B0609020204030204" pitchFamily="49" charset="0"/>
-              <a:cs typeface="Consolas" panose="020B0609020204030204" pitchFamily="49" charset="0"/>
-            </a:endParaRPr>
-          </a:p>
-        </p:txBody>
-      </p:sp>
-      <p:pic>
-        <p:nvPicPr>
-          <p:cNvPr id="6" name="Picture 5">
-            <a:extLst>
-              <a:ext uri="{FF2B5EF4-FFF2-40B4-BE49-F238E27FC236}">
-                <a16:creationId xmlns:a16="http://schemas.microsoft.com/office/drawing/2014/main" id="{9B179F26-856F-2460-29C5-E862897032A0}"/>
-              </a:ext>
-            </a:extLst>
-          </p:cNvPr>
-          <p:cNvPicPr>
-            <a:picLocks noChangeAspect="1"/>
-          </p:cNvPicPr>
-          <p:nvPr/>
-        </p:nvPicPr>
-        <p:blipFill>
-          <a:blip r:embed="rId3"/>
-          <a:stretch>
-            <a:fillRect/>
-          </a:stretch>
-        </p:blipFill>
-        <p:spPr>
-          <a:xfrm>
-            <a:off x="1600200" y="876300"/>
-            <a:ext cx="6871053" cy="2806844"/>
-          </a:xfrm>
-          <a:prstGeom prst="rect">
-            <a:avLst/>
-          </a:prstGeom>
-        </p:spPr>
-      </p:pic>
-      <p:sp>
-        <p:nvSpPr>
-          <p:cNvPr id="2" name="Content Placeholder 2">
-            <a:extLst>
-              <a:ext uri="{FF2B5EF4-FFF2-40B4-BE49-F238E27FC236}">
-                <a16:creationId xmlns:a16="http://schemas.microsoft.com/office/drawing/2014/main" id="{4B37A515-8872-EB84-DE61-F4BC97CFC21C}"/>
-              </a:ext>
-            </a:extLst>
-          </p:cNvPr>
-          <p:cNvSpPr>
-            <a:spLocks noGrp="1"/>
-          </p:cNvSpPr>
-          <p:nvPr>
-            <p:ph idx="1"/>
-          </p:nvPr>
-        </p:nvSpPr>
-        <p:spPr>
-          <a:xfrm>
-            <a:off x="381000" y="4584256"/>
-            <a:ext cx="10287003" cy="369332"/>
-          </a:xfrm>
-          <a:noFill/>
-        </p:spPr>
-        <p:txBody>
-          <a:bodyPr wrap="square" rtlCol="0">
-            <a:spAutoFit/>
-          </a:bodyPr>
-          <a:lstStyle/>
-          <a:p>
-            <a:pPr marL="285750" indent="-285750">
-              <a:spcBef>
-                <a:spcPct val="0"/>
-              </a:spcBef>
-              <a:buFont typeface="Arial" panose="020B0604020202020204" pitchFamily="34" charset="0"/>
-              <a:buChar char="•"/>
-            </a:pPr>
-            <a:r>
-              <a:rPr lang="en-US" sz="1800" kern="1200" dirty="0">
-                <a:latin typeface="Candara" panose="020E0502030303020204" pitchFamily="34" charset="0"/>
-                <a:cs typeface="Arial" charset="0"/>
-                <a:hlinkClick r:id="rId4"/>
-              </a:rPr>
-              <a:t>https://github.com/vineelkovvuri/dotconfig</a:t>
-            </a:r>
-            <a:r>
-              <a:rPr lang="en-US" sz="1800" kern="1200" dirty="0">
-                <a:latin typeface="Candara" panose="020E0502030303020204" pitchFamily="34" charset="0"/>
-                <a:cs typeface="Arial" charset="0"/>
-              </a:rPr>
-              <a:t> </a:t>
-            </a:r>
-          </a:p>
-        </p:txBody>
-      </p:sp>
-      <p:sp>
-        <p:nvSpPr>
-          <p:cNvPr id="5" name="Title 2">
-            <a:extLst>
-              <a:ext uri="{FF2B5EF4-FFF2-40B4-BE49-F238E27FC236}">
-                <a16:creationId xmlns:a16="http://schemas.microsoft.com/office/drawing/2014/main" id="{DEE3A139-E71D-36E2-03C2-6FBE11903731}"/>
-              </a:ext>
-            </a:extLst>
-          </p:cNvPr>
-          <p:cNvSpPr txBox="1">
-            <a:spLocks/>
-          </p:cNvSpPr>
-          <p:nvPr/>
-        </p:nvSpPr>
-        <p:spPr bwMode="auto">
-          <a:xfrm>
-            <a:off x="549278" y="3999481"/>
-            <a:ext cx="9204325" cy="584775"/>
-          </a:xfrm>
-          <a:prstGeom prst="rect">
-            <a:avLst/>
-          </a:prstGeom>
-          <a:noFill/>
-          <a:ln>
-            <a:noFill/>
-          </a:ln>
-          <a:extLst>
-            <a:ext uri="{909E8E84-426E-40DD-AFC4-6F175D3DCCD1}">
-              <a14:hiddenFill xmlns:a14="http://schemas.microsoft.com/office/drawing/2010/main">
-                <a:solidFill>
-                  <a:srgbClr val="FFFFFF"/>
-                </a:solidFill>
-              </a14:hiddenFill>
-            </a:ext>
-            <a:ext uri="{91240B29-F687-4F45-9708-019B960494DF}">
-              <a14:hiddenLine xmlns:a14="http://schemas.microsoft.com/office/drawing/2010/main" w="9525">
-                <a:solidFill>
-                  <a:srgbClr val="000000"/>
-                </a:solidFill>
-                <a:miter lim="800000"/>
-                <a:headEnd/>
-                <a:tailEnd/>
-              </a14:hiddenLine>
-            </a:ext>
-          </a:extLst>
-        </p:spPr>
-        <p:txBody>
-          <a:bodyPr vert="horz" wrap="square" lIns="91440" tIns="45720" rIns="91440" bIns="45720" numCol="1" anchor="b" anchorCtr="0" compatLnSpc="1">
-            <a:prstTxWarp prst="textNoShape">
-              <a:avLst/>
-            </a:prstTxWarp>
-            <a:spAutoFit/>
-          </a:bodyPr>
-          <a:lstStyle>
-            <a:lvl1pPr algn="l" rtl="0" eaLnBrk="1" fontAlgn="base" hangingPunct="1">
-              <a:spcBef>
-                <a:spcPct val="0"/>
-              </a:spcBef>
-              <a:spcAft>
-                <a:spcPct val="0"/>
-              </a:spcAft>
-              <a:defRPr sz="3200" b="1">
-                <a:solidFill>
-                  <a:srgbClr val="73B900"/>
-                </a:solidFill>
-                <a:latin typeface="Calibri" panose="020F0502020204030204" pitchFamily="34" charset="0"/>
-                <a:ea typeface="+mj-ea"/>
-                <a:cs typeface="Calibri" panose="020F0502020204030204" pitchFamily="34" charset="0"/>
-              </a:defRPr>
-            </a:lvl1pPr>
-            <a:lvl2pPr algn="l" rtl="0" eaLnBrk="1" fontAlgn="base" hangingPunct="1">
-              <a:spcBef>
-                <a:spcPct val="0"/>
-              </a:spcBef>
-              <a:spcAft>
-                <a:spcPct val="0"/>
-              </a:spcAft>
-              <a:defRPr sz="3200" b="1">
-                <a:solidFill>
-                  <a:srgbClr val="73B900"/>
-                </a:solidFill>
-                <a:latin typeface="Arial" charset="0"/>
-              </a:defRPr>
-            </a:lvl2pPr>
-            <a:lvl3pPr algn="l" rtl="0" eaLnBrk="1" fontAlgn="base" hangingPunct="1">
-              <a:spcBef>
-                <a:spcPct val="0"/>
-              </a:spcBef>
-              <a:spcAft>
-                <a:spcPct val="0"/>
-              </a:spcAft>
-              <a:defRPr sz="3200" b="1">
-                <a:solidFill>
-                  <a:srgbClr val="73B900"/>
-                </a:solidFill>
-                <a:latin typeface="Arial" charset="0"/>
-              </a:defRPr>
-            </a:lvl3pPr>
-            <a:lvl4pPr algn="l" rtl="0" eaLnBrk="1" fontAlgn="base" hangingPunct="1">
-              <a:spcBef>
-                <a:spcPct val="0"/>
-              </a:spcBef>
-              <a:spcAft>
-                <a:spcPct val="0"/>
-              </a:spcAft>
-              <a:defRPr sz="3200" b="1">
-                <a:solidFill>
-                  <a:srgbClr val="73B900"/>
-                </a:solidFill>
-                <a:latin typeface="Arial" charset="0"/>
-              </a:defRPr>
-            </a:lvl4pPr>
-            <a:lvl5pPr algn="l" rtl="0" eaLnBrk="1" fontAlgn="base" hangingPunct="1">
-              <a:spcBef>
-                <a:spcPct val="0"/>
-              </a:spcBef>
-              <a:spcAft>
-                <a:spcPct val="0"/>
-              </a:spcAft>
-              <a:defRPr sz="3200" b="1">
-                <a:solidFill>
-                  <a:srgbClr val="73B900"/>
-                </a:solidFill>
-                <a:latin typeface="Arial" charset="0"/>
-              </a:defRPr>
-            </a:lvl5pPr>
-            <a:lvl6pPr marL="457200" algn="l" rtl="0" eaLnBrk="1" fontAlgn="base" hangingPunct="1">
-              <a:spcBef>
-                <a:spcPct val="0"/>
-              </a:spcBef>
-              <a:spcAft>
-                <a:spcPct val="0"/>
-              </a:spcAft>
-              <a:defRPr sz="3200" b="1">
-                <a:solidFill>
-                  <a:srgbClr val="73B900"/>
-                </a:solidFill>
-                <a:latin typeface="Arial" charset="0"/>
-              </a:defRPr>
-            </a:lvl6pPr>
-            <a:lvl7pPr marL="914400" algn="l" rtl="0" eaLnBrk="1" fontAlgn="base" hangingPunct="1">
-              <a:spcBef>
-                <a:spcPct val="0"/>
-              </a:spcBef>
-              <a:spcAft>
-                <a:spcPct val="0"/>
-              </a:spcAft>
-              <a:defRPr sz="3200" b="1">
-                <a:solidFill>
-                  <a:srgbClr val="73B900"/>
-                </a:solidFill>
-                <a:latin typeface="Arial" charset="0"/>
-              </a:defRPr>
-            </a:lvl7pPr>
-            <a:lvl8pPr marL="1371600" algn="l" rtl="0" eaLnBrk="1" fontAlgn="base" hangingPunct="1">
-              <a:spcBef>
-                <a:spcPct val="0"/>
-              </a:spcBef>
-              <a:spcAft>
-                <a:spcPct val="0"/>
-              </a:spcAft>
-              <a:defRPr sz="3200" b="1">
-                <a:solidFill>
-                  <a:srgbClr val="73B900"/>
-                </a:solidFill>
-                <a:latin typeface="Arial" charset="0"/>
-              </a:defRPr>
-            </a:lvl8pPr>
-            <a:lvl9pPr marL="1828800" algn="l" rtl="0" eaLnBrk="1" fontAlgn="base" hangingPunct="1">
-              <a:spcBef>
-                <a:spcPct val="0"/>
-              </a:spcBef>
-              <a:spcAft>
-                <a:spcPct val="0"/>
-              </a:spcAft>
-              <a:defRPr sz="3200" b="1">
-                <a:solidFill>
-                  <a:srgbClr val="73B900"/>
-                </a:solidFill>
-                <a:latin typeface="Arial" charset="0"/>
-              </a:defRPr>
-            </a:lvl9pPr>
-          </a:lstStyle>
-          <a:p>
-            <a:r>
-              <a:rPr lang="en-US" kern="0">
-                <a:latin typeface="Candara" panose="020E0502030303020204" pitchFamily="34" charset="0"/>
-              </a:rPr>
-              <a:t>My Settings</a:t>
-            </a:r>
-            <a:endParaRPr lang="en-US" kern="1200" dirty="0">
-              <a:latin typeface="Candara" panose="020E0502030303020204" pitchFamily="34" charset="0"/>
-            </a:endParaRPr>
-          </a:p>
-        </p:txBody>
-      </p:sp>
-    </p:spTree>
-    <p:extLst>
-      <p:ext uri="{BB962C8B-B14F-4D97-AF65-F5344CB8AC3E}">
-        <p14:creationId xmlns:p14="http://schemas.microsoft.com/office/powerpoint/2010/main" val="2638763177"/>
-      </p:ext>
-    </p:extLst>
-  </p:cSld>
-  <p:clrMapOvr>
-    <a:masterClrMapping/>
-  </p:clrMapOvr>
-  <p:transition/>
-</p:sld>
-</file>
-
-<file path=ppt/slides/slide14.xml><?xml version="1.0" encoding="utf-8"?>
-<p:sld xmlns:a="http://schemas.openxmlformats.org/drawingml/2006/main" xmlns:r="http://schemas.openxmlformats.org/officeDocument/2006/relationships" xmlns:p="http://schemas.openxmlformats.org/presentationml/2006/main">
-  <p:cSld>
-    <p:spTree>
-      <p:nvGrpSpPr>
-        <p:cNvPr id="1" name=""/>
-        <p:cNvGrpSpPr/>
-        <p:nvPr/>
-      </p:nvGrpSpPr>
-      <p:grpSpPr>
-        <a:xfrm>
-          <a:off x="0" y="0"/>
-          <a:ext cx="0" cy="0"/>
-          <a:chOff x="0" y="0"/>
-          <a:chExt cx="0" cy="0"/>
-        </a:xfrm>
-      </p:grpSpPr>
-      <p:sp>
-        <p:nvSpPr>
-          <p:cNvPr id="3" name="Title 2"/>
-          <p:cNvSpPr>
-            <a:spLocks noGrp="1"/>
-          </p:cNvSpPr>
-          <p:nvPr>
-            <p:ph type="title"/>
-          </p:nvPr>
-        </p:nvSpPr>
-        <p:spPr>
-          <a:noFill/>
-          <a:ln>
-            <a:noFill/>
-          </a:ln>
-          <a:extLst>
-            <a:ext uri="{909E8E84-426E-40DD-AFC4-6F175D3DCCD1}">
-              <a14:hiddenFill xmlns:a14="http://schemas.microsoft.com/office/drawing/2010/main">
-                <a:solidFill>
-                  <a:srgbClr val="FFFFFF"/>
-                </a:solidFill>
-              </a14:hiddenFill>
-            </a:ext>
-            <a:ext uri="{91240B29-F687-4F45-9708-019B960494DF}">
-              <a14:hiddenLine xmlns:a14="http://schemas.microsoft.com/office/drawing/2010/main" w="9525">
-                <a:solidFill>
-                  <a:srgbClr val="000000"/>
-                </a:solidFill>
-                <a:miter lim="800000"/>
-                <a:headEnd/>
-                <a:tailEnd/>
-              </a14:hiddenLine>
-            </a:ext>
-          </a:extLst>
-        </p:spPr>
-        <p:txBody>
-          <a:bodyPr vert="horz" wrap="square" lIns="91440" tIns="45720" rIns="91440" bIns="45720" numCol="1" anchor="b" anchorCtr="0" compatLnSpc="1">
-            <a:prstTxWarp prst="textNoShape">
-              <a:avLst/>
-            </a:prstTxWarp>
-            <a:spAutoFit/>
-          </a:bodyPr>
-          <a:lstStyle/>
-          <a:p>
-            <a:r>
-              <a:rPr lang="en-US" kern="1200" dirty="0">
-                <a:latin typeface="Candara" panose="020E0502030303020204" pitchFamily="34" charset="0"/>
-              </a:rPr>
-              <a:t>References</a:t>
-            </a:r>
-          </a:p>
-        </p:txBody>
-      </p:sp>
-      <p:sp>
-        <p:nvSpPr>
-          <p:cNvPr id="4" name="Slide Number Placeholder 3"/>
-          <p:cNvSpPr>
-            <a:spLocks noGrp="1"/>
-          </p:cNvSpPr>
-          <p:nvPr>
-            <p:ph type="sldNum" sz="quarter" idx="10"/>
-          </p:nvPr>
-        </p:nvSpPr>
-        <p:spPr/>
-        <p:txBody>
-          <a:bodyPr/>
-          <a:lstStyle/>
-          <a:p>
-            <a:fld id="{A1BED318-8369-4B57-A789-6DE14716B575}" type="slidenum">
-              <a:rPr lang="en-US" smtClean="0">
-                <a:solidFill>
-                  <a:schemeClr val="bg2">
-                    <a:lumMod val="50000"/>
-                  </a:schemeClr>
-                </a:solidFill>
-                <a:latin typeface="Consolas" panose="020B0609020204030204" pitchFamily="49" charset="0"/>
-                <a:cs typeface="Consolas" panose="020B0609020204030204" pitchFamily="49" charset="0"/>
-              </a:rPr>
-              <a:pPr/>
-              <a:t>14</a:t>
-            </a:fld>
-            <a:endParaRPr lang="en-US" dirty="0">
-              <a:solidFill>
-                <a:schemeClr val="bg2">
-                  <a:lumMod val="50000"/>
-                </a:schemeClr>
-              </a:solidFill>
-              <a:latin typeface="Consolas" panose="020B0609020204030204" pitchFamily="49" charset="0"/>
-              <a:cs typeface="Consolas" panose="020B0609020204030204" pitchFamily="49" charset="0"/>
-            </a:endParaRPr>
-          </a:p>
-        </p:txBody>
-      </p:sp>
-      <p:sp>
-        <p:nvSpPr>
           <p:cNvPr id="6" name="Content Placeholder 2"/>
           <p:cNvSpPr>
             <a:spLocks noGrp="1"/>
@@ -6333,7 +5636,7 @@
         <p:spPr>
           <a:xfrm>
             <a:off x="304800" y="952500"/>
-            <a:ext cx="10287003" cy="1754326"/>
+            <a:ext cx="10287003" cy="1200329"/>
           </a:xfrm>
           <a:noFill/>
         </p:spPr>
@@ -6343,46 +5646,70 @@
           </a:bodyPr>
           <a:lstStyle/>
           <a:p>
-            <a:pPr marL="285750" indent="-285750">
+            <a:pPr>
               <a:spcBef>
                 <a:spcPct val="0"/>
               </a:spcBef>
               <a:buFont typeface="Arial" panose="020B0604020202020204" pitchFamily="34" charset="0"/>
               <a:buChar char="•"/>
             </a:pPr>
+            <a:r>
+              <a:rPr lang="en-US" sz="1800" kern="1200" dirty="0">
+                <a:latin typeface="Candara" panose="020E0502030303020204" pitchFamily="34" charset="0"/>
+                <a:cs typeface="Arial" charset="0"/>
+                <a:hlinkClick r:id="rId3"/>
+              </a:rPr>
+              <a:t>https://github.com/vineelkovvuri/gvpcoe-sessions-2024/blob/master/VSCode</a:t>
+            </a:r>
             <a:endParaRPr lang="en-US" sz="1800" kern="1200" dirty="0">
               <a:latin typeface="Candara" panose="020E0502030303020204" pitchFamily="34" charset="0"/>
               <a:cs typeface="Arial" charset="0"/>
             </a:endParaRPr>
           </a:p>
           <a:p>
-            <a:pPr marL="285750" indent="-285750">
+            <a:pPr>
               <a:spcBef>
                 <a:spcPct val="0"/>
               </a:spcBef>
               <a:buFont typeface="Arial" panose="020B0604020202020204" pitchFamily="34" charset="0"/>
               <a:buChar char="•"/>
             </a:pPr>
+            <a:r>
+              <a:rPr lang="en-US" sz="1800" kern="1200" dirty="0">
+                <a:latin typeface="Candara" panose="020E0502030303020204" pitchFamily="34" charset="0"/>
+                <a:cs typeface="Arial" charset="0"/>
+                <a:hlinkClick r:id="rId4"/>
+              </a:rPr>
+              <a:t>https://stackoverflow.com/</a:t>
+            </a:r>
             <a:endParaRPr lang="en-US" sz="1800" kern="1200" dirty="0">
               <a:latin typeface="Candara" panose="020E0502030303020204" pitchFamily="34" charset="0"/>
               <a:cs typeface="Arial" charset="0"/>
             </a:endParaRPr>
           </a:p>
           <a:p>
-            <a:pPr marL="285750" indent="-285750">
+            <a:pPr>
               <a:spcBef>
                 <a:spcPct val="0"/>
               </a:spcBef>
               <a:buFont typeface="Arial" panose="020B0604020202020204" pitchFamily="34" charset="0"/>
               <a:buChar char="•"/>
             </a:pPr>
+            <a:r>
+              <a:rPr lang="en-US" sz="1800" kern="1200" dirty="0">
+                <a:latin typeface="Candara" panose="020E0502030303020204" pitchFamily="34" charset="0"/>
+                <a:cs typeface="Arial" charset="0"/>
+                <a:hlinkClick r:id="rId5"/>
+              </a:rPr>
+              <a:t>https://www.youtube.com/@code/shorts</a:t>
+            </a:r>
             <a:endParaRPr lang="en-US" sz="1800" kern="1200" dirty="0">
               <a:latin typeface="Candara" panose="020E0502030303020204" pitchFamily="34" charset="0"/>
               <a:cs typeface="Arial" charset="0"/>
             </a:endParaRPr>
           </a:p>
           <a:p>
-            <a:pPr marL="285750" indent="-285750">
+            <a:pPr>
               <a:spcBef>
                 <a:spcPct val="0"/>
               </a:spcBef>
@@ -6393,41 +5720,14 @@
               <a:rPr lang="en-US" sz="1800" kern="1200" dirty="0">
                 <a:latin typeface="Candara" panose="020E0502030303020204" pitchFamily="34" charset="0"/>
                 <a:cs typeface="Arial" charset="0"/>
-              </a:rPr>
-              <a:t>https://stackoverflow.com/</a:t>
-            </a:r>
-          </a:p>
-          <a:p>
-            <a:pPr marL="285750" indent="-285750">
-              <a:spcBef>
-                <a:spcPct val="0"/>
-              </a:spcBef>
-              <a:buFont typeface="Arial" panose="020B0604020202020204" pitchFamily="34" charset="0"/>
-              <a:buChar char="•"/>
-            </a:pPr>
-            <a:r>
-              <a:rPr lang="en-US" sz="1800" kern="1200" dirty="0">
-                <a:latin typeface="Candara" panose="020E0502030303020204" pitchFamily="34" charset="0"/>
-                <a:cs typeface="Arial" charset="0"/>
-              </a:rPr>
-              <a:t>https://www.youtube.com/@code/shorts</a:t>
-            </a:r>
-          </a:p>
-          <a:p>
-            <a:pPr marL="285750" indent="-285750">
-              <a:spcBef>
-                <a:spcPct val="0"/>
-              </a:spcBef>
-              <a:buFont typeface="Arial" panose="020B0604020202020204" pitchFamily="34" charset="0"/>
-              <a:buChar char="•"/>
-            </a:pPr>
-            <a:r>
-              <a:rPr lang="en-US" sz="1800" kern="1200" dirty="0">
-                <a:latin typeface="Candara" panose="020E0502030303020204" pitchFamily="34" charset="0"/>
-                <a:cs typeface="Arial" charset="0"/>
+                <a:hlinkClick r:id="rId6"/>
               </a:rPr>
               <a:t>https://code.visualstudio.com/docs</a:t>
             </a:r>
+            <a:endParaRPr lang="en-US" sz="1800" kern="1200" dirty="0">
+              <a:latin typeface="Candara" panose="020E0502030303020204" pitchFamily="34" charset="0"/>
+              <a:cs typeface="Arial" charset="0"/>
+            </a:endParaRPr>
           </a:p>
         </p:txBody>
       </p:sp>
@@ -6445,7 +5745,7 @@
 </p:sld>
 </file>
 
-<file path=ppt/slides/slide15.xml><?xml version="1.0" encoding="utf-8"?>
+<file path=ppt/slides/slide13.xml><?xml version="1.0" encoding="utf-8"?>
 <p:sld xmlns:a="http://schemas.openxmlformats.org/drawingml/2006/main" xmlns:r="http://schemas.openxmlformats.org/officeDocument/2006/relationships" xmlns:p="http://schemas.openxmlformats.org/presentationml/2006/main">
   <p:cSld>
     <p:spTree>
@@ -6488,7 +5788,7 @@
                 <a:cs typeface="Consolas" panose="020B0609020204030204" pitchFamily="49" charset="0"/>
               </a:rPr>
               <a:pPr/>
-              <a:t>15</a:t>
+              <a:t>13</a:t>
             </a:fld>
             <a:endParaRPr lang="en-US" dirty="0">
               <a:solidFill>
@@ -6993,6 +6293,448 @@
 </p:sld>
 </file>
 
+<file path=ppt/slides/slide14.xml><?xml version="1.0" encoding="utf-8"?>
+<p:sld xmlns:a="http://schemas.openxmlformats.org/drawingml/2006/main" xmlns:r="http://schemas.openxmlformats.org/officeDocument/2006/relationships" xmlns:p="http://schemas.openxmlformats.org/presentationml/2006/main">
+  <p:cSld>
+    <p:spTree>
+      <p:nvGrpSpPr>
+        <p:cNvPr id="1" name=""/>
+        <p:cNvGrpSpPr/>
+        <p:nvPr/>
+      </p:nvGrpSpPr>
+      <p:grpSpPr>
+        <a:xfrm>
+          <a:off x="0" y="0"/>
+          <a:ext cx="0" cy="0"/>
+          <a:chOff x="0" y="0"/>
+          <a:chExt cx="0" cy="0"/>
+        </a:xfrm>
+      </p:grpSpPr>
+      <p:sp>
+        <p:nvSpPr>
+          <p:cNvPr id="3" name="Title 2"/>
+          <p:cNvSpPr>
+            <a:spLocks noGrp="1"/>
+          </p:cNvSpPr>
+          <p:nvPr>
+            <p:ph type="title"/>
+          </p:nvPr>
+        </p:nvSpPr>
+        <p:spPr>
+          <a:xfrm>
+            <a:off x="549278" y="247651"/>
+            <a:ext cx="9204325" cy="584775"/>
+          </a:xfrm>
+          <a:noFill/>
+          <a:ln>
+            <a:noFill/>
+          </a:ln>
+          <a:extLst>
+            <a:ext uri="{909E8E84-426E-40DD-AFC4-6F175D3DCCD1}">
+              <a14:hiddenFill xmlns:a14="http://schemas.microsoft.com/office/drawing/2010/main">
+                <a:solidFill>
+                  <a:srgbClr val="FFFFFF"/>
+                </a:solidFill>
+              </a14:hiddenFill>
+            </a:ext>
+            <a:ext uri="{91240B29-F687-4F45-9708-019B960494DF}">
+              <a14:hiddenLine xmlns:a14="http://schemas.microsoft.com/office/drawing/2010/main" w="9525">
+                <a:solidFill>
+                  <a:srgbClr val="000000"/>
+                </a:solidFill>
+                <a:miter lim="800000"/>
+                <a:headEnd/>
+                <a:tailEnd/>
+              </a14:hiddenLine>
+            </a:ext>
+          </a:extLst>
+        </p:spPr>
+        <p:txBody>
+          <a:bodyPr vert="horz" wrap="square" lIns="91440" tIns="45720" rIns="91440" bIns="45720" numCol="1" anchor="b" anchorCtr="0" compatLnSpc="1">
+            <a:prstTxWarp prst="textNoShape">
+              <a:avLst/>
+            </a:prstTxWarp>
+            <a:spAutoFit/>
+          </a:bodyPr>
+          <a:lstStyle/>
+          <a:p>
+            <a:r>
+              <a:rPr lang="en-US" dirty="0">
+                <a:latin typeface="Candara" panose="020E0502030303020204" pitchFamily="34" charset="0"/>
+              </a:rPr>
+              <a:t>Settings and Customization</a:t>
+            </a:r>
+            <a:endParaRPr lang="en-US" kern="1200" dirty="0">
+              <a:latin typeface="Candara" panose="020E0502030303020204" pitchFamily="34" charset="0"/>
+            </a:endParaRPr>
+          </a:p>
+        </p:txBody>
+      </p:sp>
+      <p:sp>
+        <p:nvSpPr>
+          <p:cNvPr id="4" name="Slide Number Placeholder 3"/>
+          <p:cNvSpPr>
+            <a:spLocks noGrp="1"/>
+          </p:cNvSpPr>
+          <p:nvPr>
+            <p:ph type="sldNum" sz="quarter" idx="10"/>
+          </p:nvPr>
+        </p:nvSpPr>
+        <p:spPr/>
+        <p:txBody>
+          <a:bodyPr/>
+          <a:lstStyle/>
+          <a:p>
+            <a:fld id="{A1BED318-8369-4B57-A789-6DE14716B575}" type="slidenum">
+              <a:rPr lang="en-US" smtClean="0">
+                <a:solidFill>
+                  <a:schemeClr val="bg2">
+                    <a:lumMod val="50000"/>
+                  </a:schemeClr>
+                </a:solidFill>
+                <a:latin typeface="Consolas" panose="020B0609020204030204" pitchFamily="49" charset="0"/>
+                <a:cs typeface="Consolas" panose="020B0609020204030204" pitchFamily="49" charset="0"/>
+              </a:rPr>
+              <a:pPr/>
+              <a:t>14</a:t>
+            </a:fld>
+            <a:endParaRPr lang="en-US" dirty="0">
+              <a:solidFill>
+                <a:schemeClr val="bg2">
+                  <a:lumMod val="50000"/>
+                </a:schemeClr>
+              </a:solidFill>
+              <a:latin typeface="Consolas" panose="020B0609020204030204" pitchFamily="49" charset="0"/>
+              <a:cs typeface="Consolas" panose="020B0609020204030204" pitchFamily="49" charset="0"/>
+            </a:endParaRPr>
+          </a:p>
+        </p:txBody>
+      </p:sp>
+      <p:pic>
+        <p:nvPicPr>
+          <p:cNvPr id="6" name="Picture 5">
+            <a:extLst>
+              <a:ext uri="{FF2B5EF4-FFF2-40B4-BE49-F238E27FC236}">
+                <a16:creationId xmlns:a16="http://schemas.microsoft.com/office/drawing/2014/main" id="{9B179F26-856F-2460-29C5-E862897032A0}"/>
+              </a:ext>
+            </a:extLst>
+          </p:cNvPr>
+          <p:cNvPicPr>
+            <a:picLocks noChangeAspect="1"/>
+          </p:cNvPicPr>
+          <p:nvPr/>
+        </p:nvPicPr>
+        <p:blipFill>
+          <a:blip r:embed="rId3"/>
+          <a:stretch>
+            <a:fillRect/>
+          </a:stretch>
+        </p:blipFill>
+        <p:spPr>
+          <a:xfrm>
+            <a:off x="1600200" y="876300"/>
+            <a:ext cx="6871053" cy="2806844"/>
+          </a:xfrm>
+          <a:prstGeom prst="rect">
+            <a:avLst/>
+          </a:prstGeom>
+        </p:spPr>
+      </p:pic>
+      <p:sp>
+        <p:nvSpPr>
+          <p:cNvPr id="2" name="Content Placeholder 2">
+            <a:extLst>
+              <a:ext uri="{FF2B5EF4-FFF2-40B4-BE49-F238E27FC236}">
+                <a16:creationId xmlns:a16="http://schemas.microsoft.com/office/drawing/2014/main" id="{4B37A515-8872-EB84-DE61-F4BC97CFC21C}"/>
+              </a:ext>
+            </a:extLst>
+          </p:cNvPr>
+          <p:cNvSpPr>
+            <a:spLocks noGrp="1"/>
+          </p:cNvSpPr>
+          <p:nvPr>
+            <p:ph idx="1"/>
+          </p:nvPr>
+        </p:nvSpPr>
+        <p:spPr>
+          <a:xfrm>
+            <a:off x="381000" y="4584256"/>
+            <a:ext cx="10287003" cy="1477328"/>
+          </a:xfrm>
+          <a:noFill/>
+        </p:spPr>
+        <p:txBody>
+          <a:bodyPr wrap="square" rtlCol="0">
+            <a:spAutoFit/>
+          </a:bodyPr>
+          <a:lstStyle/>
+          <a:p>
+            <a:pPr marL="285750" indent="-285750">
+              <a:spcBef>
+                <a:spcPct val="0"/>
+              </a:spcBef>
+              <a:buFont typeface="Arial" panose="020B0604020202020204" pitchFamily="34" charset="0"/>
+              <a:buChar char="•"/>
+            </a:pPr>
+            <a:r>
+              <a:rPr lang="en-US" sz="1800" kern="1200" dirty="0">
+                <a:latin typeface="Candara" panose="020E0502030303020204" pitchFamily="34" charset="0"/>
+                <a:cs typeface="Arial" charset="0"/>
+                <a:hlinkClick r:id="rId4"/>
+              </a:rPr>
+              <a:t>https://github.com/vineelkovvuri/gvpcoe-sessions-2024/blob/master/VSCode/Session/5.VSCode_Settings/settings.json</a:t>
+            </a:r>
+            <a:endParaRPr lang="en-US" sz="1800" kern="1200" dirty="0">
+              <a:latin typeface="Candara" panose="020E0502030303020204" pitchFamily="34" charset="0"/>
+              <a:cs typeface="Arial" charset="0"/>
+            </a:endParaRPr>
+          </a:p>
+          <a:p>
+            <a:pPr marL="285750" indent="-285750">
+              <a:spcBef>
+                <a:spcPct val="0"/>
+              </a:spcBef>
+              <a:buFont typeface="Arial" panose="020B0604020202020204" pitchFamily="34" charset="0"/>
+              <a:buChar char="•"/>
+            </a:pPr>
+            <a:r>
+              <a:rPr lang="en-US" sz="1800" kern="1200" dirty="0">
+                <a:latin typeface="Candara" panose="020E0502030303020204" pitchFamily="34" charset="0"/>
+                <a:cs typeface="Arial" charset="0"/>
+                <a:hlinkClick r:id="rId5"/>
+              </a:rPr>
+              <a:t>https://github.com/vineelkovvuri/gvpcoe-sessions-2024/blob/master/VSCode/Session/5.VSCode_Settings/extensions_lists.txt</a:t>
+            </a:r>
+            <a:endParaRPr lang="en-US" sz="1800" kern="1200" dirty="0">
+              <a:latin typeface="Candara" panose="020E0502030303020204" pitchFamily="34" charset="0"/>
+              <a:cs typeface="Arial" charset="0"/>
+            </a:endParaRPr>
+          </a:p>
+          <a:p>
+            <a:pPr marL="285750" indent="-285750">
+              <a:spcBef>
+                <a:spcPct val="0"/>
+              </a:spcBef>
+              <a:buFont typeface="Arial" panose="020B0604020202020204" pitchFamily="34" charset="0"/>
+              <a:buChar char="•"/>
+            </a:pPr>
+            <a:endParaRPr lang="en-US" sz="1800" kern="1200" dirty="0">
+              <a:latin typeface="Candara" panose="020E0502030303020204" pitchFamily="34" charset="0"/>
+              <a:cs typeface="Arial" charset="0"/>
+            </a:endParaRPr>
+          </a:p>
+        </p:txBody>
+      </p:sp>
+      <p:sp>
+        <p:nvSpPr>
+          <p:cNvPr id="5" name="Title 2">
+            <a:extLst>
+              <a:ext uri="{FF2B5EF4-FFF2-40B4-BE49-F238E27FC236}">
+                <a16:creationId xmlns:a16="http://schemas.microsoft.com/office/drawing/2014/main" id="{DEE3A139-E71D-36E2-03C2-6FBE11903731}"/>
+              </a:ext>
+            </a:extLst>
+          </p:cNvPr>
+          <p:cNvSpPr txBox="1">
+            <a:spLocks/>
+          </p:cNvSpPr>
+          <p:nvPr/>
+        </p:nvSpPr>
+        <p:spPr bwMode="auto">
+          <a:xfrm>
+            <a:off x="549278" y="3999481"/>
+            <a:ext cx="9204325" cy="584775"/>
+          </a:xfrm>
+          <a:prstGeom prst="rect">
+            <a:avLst/>
+          </a:prstGeom>
+          <a:noFill/>
+          <a:ln>
+            <a:noFill/>
+          </a:ln>
+          <a:extLst>
+            <a:ext uri="{909E8E84-426E-40DD-AFC4-6F175D3DCCD1}">
+              <a14:hiddenFill xmlns:a14="http://schemas.microsoft.com/office/drawing/2010/main">
+                <a:solidFill>
+                  <a:srgbClr val="FFFFFF"/>
+                </a:solidFill>
+              </a14:hiddenFill>
+            </a:ext>
+            <a:ext uri="{91240B29-F687-4F45-9708-019B960494DF}">
+              <a14:hiddenLine xmlns:a14="http://schemas.microsoft.com/office/drawing/2010/main" w="9525">
+                <a:solidFill>
+                  <a:srgbClr val="000000"/>
+                </a:solidFill>
+                <a:miter lim="800000"/>
+                <a:headEnd/>
+                <a:tailEnd/>
+              </a14:hiddenLine>
+            </a:ext>
+          </a:extLst>
+        </p:spPr>
+        <p:txBody>
+          <a:bodyPr vert="horz" wrap="square" lIns="91440" tIns="45720" rIns="91440" bIns="45720" numCol="1" anchor="b" anchorCtr="0" compatLnSpc="1">
+            <a:prstTxWarp prst="textNoShape">
+              <a:avLst/>
+            </a:prstTxWarp>
+            <a:spAutoFit/>
+          </a:bodyPr>
+          <a:lstStyle>
+            <a:lvl1pPr algn="l" rtl="0" eaLnBrk="1" fontAlgn="base" hangingPunct="1">
+              <a:spcBef>
+                <a:spcPct val="0"/>
+              </a:spcBef>
+              <a:spcAft>
+                <a:spcPct val="0"/>
+              </a:spcAft>
+              <a:defRPr sz="3200" b="1">
+                <a:solidFill>
+                  <a:srgbClr val="73B900"/>
+                </a:solidFill>
+                <a:latin typeface="Calibri" panose="020F0502020204030204" pitchFamily="34" charset="0"/>
+                <a:ea typeface="+mj-ea"/>
+                <a:cs typeface="Calibri" panose="020F0502020204030204" pitchFamily="34" charset="0"/>
+              </a:defRPr>
+            </a:lvl1pPr>
+            <a:lvl2pPr algn="l" rtl="0" eaLnBrk="1" fontAlgn="base" hangingPunct="1">
+              <a:spcBef>
+                <a:spcPct val="0"/>
+              </a:spcBef>
+              <a:spcAft>
+                <a:spcPct val="0"/>
+              </a:spcAft>
+              <a:defRPr sz="3200" b="1">
+                <a:solidFill>
+                  <a:srgbClr val="73B900"/>
+                </a:solidFill>
+                <a:latin typeface="Arial" charset="0"/>
+              </a:defRPr>
+            </a:lvl2pPr>
+            <a:lvl3pPr algn="l" rtl="0" eaLnBrk="1" fontAlgn="base" hangingPunct="1">
+              <a:spcBef>
+                <a:spcPct val="0"/>
+              </a:spcBef>
+              <a:spcAft>
+                <a:spcPct val="0"/>
+              </a:spcAft>
+              <a:defRPr sz="3200" b="1">
+                <a:solidFill>
+                  <a:srgbClr val="73B900"/>
+                </a:solidFill>
+                <a:latin typeface="Arial" charset="0"/>
+              </a:defRPr>
+            </a:lvl3pPr>
+            <a:lvl4pPr algn="l" rtl="0" eaLnBrk="1" fontAlgn="base" hangingPunct="1">
+              <a:spcBef>
+                <a:spcPct val="0"/>
+              </a:spcBef>
+              <a:spcAft>
+                <a:spcPct val="0"/>
+              </a:spcAft>
+              <a:defRPr sz="3200" b="1">
+                <a:solidFill>
+                  <a:srgbClr val="73B900"/>
+                </a:solidFill>
+                <a:latin typeface="Arial" charset="0"/>
+              </a:defRPr>
+            </a:lvl4pPr>
+            <a:lvl5pPr algn="l" rtl="0" eaLnBrk="1" fontAlgn="base" hangingPunct="1">
+              <a:spcBef>
+                <a:spcPct val="0"/>
+              </a:spcBef>
+              <a:spcAft>
+                <a:spcPct val="0"/>
+              </a:spcAft>
+              <a:defRPr sz="3200" b="1">
+                <a:solidFill>
+                  <a:srgbClr val="73B900"/>
+                </a:solidFill>
+                <a:latin typeface="Arial" charset="0"/>
+              </a:defRPr>
+            </a:lvl5pPr>
+            <a:lvl6pPr marL="457200" algn="l" rtl="0" eaLnBrk="1" fontAlgn="base" hangingPunct="1">
+              <a:spcBef>
+                <a:spcPct val="0"/>
+              </a:spcBef>
+              <a:spcAft>
+                <a:spcPct val="0"/>
+              </a:spcAft>
+              <a:defRPr sz="3200" b="1">
+                <a:solidFill>
+                  <a:srgbClr val="73B900"/>
+                </a:solidFill>
+                <a:latin typeface="Arial" charset="0"/>
+              </a:defRPr>
+            </a:lvl6pPr>
+            <a:lvl7pPr marL="914400" algn="l" rtl="0" eaLnBrk="1" fontAlgn="base" hangingPunct="1">
+              <a:spcBef>
+                <a:spcPct val="0"/>
+              </a:spcBef>
+              <a:spcAft>
+                <a:spcPct val="0"/>
+              </a:spcAft>
+              <a:defRPr sz="3200" b="1">
+                <a:solidFill>
+                  <a:srgbClr val="73B900"/>
+                </a:solidFill>
+                <a:latin typeface="Arial" charset="0"/>
+              </a:defRPr>
+            </a:lvl7pPr>
+            <a:lvl8pPr marL="1371600" algn="l" rtl="0" eaLnBrk="1" fontAlgn="base" hangingPunct="1">
+              <a:spcBef>
+                <a:spcPct val="0"/>
+              </a:spcBef>
+              <a:spcAft>
+                <a:spcPct val="0"/>
+              </a:spcAft>
+              <a:defRPr sz="3200" b="1">
+                <a:solidFill>
+                  <a:srgbClr val="73B900"/>
+                </a:solidFill>
+                <a:latin typeface="Arial" charset="0"/>
+              </a:defRPr>
+            </a:lvl8pPr>
+            <a:lvl9pPr marL="1828800" algn="l" rtl="0" eaLnBrk="1" fontAlgn="base" hangingPunct="1">
+              <a:spcBef>
+                <a:spcPct val="0"/>
+              </a:spcBef>
+              <a:spcAft>
+                <a:spcPct val="0"/>
+              </a:spcAft>
+              <a:defRPr sz="3200" b="1">
+                <a:solidFill>
+                  <a:srgbClr val="73B900"/>
+                </a:solidFill>
+                <a:latin typeface="Arial" charset="0"/>
+              </a:defRPr>
+            </a:lvl9pPr>
+          </a:lstStyle>
+          <a:p>
+            <a:r>
+              <a:rPr lang="en-US" kern="0" dirty="0">
+                <a:latin typeface="Candara" panose="020E0502030303020204" pitchFamily="34" charset="0"/>
+              </a:rPr>
+              <a:t>My Settings/Extensions List</a:t>
+            </a:r>
+            <a:endParaRPr lang="en-US" kern="1200" dirty="0">
+              <a:latin typeface="Candara" panose="020E0502030303020204" pitchFamily="34" charset="0"/>
+            </a:endParaRPr>
+          </a:p>
+        </p:txBody>
+      </p:sp>
+    </p:spTree>
+    <p:extLst>
+      <p:ext uri="{BB962C8B-B14F-4D97-AF65-F5344CB8AC3E}">
+        <p14:creationId xmlns:p14="http://schemas.microsoft.com/office/powerpoint/2010/main" val="2638763177"/>
+      </p:ext>
+    </p:extLst>
+  </p:cSld>
+  <p:clrMapOvr>
+    <a:masterClrMapping/>
+  </p:clrMapOvr>
+  <p:transition/>
+</p:sld>
+</file>
+
 <file path=ppt/slides/slide2.xml><?xml version="1.0" encoding="utf-8"?>
 <p:sld xmlns:a="http://schemas.openxmlformats.org/drawingml/2006/main" xmlns:r="http://schemas.openxmlformats.org/officeDocument/2006/relationships" xmlns:p="http://schemas.openxmlformats.org/presentationml/2006/main">
   <p:cSld>
@@ -7206,7 +6948,7 @@
         <p:spPr>
           <a:xfrm>
             <a:off x="533400" y="778788"/>
-            <a:ext cx="9448800" cy="2585323"/>
+            <a:ext cx="9448800" cy="2308324"/>
           </a:xfrm>
           <a:prstGeom prst="rect">
             <a:avLst/>
@@ -7227,7 +6969,7 @@
               <a:rPr lang="en-US" dirty="0">
                 <a:latin typeface="Candara" panose="020E0502030303020204" pitchFamily="34" charset="0"/>
               </a:rPr>
-              <a:t>IDE vs Text Editor</a:t>
+              <a:t>IDE vs Text Editor – Why VS Code?</a:t>
             </a:r>
           </a:p>
           <a:p>
@@ -7236,10 +6978,16 @@
               <a:buChar char="•"/>
             </a:pPr>
             <a:r>
+              <a:rPr lang="en-US">
+                <a:latin typeface="Candara" panose="020E0502030303020204" pitchFamily="34" charset="0"/>
+              </a:rPr>
+              <a:t>Installation</a:t>
+            </a:r>
+            <a:r>
               <a:rPr lang="en-US" dirty="0">
                 <a:latin typeface="Candara" panose="020E0502030303020204" pitchFamily="34" charset="0"/>
               </a:rPr>
-              <a:t>Interface overview</a:t>
+              <a:t>/Opening</a:t>
             </a:r>
           </a:p>
           <a:p>
@@ -7288,18 +7036,6 @@
                 <a:latin typeface="Candara" panose="020E0502030303020204" pitchFamily="34" charset="0"/>
               </a:rPr>
               <a:t>Extensions</a:t>
-            </a:r>
-          </a:p>
-          <a:p>
-            <a:pPr marL="285750" indent="-285750">
-              <a:buFont typeface="Arial" panose="020B0604020202020204" pitchFamily="34" charset="0"/>
-              <a:buChar char="•"/>
-            </a:pPr>
-            <a:r>
-              <a:rPr lang="en-US" dirty="0">
-                <a:latin typeface="Candara" panose="020E0502030303020204" pitchFamily="34" charset="0"/>
-              </a:rPr>
-              <a:t>Settings and Customization</a:t>
             </a:r>
           </a:p>
           <a:p>
@@ -7325,6 +7061,123 @@
           </a:p>
         </p:txBody>
       </p:sp>
+      <p:pic>
+        <p:nvPicPr>
+          <p:cNvPr id="4" name="Graphic 3" descr="Star with solid fill">
+            <a:extLst>
+              <a:ext uri="{FF2B5EF4-FFF2-40B4-BE49-F238E27FC236}">
+                <a16:creationId xmlns:a16="http://schemas.microsoft.com/office/drawing/2014/main" id="{06A6C543-E477-2F0B-BA63-7DE8B5D1DAB3}"/>
+              </a:ext>
+            </a:extLst>
+          </p:cNvPr>
+          <p:cNvPicPr>
+            <a:picLocks noChangeAspect="1"/>
+          </p:cNvPicPr>
+          <p:nvPr/>
+        </p:nvPicPr>
+        <p:blipFill>
+          <a:blip r:embed="rId3">
+            <a:extLst>
+              <a:ext uri="{28A0092B-C50C-407E-A947-70E740481C1C}">
+                <a14:useLocalDpi xmlns:a14="http://schemas.microsoft.com/office/drawing/2010/main" val="0"/>
+              </a:ext>
+              <a:ext uri="{96DAC541-7B7A-43D3-8B79-37D633B846F1}">
+                <asvg:svgBlip xmlns:asvg="http://schemas.microsoft.com/office/drawing/2016/SVG/main" r:embed="rId4"/>
+              </a:ext>
+            </a:extLst>
+          </a:blip>
+          <a:stretch>
+            <a:fillRect/>
+          </a:stretch>
+        </p:blipFill>
+        <p:spPr>
+          <a:xfrm>
+            <a:off x="3886200" y="1409700"/>
+            <a:ext cx="152400" cy="152400"/>
+          </a:xfrm>
+          <a:prstGeom prst="rect">
+            <a:avLst/>
+          </a:prstGeom>
+        </p:spPr>
+      </p:pic>
+      <p:pic>
+        <p:nvPicPr>
+          <p:cNvPr id="5" name="Graphic 4" descr="Star with solid fill">
+            <a:extLst>
+              <a:ext uri="{FF2B5EF4-FFF2-40B4-BE49-F238E27FC236}">
+                <a16:creationId xmlns:a16="http://schemas.microsoft.com/office/drawing/2014/main" id="{DF4A0B3F-FC72-252F-C86D-609F6C0FF81F}"/>
+              </a:ext>
+            </a:extLst>
+          </p:cNvPr>
+          <p:cNvPicPr>
+            <a:picLocks noChangeAspect="1"/>
+          </p:cNvPicPr>
+          <p:nvPr/>
+        </p:nvPicPr>
+        <p:blipFill>
+          <a:blip r:embed="rId3">
+            <a:extLst>
+              <a:ext uri="{28A0092B-C50C-407E-A947-70E740481C1C}">
+                <a14:useLocalDpi xmlns:a14="http://schemas.microsoft.com/office/drawing/2010/main" val="0"/>
+              </a:ext>
+              <a:ext uri="{96DAC541-7B7A-43D3-8B79-37D633B846F1}">
+                <asvg:svgBlip xmlns:asvg="http://schemas.microsoft.com/office/drawing/2016/SVG/main" r:embed="rId4"/>
+              </a:ext>
+            </a:extLst>
+          </a:blip>
+          <a:stretch>
+            <a:fillRect/>
+          </a:stretch>
+        </p:blipFill>
+        <p:spPr>
+          <a:xfrm>
+            <a:off x="2514600" y="1943100"/>
+            <a:ext cx="152400" cy="152400"/>
+          </a:xfrm>
+          <a:prstGeom prst="rect">
+            <a:avLst/>
+          </a:prstGeom>
+        </p:spPr>
+      </p:pic>
+      <p:pic>
+        <p:nvPicPr>
+          <p:cNvPr id="6" name="Graphic 5" descr="Star with solid fill">
+            <a:extLst>
+              <a:ext uri="{FF2B5EF4-FFF2-40B4-BE49-F238E27FC236}">
+                <a16:creationId xmlns:a16="http://schemas.microsoft.com/office/drawing/2014/main" id="{A680E69F-FC22-16F9-25FD-016ADDE4CFC6}"/>
+              </a:ext>
+            </a:extLst>
+          </p:cNvPr>
+          <p:cNvPicPr>
+            <a:picLocks noChangeAspect="1"/>
+          </p:cNvPicPr>
+          <p:nvPr/>
+        </p:nvPicPr>
+        <p:blipFill>
+          <a:blip r:embed="rId3">
+            <a:extLst>
+              <a:ext uri="{28A0092B-C50C-407E-A947-70E740481C1C}">
+                <a14:useLocalDpi xmlns:a14="http://schemas.microsoft.com/office/drawing/2010/main" val="0"/>
+              </a:ext>
+              <a:ext uri="{96DAC541-7B7A-43D3-8B79-37D633B846F1}">
+                <asvg:svgBlip xmlns:asvg="http://schemas.microsoft.com/office/drawing/2016/SVG/main" r:embed="rId4"/>
+              </a:ext>
+            </a:extLst>
+          </a:blip>
+          <a:stretch>
+            <a:fillRect/>
+          </a:stretch>
+        </p:blipFill>
+        <p:spPr>
+          <a:xfrm>
+            <a:off x="2667000" y="1941299"/>
+            <a:ext cx="152400" cy="152400"/>
+          </a:xfrm>
+          <a:prstGeom prst="rect">
+            <a:avLst/>
+          </a:prstGeom>
+        </p:spPr>
+      </p:pic>
     </p:spTree>
     <p:extLst>
       <p:ext uri="{BB962C8B-B14F-4D97-AF65-F5344CB8AC3E}">
@@ -7351,486 +7204,6 @@
 </file>
 
 <file path=ppt/slides/slide3.xml><?xml version="1.0" encoding="utf-8"?>
-<p:sld xmlns:a="http://schemas.openxmlformats.org/drawingml/2006/main" xmlns:r="http://schemas.openxmlformats.org/officeDocument/2006/relationships" xmlns:p="http://schemas.openxmlformats.org/presentationml/2006/main" showMasterSp="0">
-  <p:cSld>
-    <p:spTree>
-      <p:nvGrpSpPr>
-        <p:cNvPr id="1" name=""/>
-        <p:cNvGrpSpPr/>
-        <p:nvPr/>
-      </p:nvGrpSpPr>
-      <p:grpSpPr>
-        <a:xfrm>
-          <a:off x="0" y="0"/>
-          <a:ext cx="0" cy="0"/>
-          <a:chOff x="0" y="0"/>
-          <a:chExt cx="0" cy="0"/>
-        </a:xfrm>
-      </p:grpSpPr>
-      <p:sp>
-        <p:nvSpPr>
-          <p:cNvPr id="3" name="Title 2"/>
-          <p:cNvSpPr>
-            <a:spLocks noGrp="1"/>
-          </p:cNvSpPr>
-          <p:nvPr>
-            <p:ph type="title"/>
-          </p:nvPr>
-        </p:nvSpPr>
-        <p:spPr>
-          <a:noFill/>
-          <a:ln>
-            <a:noFill/>
-          </a:ln>
-          <a:extLst>
-            <a:ext uri="{909E8E84-426E-40DD-AFC4-6F175D3DCCD1}">
-              <a14:hiddenFill xmlns:a14="http://schemas.microsoft.com/office/drawing/2010/main">
-                <a:solidFill>
-                  <a:srgbClr val="FFFFFF"/>
-                </a:solidFill>
-              </a14:hiddenFill>
-            </a:ext>
-            <a:ext uri="{91240B29-F687-4F45-9708-019B960494DF}">
-              <a14:hiddenLine xmlns:a14="http://schemas.microsoft.com/office/drawing/2010/main" w="9525">
-                <a:solidFill>
-                  <a:srgbClr val="000000"/>
-                </a:solidFill>
-                <a:miter lim="800000"/>
-                <a:headEnd/>
-                <a:tailEnd/>
-              </a14:hiddenLine>
-            </a:ext>
-          </a:extLst>
-        </p:spPr>
-        <p:txBody>
-          <a:bodyPr vert="horz" wrap="square" lIns="91440" tIns="45720" rIns="91440" bIns="45720" numCol="1" anchor="b" anchorCtr="0" compatLnSpc="1">
-            <a:prstTxWarp prst="textNoShape">
-              <a:avLst/>
-            </a:prstTxWarp>
-            <a:spAutoFit/>
-          </a:bodyPr>
-          <a:lstStyle/>
-          <a:p>
-            <a:r>
-              <a:rPr lang="en-US" kern="1200" dirty="0">
-                <a:latin typeface="Candara" panose="020E0502030303020204" pitchFamily="34" charset="0"/>
-              </a:rPr>
-              <a:t>VS Code Installation</a:t>
-            </a:r>
-          </a:p>
-        </p:txBody>
-      </p:sp>
-      <p:sp>
-        <p:nvSpPr>
-          <p:cNvPr id="4" name="Slide Number Placeholder 3"/>
-          <p:cNvSpPr>
-            <a:spLocks noGrp="1"/>
-          </p:cNvSpPr>
-          <p:nvPr>
-            <p:ph type="sldNum" sz="quarter" idx="10"/>
-          </p:nvPr>
-        </p:nvSpPr>
-        <p:spPr/>
-        <p:txBody>
-          <a:bodyPr/>
-          <a:lstStyle/>
-          <a:p>
-            <a:fld id="{A1BED318-8369-4B57-A789-6DE14716B575}" type="slidenum">
-              <a:rPr lang="en-US" smtClean="0">
-                <a:solidFill>
-                  <a:schemeClr val="bg2">
-                    <a:lumMod val="50000"/>
-                  </a:schemeClr>
-                </a:solidFill>
-                <a:latin typeface="Consolas" panose="020B0609020204030204" pitchFamily="49" charset="0"/>
-                <a:cs typeface="Consolas" panose="020B0609020204030204" pitchFamily="49" charset="0"/>
-              </a:rPr>
-              <a:pPr/>
-              <a:t>3</a:t>
-            </a:fld>
-            <a:endParaRPr lang="en-US" dirty="0">
-              <a:solidFill>
-                <a:schemeClr val="bg2">
-                  <a:lumMod val="50000"/>
-                </a:schemeClr>
-              </a:solidFill>
-              <a:latin typeface="Consolas" panose="020B0609020204030204" pitchFamily="49" charset="0"/>
-              <a:cs typeface="Consolas" panose="020B0609020204030204" pitchFamily="49" charset="0"/>
-            </a:endParaRPr>
-          </a:p>
-        </p:txBody>
-      </p:sp>
-      <p:sp>
-        <p:nvSpPr>
-          <p:cNvPr id="6" name="Content Placeholder 2"/>
-          <p:cNvSpPr>
-            <a:spLocks noGrp="1"/>
-          </p:cNvSpPr>
-          <p:nvPr>
-            <p:ph idx="1"/>
-          </p:nvPr>
-        </p:nvSpPr>
-        <p:spPr>
-          <a:xfrm>
-            <a:off x="304800" y="952500"/>
-            <a:ext cx="10287003" cy="646331"/>
-          </a:xfrm>
-          <a:noFill/>
-        </p:spPr>
-        <p:txBody>
-          <a:bodyPr wrap="square" rtlCol="0">
-            <a:spAutoFit/>
-          </a:bodyPr>
-          <a:lstStyle/>
-          <a:p>
-            <a:pPr marL="285750" indent="-285750">
-              <a:spcBef>
-                <a:spcPct val="0"/>
-              </a:spcBef>
-              <a:buFont typeface="Arial" panose="020B0604020202020204" pitchFamily="34" charset="0"/>
-              <a:buChar char="•"/>
-            </a:pPr>
-            <a:r>
-              <a:rPr lang="en-US" sz="1800" kern="1200" dirty="0">
-                <a:latin typeface="Candara" panose="020E0502030303020204" pitchFamily="34" charset="0"/>
-                <a:cs typeface="Arial" charset="0"/>
-                <a:hlinkClick r:id="rId3"/>
-              </a:rPr>
-              <a:t>https://code.visualstudio.com/download</a:t>
-            </a:r>
-            <a:endParaRPr lang="en-US" sz="1800" kern="1200" dirty="0">
-              <a:latin typeface="Candara" panose="020E0502030303020204" pitchFamily="34" charset="0"/>
-              <a:cs typeface="Arial" charset="0"/>
-            </a:endParaRPr>
-          </a:p>
-          <a:p>
-            <a:pPr marL="285750" indent="-285750">
-              <a:spcBef>
-                <a:spcPct val="0"/>
-              </a:spcBef>
-              <a:buFont typeface="Arial" panose="020B0604020202020204" pitchFamily="34" charset="0"/>
-              <a:buChar char="•"/>
-            </a:pPr>
-            <a:endParaRPr lang="en-US" sz="1800" kern="1200" dirty="0">
-              <a:latin typeface="Candara" panose="020E0502030303020204" pitchFamily="34" charset="0"/>
-              <a:cs typeface="Arial" charset="0"/>
-            </a:endParaRPr>
-          </a:p>
-        </p:txBody>
-      </p:sp>
-      <p:pic>
-        <p:nvPicPr>
-          <p:cNvPr id="10" name="Picture 9">
-            <a:extLst>
-              <a:ext uri="{FF2B5EF4-FFF2-40B4-BE49-F238E27FC236}">
-                <a16:creationId xmlns:a16="http://schemas.microsoft.com/office/drawing/2014/main" id="{EBBDA309-6BF6-B69B-9E89-7A612192E575}"/>
-              </a:ext>
-            </a:extLst>
-          </p:cNvPr>
-          <p:cNvPicPr>
-            <a:picLocks noChangeAspect="1"/>
-          </p:cNvPicPr>
-          <p:nvPr/>
-        </p:nvPicPr>
-        <p:blipFill>
-          <a:blip r:embed="rId4"/>
-          <a:stretch>
-            <a:fillRect/>
-          </a:stretch>
-        </p:blipFill>
-        <p:spPr>
-          <a:xfrm>
-            <a:off x="2209800" y="1485900"/>
-            <a:ext cx="5708943" cy="4305521"/>
-          </a:xfrm>
-          <a:prstGeom prst="rect">
-            <a:avLst/>
-          </a:prstGeom>
-        </p:spPr>
-      </p:pic>
-    </p:spTree>
-    <p:extLst>
-      <p:ext uri="{BB962C8B-B14F-4D97-AF65-F5344CB8AC3E}">
-        <p14:creationId xmlns:p14="http://schemas.microsoft.com/office/powerpoint/2010/main" val="2952847942"/>
-      </p:ext>
-    </p:extLst>
-  </p:cSld>
-  <p:clrMapOvr>
-    <a:masterClrMapping/>
-  </p:clrMapOvr>
-  <p:transition/>
-</p:sld>
-</file>
-
-<file path=ppt/slides/slide4.xml><?xml version="1.0" encoding="utf-8"?>
-<p:sld xmlns:a="http://schemas.openxmlformats.org/drawingml/2006/main" xmlns:r="http://schemas.openxmlformats.org/officeDocument/2006/relationships" xmlns:p="http://schemas.openxmlformats.org/presentationml/2006/main">
-  <p:cSld>
-    <p:spTree>
-      <p:nvGrpSpPr>
-        <p:cNvPr id="1" name=""/>
-        <p:cNvGrpSpPr/>
-        <p:nvPr/>
-      </p:nvGrpSpPr>
-      <p:grpSpPr>
-        <a:xfrm>
-          <a:off x="0" y="0"/>
-          <a:ext cx="0" cy="0"/>
-          <a:chOff x="0" y="0"/>
-          <a:chExt cx="0" cy="0"/>
-        </a:xfrm>
-      </p:grpSpPr>
-      <p:sp>
-        <p:nvSpPr>
-          <p:cNvPr id="3" name="Title 2"/>
-          <p:cNvSpPr>
-            <a:spLocks noGrp="1"/>
-          </p:cNvSpPr>
-          <p:nvPr>
-            <p:ph type="title"/>
-          </p:nvPr>
-        </p:nvSpPr>
-        <p:spPr>
-          <a:noFill/>
-          <a:ln>
-            <a:noFill/>
-          </a:ln>
-          <a:extLst>
-            <a:ext uri="{909E8E84-426E-40DD-AFC4-6F175D3DCCD1}">
-              <a14:hiddenFill xmlns:a14="http://schemas.microsoft.com/office/drawing/2010/main">
-                <a:solidFill>
-                  <a:srgbClr val="FFFFFF"/>
-                </a:solidFill>
-              </a14:hiddenFill>
-            </a:ext>
-            <a:ext uri="{91240B29-F687-4F45-9708-019B960494DF}">
-              <a14:hiddenLine xmlns:a14="http://schemas.microsoft.com/office/drawing/2010/main" w="9525">
-                <a:solidFill>
-                  <a:srgbClr val="000000"/>
-                </a:solidFill>
-                <a:miter lim="800000"/>
-                <a:headEnd/>
-                <a:tailEnd/>
-              </a14:hiddenLine>
-            </a:ext>
-          </a:extLst>
-        </p:spPr>
-        <p:txBody>
-          <a:bodyPr vert="horz" wrap="square" lIns="91440" tIns="45720" rIns="91440" bIns="45720" numCol="1" anchor="b" anchorCtr="0" compatLnSpc="1">
-            <a:prstTxWarp prst="textNoShape">
-              <a:avLst/>
-            </a:prstTxWarp>
-            <a:spAutoFit/>
-          </a:bodyPr>
-          <a:lstStyle/>
-          <a:p>
-            <a:r>
-              <a:rPr lang="en-US" kern="1200" dirty="0">
-                <a:latin typeface="Candara" panose="020E0502030303020204" pitchFamily="34" charset="0"/>
-              </a:rPr>
-              <a:t>Opening VS Code</a:t>
-            </a:r>
-          </a:p>
-        </p:txBody>
-      </p:sp>
-      <p:sp>
-        <p:nvSpPr>
-          <p:cNvPr id="4" name="Slide Number Placeholder 3"/>
-          <p:cNvSpPr>
-            <a:spLocks noGrp="1"/>
-          </p:cNvSpPr>
-          <p:nvPr>
-            <p:ph type="sldNum" sz="quarter" idx="10"/>
-          </p:nvPr>
-        </p:nvSpPr>
-        <p:spPr/>
-        <p:txBody>
-          <a:bodyPr/>
-          <a:lstStyle/>
-          <a:p>
-            <a:fld id="{A1BED318-8369-4B57-A789-6DE14716B575}" type="slidenum">
-              <a:rPr lang="en-US" smtClean="0">
-                <a:solidFill>
-                  <a:schemeClr val="bg2">
-                    <a:lumMod val="50000"/>
-                  </a:schemeClr>
-                </a:solidFill>
-                <a:latin typeface="Consolas" panose="020B0609020204030204" pitchFamily="49" charset="0"/>
-                <a:cs typeface="Consolas" panose="020B0609020204030204" pitchFamily="49" charset="0"/>
-              </a:rPr>
-              <a:pPr/>
-              <a:t>4</a:t>
-            </a:fld>
-            <a:endParaRPr lang="en-US" dirty="0">
-              <a:solidFill>
-                <a:schemeClr val="bg2">
-                  <a:lumMod val="50000"/>
-                </a:schemeClr>
-              </a:solidFill>
-              <a:latin typeface="Consolas" panose="020B0609020204030204" pitchFamily="49" charset="0"/>
-              <a:cs typeface="Consolas" panose="020B0609020204030204" pitchFamily="49" charset="0"/>
-            </a:endParaRPr>
-          </a:p>
-        </p:txBody>
-      </p:sp>
-      <p:sp>
-        <p:nvSpPr>
-          <p:cNvPr id="6" name="Content Placeholder 2"/>
-          <p:cNvSpPr>
-            <a:spLocks noGrp="1"/>
-          </p:cNvSpPr>
-          <p:nvPr>
-            <p:ph idx="1"/>
-          </p:nvPr>
-        </p:nvSpPr>
-        <p:spPr>
-          <a:xfrm>
-            <a:off x="304800" y="952500"/>
-            <a:ext cx="10287003" cy="1200329"/>
-          </a:xfrm>
-          <a:noFill/>
-        </p:spPr>
-        <p:txBody>
-          <a:bodyPr wrap="square" rtlCol="0">
-            <a:spAutoFit/>
-          </a:bodyPr>
-          <a:lstStyle/>
-          <a:p>
-            <a:pPr marL="285750" indent="-285750">
-              <a:spcBef>
-                <a:spcPct val="0"/>
-              </a:spcBef>
-              <a:buFont typeface="Arial" panose="020B0604020202020204" pitchFamily="34" charset="0"/>
-              <a:buChar char="•"/>
-            </a:pPr>
-            <a:r>
-              <a:rPr lang="en-US" sz="1800" kern="1200" dirty="0">
-                <a:latin typeface="Candara" panose="020E0502030303020204" pitchFamily="34" charset="0"/>
-                <a:cs typeface="Arial" charset="0"/>
-              </a:rPr>
-              <a:t>Via Explorer Context Menu</a:t>
-            </a:r>
-          </a:p>
-          <a:p>
-            <a:pPr marL="285750" indent="-285750">
-              <a:spcBef>
-                <a:spcPct val="0"/>
-              </a:spcBef>
-              <a:buFont typeface="Arial" panose="020B0604020202020204" pitchFamily="34" charset="0"/>
-              <a:buChar char="•"/>
-            </a:pPr>
-            <a:r>
-              <a:rPr lang="en-US" sz="1800" kern="1200" dirty="0">
-                <a:latin typeface="Candara" panose="020E0502030303020204" pitchFamily="34" charset="0"/>
-                <a:cs typeface="Arial" charset="0"/>
-              </a:rPr>
-              <a:t>Via Command Line – Code.exe</a:t>
-            </a:r>
-          </a:p>
-          <a:p>
-            <a:pPr marL="285750" indent="-285750">
-              <a:spcBef>
-                <a:spcPct val="0"/>
-              </a:spcBef>
-              <a:buFont typeface="Arial" panose="020B0604020202020204" pitchFamily="34" charset="0"/>
-              <a:buChar char="•"/>
-            </a:pPr>
-            <a:r>
-              <a:rPr lang="en-US" sz="1800" kern="1200" dirty="0">
-                <a:latin typeface="Candara" panose="020E0502030303020204" pitchFamily="34" charset="0"/>
-                <a:cs typeface="Arial" charset="0"/>
-              </a:rPr>
-              <a:t>Open single file vs folder</a:t>
-            </a:r>
-          </a:p>
-          <a:p>
-            <a:pPr marL="285750" indent="-285750">
-              <a:spcBef>
-                <a:spcPct val="0"/>
-              </a:spcBef>
-              <a:buFont typeface="Arial" panose="020B0604020202020204" pitchFamily="34" charset="0"/>
-              <a:buChar char="•"/>
-            </a:pPr>
-            <a:endParaRPr lang="en-US" sz="1800" kern="1200" dirty="0">
-              <a:latin typeface="Candara" panose="020E0502030303020204" pitchFamily="34" charset="0"/>
-              <a:cs typeface="Arial" charset="0"/>
-            </a:endParaRPr>
-          </a:p>
-        </p:txBody>
-      </p:sp>
-      <p:pic>
-        <p:nvPicPr>
-          <p:cNvPr id="7" name="Picture 6">
-            <a:extLst>
-              <a:ext uri="{FF2B5EF4-FFF2-40B4-BE49-F238E27FC236}">
-                <a16:creationId xmlns:a16="http://schemas.microsoft.com/office/drawing/2014/main" id="{FD7FB65B-0BD9-203A-D1A6-94D850404972}"/>
-              </a:ext>
-            </a:extLst>
-          </p:cNvPr>
-          <p:cNvPicPr>
-            <a:picLocks noChangeAspect="1"/>
-          </p:cNvPicPr>
-          <p:nvPr/>
-        </p:nvPicPr>
-        <p:blipFill>
-          <a:blip r:embed="rId3"/>
-          <a:stretch>
-            <a:fillRect/>
-          </a:stretch>
-        </p:blipFill>
-        <p:spPr>
-          <a:xfrm>
-            <a:off x="4114800" y="1333500"/>
-            <a:ext cx="5934860" cy="4723600"/>
-          </a:xfrm>
-          <a:prstGeom prst="rect">
-            <a:avLst/>
-          </a:prstGeom>
-        </p:spPr>
-      </p:pic>
-      <p:pic>
-        <p:nvPicPr>
-          <p:cNvPr id="9" name="Picture 8">
-            <a:extLst>
-              <a:ext uri="{FF2B5EF4-FFF2-40B4-BE49-F238E27FC236}">
-                <a16:creationId xmlns:a16="http://schemas.microsoft.com/office/drawing/2014/main" id="{9F3711E1-CD50-4F20-0F98-AD48C44ABAB0}"/>
-              </a:ext>
-            </a:extLst>
-          </p:cNvPr>
-          <p:cNvPicPr>
-            <a:picLocks noChangeAspect="1"/>
-          </p:cNvPicPr>
-          <p:nvPr/>
-        </p:nvPicPr>
-        <p:blipFill rotWithShape="1">
-          <a:blip r:embed="rId4"/>
-          <a:srcRect l="6722"/>
-          <a:stretch/>
-        </p:blipFill>
-        <p:spPr>
-          <a:xfrm>
-            <a:off x="457200" y="2095500"/>
-            <a:ext cx="3171964" cy="3404541"/>
-          </a:xfrm>
-          <a:prstGeom prst="rect">
-            <a:avLst/>
-          </a:prstGeom>
-        </p:spPr>
-      </p:pic>
-    </p:spTree>
-    <p:extLst>
-      <p:ext uri="{BB962C8B-B14F-4D97-AF65-F5344CB8AC3E}">
-        <p14:creationId xmlns:p14="http://schemas.microsoft.com/office/powerpoint/2010/main" val="3921069663"/>
-      </p:ext>
-    </p:extLst>
-  </p:cSld>
-  <p:clrMapOvr>
-    <a:masterClrMapping/>
-  </p:clrMapOvr>
-  <p:transition/>
-</p:sld>
-</file>
-
-<file path=ppt/slides/slide5.xml><?xml version="1.0" encoding="utf-8"?>
 <p:sld xmlns:a="http://schemas.openxmlformats.org/drawingml/2006/main" xmlns:r="http://schemas.openxmlformats.org/officeDocument/2006/relationships" xmlns:p="http://schemas.openxmlformats.org/presentationml/2006/main">
   <p:cSld>
     <p:spTree>
@@ -7942,7 +7315,7 @@
               <a:rPr lang="en-US" kern="1200" dirty="0">
                 <a:latin typeface="Candara" panose="020E0502030303020204" pitchFamily="34" charset="0"/>
               </a:rPr>
-              <a:t>IDE vs Text Editor</a:t>
+              <a:t>IDE vs Text Editor – Why VS Code?</a:t>
             </a:r>
           </a:p>
         </p:txBody>
@@ -7973,7 +7346,7 @@
                 <a:cs typeface="Consolas" panose="020B0609020204030204" pitchFamily="49" charset="0"/>
               </a:rPr>
               <a:pPr/>
-              <a:t>5</a:t>
+              <a:t>3</a:t>
             </a:fld>
             <a:endParaRPr lang="en-US" dirty="0">
               <a:solidFill>
@@ -8005,8 +7378,8 @@
         </p:nvSpPr>
         <p:spPr>
           <a:xfrm>
-            <a:off x="304800" y="952500"/>
-            <a:ext cx="10287003" cy="5220019"/>
+            <a:off x="304800" y="717027"/>
+            <a:ext cx="10287003" cy="5497018"/>
           </a:xfrm>
           <a:noFill/>
         </p:spPr>
@@ -8189,6 +7562,25 @@
             </a:r>
           </a:p>
           <a:p>
+            <a:pPr marL="1314450" lvl="2" indent="-285750">
+              <a:lnSpc>
+                <a:spcPct val="150000"/>
+              </a:lnSpc>
+              <a:spcBef>
+                <a:spcPct val="0"/>
+              </a:spcBef>
+              <a:buFont typeface="Arial" panose="020B0604020202020204" pitchFamily="34" charset="0"/>
+              <a:buChar char="•"/>
+            </a:pPr>
+            <a:r>
+              <a:rPr lang="en-US" sz="1200" kern="1200" dirty="0">
+                <a:latin typeface="Candara" panose="020E0502030303020204" pitchFamily="34" charset="0"/>
+                <a:cs typeface="Arial" charset="0"/>
+              </a:rPr>
+              <a:t>Usually Paid and not free/open source</a:t>
+            </a:r>
+          </a:p>
+          <a:p>
             <a:pPr marL="285750" indent="-285750">
               <a:lnSpc>
                 <a:spcPct val="150000"/>
@@ -8278,7 +7670,7 @@
                 <a:latin typeface="Candara" panose="020E0502030303020204" pitchFamily="34" charset="0"/>
                 <a:cs typeface="Arial" charset="0"/>
               </a:rPr>
-              <a:t>Can handle large code bases</a:t>
+              <a:t>Can handle large code bases and very flexible to customize</a:t>
             </a:r>
           </a:p>
           <a:p>
@@ -8297,7 +7689,7 @@
                 <a:latin typeface="Candara" panose="020E0502030303020204" pitchFamily="34" charset="0"/>
                 <a:cs typeface="Arial" charset="0"/>
               </a:rPr>
-              <a:t>Open source</a:t>
+              <a:t>Open source and free of cost</a:t>
             </a:r>
           </a:p>
           <a:p>
@@ -8373,16 +7765,13 @@
                 <a:latin typeface="Candara" panose="020E0502030303020204" pitchFamily="34" charset="0"/>
                 <a:cs typeface="Arial" charset="0"/>
               </a:rPr>
-              <a:t>But please do not use Notepad/Notepad++ </a:t>
-            </a:r>
-            <a:r>
-              <a:rPr lang="en-US" sz="1800" kern="1200" dirty="0">
-                <a:latin typeface="Candara" panose="020E0502030303020204" pitchFamily="34" charset="0"/>
-                <a:cs typeface="Arial" charset="0"/>
-                <a:sym typeface="Wingdings" panose="05000000000000000000" pitchFamily="2" charset="2"/>
-              </a:rPr>
-              <a:t></a:t>
-            </a:r>
+              <a:t>Please do not use Notepad/Notepad++😁</a:t>
+            </a:r>
+            <a:endParaRPr lang="en-US" sz="1800" kern="1200" dirty="0">
+              <a:latin typeface="Candara" panose="020E0502030303020204" pitchFamily="34" charset="0"/>
+              <a:cs typeface="Arial" charset="0"/>
+              <a:sym typeface="Wingdings" panose="05000000000000000000" pitchFamily="2" charset="2"/>
+            </a:endParaRPr>
           </a:p>
           <a:p>
             <a:pPr marL="0" indent="0">
@@ -8493,6 +7882,1101 @@
     <p:extLst>
       <p:ext uri="{BB962C8B-B14F-4D97-AF65-F5344CB8AC3E}">
         <p14:creationId xmlns:p14="http://schemas.microsoft.com/office/powerpoint/2010/main" val="3760662161"/>
+      </p:ext>
+    </p:extLst>
+  </p:cSld>
+  <p:clrMapOvr>
+    <a:masterClrMapping/>
+  </p:clrMapOvr>
+  <p:transition/>
+</p:sld>
+</file>
+
+<file path=ppt/slides/slide4.xml><?xml version="1.0" encoding="utf-8"?>
+<p:sld xmlns:a="http://schemas.openxmlformats.org/drawingml/2006/main" xmlns:r="http://schemas.openxmlformats.org/officeDocument/2006/relationships" xmlns:p="http://schemas.openxmlformats.org/presentationml/2006/main" showMasterSp="0">
+  <p:cSld>
+    <p:spTree>
+      <p:nvGrpSpPr>
+        <p:cNvPr id="1" name=""/>
+        <p:cNvGrpSpPr/>
+        <p:nvPr/>
+      </p:nvGrpSpPr>
+      <p:grpSpPr>
+        <a:xfrm>
+          <a:off x="0" y="0"/>
+          <a:ext cx="0" cy="0"/>
+          <a:chOff x="0" y="0"/>
+          <a:chExt cx="0" cy="0"/>
+        </a:xfrm>
+      </p:grpSpPr>
+      <p:sp>
+        <p:nvSpPr>
+          <p:cNvPr id="3" name="Title 2"/>
+          <p:cNvSpPr>
+            <a:spLocks noGrp="1"/>
+          </p:cNvSpPr>
+          <p:nvPr>
+            <p:ph type="title"/>
+          </p:nvPr>
+        </p:nvSpPr>
+        <p:spPr>
+          <a:noFill/>
+          <a:ln>
+            <a:noFill/>
+          </a:ln>
+          <a:extLst>
+            <a:ext uri="{909E8E84-426E-40DD-AFC4-6F175D3DCCD1}">
+              <a14:hiddenFill xmlns:a14="http://schemas.microsoft.com/office/drawing/2010/main">
+                <a:solidFill>
+                  <a:srgbClr val="FFFFFF"/>
+                </a:solidFill>
+              </a14:hiddenFill>
+            </a:ext>
+            <a:ext uri="{91240B29-F687-4F45-9708-019B960494DF}">
+              <a14:hiddenLine xmlns:a14="http://schemas.microsoft.com/office/drawing/2010/main" w="9525">
+                <a:solidFill>
+                  <a:srgbClr val="000000"/>
+                </a:solidFill>
+                <a:miter lim="800000"/>
+                <a:headEnd/>
+                <a:tailEnd/>
+              </a14:hiddenLine>
+            </a:ext>
+          </a:extLst>
+        </p:spPr>
+        <p:txBody>
+          <a:bodyPr vert="horz" wrap="square" lIns="91440" tIns="45720" rIns="91440" bIns="45720" numCol="1" anchor="b" anchorCtr="0" compatLnSpc="1">
+            <a:prstTxWarp prst="textNoShape">
+              <a:avLst/>
+            </a:prstTxWarp>
+            <a:spAutoFit/>
+          </a:bodyPr>
+          <a:lstStyle/>
+          <a:p>
+            <a:r>
+              <a:rPr lang="en-US" kern="1200" dirty="0">
+                <a:latin typeface="Candara" panose="020E0502030303020204" pitchFamily="34" charset="0"/>
+              </a:rPr>
+              <a:t>Installation/Opening</a:t>
+            </a:r>
+          </a:p>
+        </p:txBody>
+      </p:sp>
+      <p:sp>
+        <p:nvSpPr>
+          <p:cNvPr id="4" name="Slide Number Placeholder 3"/>
+          <p:cNvSpPr>
+            <a:spLocks noGrp="1"/>
+          </p:cNvSpPr>
+          <p:nvPr>
+            <p:ph type="sldNum" sz="quarter" idx="10"/>
+          </p:nvPr>
+        </p:nvSpPr>
+        <p:spPr/>
+        <p:txBody>
+          <a:bodyPr/>
+          <a:lstStyle/>
+          <a:p>
+            <a:fld id="{A1BED318-8369-4B57-A789-6DE14716B575}" type="slidenum">
+              <a:rPr lang="en-US" smtClean="0">
+                <a:solidFill>
+                  <a:schemeClr val="bg2">
+                    <a:lumMod val="50000"/>
+                  </a:schemeClr>
+                </a:solidFill>
+                <a:latin typeface="Consolas" panose="020B0609020204030204" pitchFamily="49" charset="0"/>
+                <a:cs typeface="Consolas" panose="020B0609020204030204" pitchFamily="49" charset="0"/>
+              </a:rPr>
+              <a:pPr/>
+              <a:t>4</a:t>
+            </a:fld>
+            <a:endParaRPr lang="en-US" dirty="0">
+              <a:solidFill>
+                <a:schemeClr val="bg2">
+                  <a:lumMod val="50000"/>
+                </a:schemeClr>
+              </a:solidFill>
+              <a:latin typeface="Consolas" panose="020B0609020204030204" pitchFamily="49" charset="0"/>
+              <a:cs typeface="Consolas" panose="020B0609020204030204" pitchFamily="49" charset="0"/>
+            </a:endParaRPr>
+          </a:p>
+        </p:txBody>
+      </p:sp>
+      <p:sp>
+        <p:nvSpPr>
+          <p:cNvPr id="6" name="Content Placeholder 2"/>
+          <p:cNvSpPr>
+            <a:spLocks noGrp="1"/>
+          </p:cNvSpPr>
+          <p:nvPr>
+            <p:ph idx="1"/>
+          </p:nvPr>
+        </p:nvSpPr>
+        <p:spPr>
+          <a:xfrm>
+            <a:off x="21336" y="1229498"/>
+            <a:ext cx="4343400" cy="646331"/>
+          </a:xfrm>
+          <a:noFill/>
+        </p:spPr>
+        <p:txBody>
+          <a:bodyPr wrap="square" rtlCol="0">
+            <a:spAutoFit/>
+          </a:bodyPr>
+          <a:lstStyle/>
+          <a:p>
+            <a:pPr marL="285750" indent="-285750">
+              <a:spcBef>
+                <a:spcPct val="0"/>
+              </a:spcBef>
+              <a:buFont typeface="Arial" panose="020B0604020202020204" pitchFamily="34" charset="0"/>
+              <a:buChar char="•"/>
+            </a:pPr>
+            <a:r>
+              <a:rPr lang="en-US" sz="1800" kern="1200" dirty="0">
+                <a:latin typeface="Candara" panose="020E0502030303020204" pitchFamily="34" charset="0"/>
+                <a:cs typeface="Arial" charset="0"/>
+                <a:hlinkClick r:id="rId3"/>
+              </a:rPr>
+              <a:t>https://code.visualstudio.com/download</a:t>
+            </a:r>
+            <a:endParaRPr lang="en-US" sz="1800" kern="1200" dirty="0">
+              <a:latin typeface="Candara" panose="020E0502030303020204" pitchFamily="34" charset="0"/>
+              <a:cs typeface="Arial" charset="0"/>
+            </a:endParaRPr>
+          </a:p>
+          <a:p>
+            <a:pPr marL="285750" indent="-285750">
+              <a:spcBef>
+                <a:spcPct val="0"/>
+              </a:spcBef>
+              <a:buFont typeface="Arial" panose="020B0604020202020204" pitchFamily="34" charset="0"/>
+              <a:buChar char="•"/>
+            </a:pPr>
+            <a:endParaRPr lang="en-US" sz="1800" kern="1200" dirty="0">
+              <a:latin typeface="Candara" panose="020E0502030303020204" pitchFamily="34" charset="0"/>
+              <a:cs typeface="Arial" charset="0"/>
+            </a:endParaRPr>
+          </a:p>
+        </p:txBody>
+      </p:sp>
+      <p:pic>
+        <p:nvPicPr>
+          <p:cNvPr id="10" name="Picture 9">
+            <a:extLst>
+              <a:ext uri="{FF2B5EF4-FFF2-40B4-BE49-F238E27FC236}">
+                <a16:creationId xmlns:a16="http://schemas.microsoft.com/office/drawing/2014/main" id="{EBBDA309-6BF6-B69B-9E89-7A612192E575}"/>
+              </a:ext>
+            </a:extLst>
+          </p:cNvPr>
+          <p:cNvPicPr>
+            <a:picLocks noChangeAspect="1"/>
+          </p:cNvPicPr>
+          <p:nvPr/>
+        </p:nvPicPr>
+        <p:blipFill>
+          <a:blip r:embed="rId4"/>
+          <a:stretch>
+            <a:fillRect/>
+          </a:stretch>
+        </p:blipFill>
+        <p:spPr>
+          <a:xfrm>
+            <a:off x="228600" y="1866900"/>
+            <a:ext cx="3132180" cy="2362200"/>
+          </a:xfrm>
+          <a:prstGeom prst="rect">
+            <a:avLst/>
+          </a:prstGeom>
+        </p:spPr>
+      </p:pic>
+      <p:sp>
+        <p:nvSpPr>
+          <p:cNvPr id="2" name="Content Placeholder 2">
+            <a:extLst>
+              <a:ext uri="{FF2B5EF4-FFF2-40B4-BE49-F238E27FC236}">
+                <a16:creationId xmlns:a16="http://schemas.microsoft.com/office/drawing/2014/main" id="{ADB1DFB8-8053-3B1B-DE08-4886E3BC338A}"/>
+              </a:ext>
+            </a:extLst>
+          </p:cNvPr>
+          <p:cNvSpPr txBox="1">
+            <a:spLocks/>
+          </p:cNvSpPr>
+          <p:nvPr/>
+        </p:nvSpPr>
+        <p:spPr bwMode="auto">
+          <a:xfrm>
+            <a:off x="4648200" y="952500"/>
+            <a:ext cx="5943603" cy="1200329"/>
+          </a:xfrm>
+          <a:prstGeom prst="rect">
+            <a:avLst/>
+          </a:prstGeom>
+          <a:noFill/>
+          <a:ln>
+            <a:noFill/>
+          </a:ln>
+          <a:extLst>
+            <a:ext uri="{909E8E84-426E-40DD-AFC4-6F175D3DCCD1}">
+              <a14:hiddenFill xmlns:a14="http://schemas.microsoft.com/office/drawing/2010/main">
+                <a:solidFill>
+                  <a:srgbClr val="FFFFFF"/>
+                </a:solidFill>
+              </a14:hiddenFill>
+            </a:ext>
+            <a:ext uri="{91240B29-F687-4F45-9708-019B960494DF}">
+              <a14:hiddenLine xmlns:a14="http://schemas.microsoft.com/office/drawing/2010/main" w="9525">
+                <a:solidFill>
+                  <a:srgbClr val="000000"/>
+                </a:solidFill>
+                <a:miter lim="800000"/>
+                <a:headEnd/>
+                <a:tailEnd/>
+              </a14:hiddenLine>
+            </a:ext>
+          </a:extLst>
+        </p:spPr>
+        <p:txBody>
+          <a:bodyPr vert="horz" wrap="square" lIns="91440" tIns="45720" rIns="91440" bIns="45720" numCol="1" rtlCol="0" anchor="t" anchorCtr="0" compatLnSpc="1">
+            <a:prstTxWarp prst="textNoShape">
+              <a:avLst/>
+            </a:prstTxWarp>
+            <a:spAutoFit/>
+          </a:bodyPr>
+          <a:lstStyle>
+            <a:lvl1pPr marL="342900" indent="-342900" algn="l" rtl="0" eaLnBrk="1" fontAlgn="base" hangingPunct="1">
+              <a:spcBef>
+                <a:spcPct val="20000"/>
+              </a:spcBef>
+              <a:spcAft>
+                <a:spcPct val="0"/>
+              </a:spcAft>
+              <a:buSzPct val="100000"/>
+              <a:buFontTx/>
+              <a:buBlip>
+                <a:blip r:embed="rId5"/>
+              </a:buBlip>
+              <a:defRPr sz="2400" b="0">
+                <a:solidFill>
+                  <a:schemeClr val="tx1"/>
+                </a:solidFill>
+                <a:latin typeface="Calibri" panose="020F0502020204030204" pitchFamily="34" charset="0"/>
+                <a:ea typeface="+mn-ea"/>
+                <a:cs typeface="Calibri" panose="020F0502020204030204" pitchFamily="34" charset="0"/>
+              </a:defRPr>
+            </a:lvl1pPr>
+            <a:lvl2pPr marL="914400" indent="-342900" algn="l" rtl="0" eaLnBrk="1" fontAlgn="base" hangingPunct="1">
+              <a:spcBef>
+                <a:spcPct val="20000"/>
+              </a:spcBef>
+              <a:spcAft>
+                <a:spcPct val="0"/>
+              </a:spcAft>
+              <a:buSzPct val="100000"/>
+              <a:buFontTx/>
+              <a:buBlip>
+                <a:blip r:embed="rId5"/>
+              </a:buBlip>
+              <a:defRPr sz="2000" b="0">
+                <a:solidFill>
+                  <a:schemeClr val="tx1"/>
+                </a:solidFill>
+                <a:latin typeface="Calibri" panose="020F0502020204030204" pitchFamily="34" charset="0"/>
+                <a:cs typeface="Calibri" panose="020F0502020204030204" pitchFamily="34" charset="0"/>
+              </a:defRPr>
+            </a:lvl2pPr>
+            <a:lvl3pPr marL="1371600" indent="-282575" algn="l" rtl="0" eaLnBrk="1" fontAlgn="base" hangingPunct="1">
+              <a:spcBef>
+                <a:spcPct val="20000"/>
+              </a:spcBef>
+              <a:spcAft>
+                <a:spcPct val="0"/>
+              </a:spcAft>
+              <a:buSzPct val="100000"/>
+              <a:buFontTx/>
+              <a:buBlip>
+                <a:blip r:embed="rId5"/>
+              </a:buBlip>
+              <a:defRPr sz="1800" b="0">
+                <a:solidFill>
+                  <a:schemeClr val="tx1"/>
+                </a:solidFill>
+                <a:latin typeface="Calibri" panose="020F0502020204030204" pitchFamily="34" charset="0"/>
+                <a:cs typeface="Calibri" panose="020F0502020204030204" pitchFamily="34" charset="0"/>
+              </a:defRPr>
+            </a:lvl3pPr>
+            <a:lvl4pPr marL="1774825" indent="-228600" algn="l" rtl="0" eaLnBrk="1" fontAlgn="base" hangingPunct="1">
+              <a:spcBef>
+                <a:spcPct val="20000"/>
+              </a:spcBef>
+              <a:spcAft>
+                <a:spcPct val="0"/>
+              </a:spcAft>
+              <a:buChar char="–"/>
+              <a:defRPr sz="2000" b="0">
+                <a:solidFill>
+                  <a:schemeClr val="bg1"/>
+                </a:solidFill>
+                <a:latin typeface="Calibri" panose="020F0502020204030204" pitchFamily="34" charset="0"/>
+                <a:cs typeface="Calibri" panose="020F0502020204030204" pitchFamily="34" charset="0"/>
+              </a:defRPr>
+            </a:lvl4pPr>
+            <a:lvl5pPr marL="2117725" indent="-228600" algn="l" rtl="0" eaLnBrk="1" fontAlgn="base" hangingPunct="1">
+              <a:spcBef>
+                <a:spcPct val="20000"/>
+              </a:spcBef>
+              <a:spcAft>
+                <a:spcPct val="0"/>
+              </a:spcAft>
+              <a:buChar char="»"/>
+              <a:defRPr sz="2000" b="0">
+                <a:solidFill>
+                  <a:schemeClr val="bg1"/>
+                </a:solidFill>
+                <a:latin typeface="Calibri" panose="020F0502020204030204" pitchFamily="34" charset="0"/>
+                <a:cs typeface="Calibri" panose="020F0502020204030204" pitchFamily="34" charset="0"/>
+              </a:defRPr>
+            </a:lvl5pPr>
+            <a:lvl6pPr marL="2574925" indent="-228600" algn="l" rtl="0" eaLnBrk="1" fontAlgn="base" hangingPunct="1">
+              <a:spcBef>
+                <a:spcPct val="20000"/>
+              </a:spcBef>
+              <a:spcAft>
+                <a:spcPct val="0"/>
+              </a:spcAft>
+              <a:buChar char="»"/>
+              <a:defRPr sz="2000">
+                <a:solidFill>
+                  <a:schemeClr val="bg1"/>
+                </a:solidFill>
+                <a:latin typeface="+mn-lt"/>
+              </a:defRPr>
+            </a:lvl6pPr>
+            <a:lvl7pPr marL="3032125" indent="-228600" algn="l" rtl="0" eaLnBrk="1" fontAlgn="base" hangingPunct="1">
+              <a:spcBef>
+                <a:spcPct val="20000"/>
+              </a:spcBef>
+              <a:spcAft>
+                <a:spcPct val="0"/>
+              </a:spcAft>
+              <a:buChar char="»"/>
+              <a:defRPr sz="2000">
+                <a:solidFill>
+                  <a:schemeClr val="bg1"/>
+                </a:solidFill>
+                <a:latin typeface="+mn-lt"/>
+              </a:defRPr>
+            </a:lvl7pPr>
+            <a:lvl8pPr marL="3489325" indent="-228600" algn="l" rtl="0" eaLnBrk="1" fontAlgn="base" hangingPunct="1">
+              <a:spcBef>
+                <a:spcPct val="20000"/>
+              </a:spcBef>
+              <a:spcAft>
+                <a:spcPct val="0"/>
+              </a:spcAft>
+              <a:buChar char="»"/>
+              <a:defRPr sz="2000">
+                <a:solidFill>
+                  <a:schemeClr val="bg1"/>
+                </a:solidFill>
+                <a:latin typeface="+mn-lt"/>
+              </a:defRPr>
+            </a:lvl8pPr>
+            <a:lvl9pPr marL="3946525" indent="-228600" algn="l" rtl="0" eaLnBrk="1" fontAlgn="base" hangingPunct="1">
+              <a:spcBef>
+                <a:spcPct val="20000"/>
+              </a:spcBef>
+              <a:spcAft>
+                <a:spcPct val="0"/>
+              </a:spcAft>
+              <a:buChar char="»"/>
+              <a:defRPr sz="2000">
+                <a:solidFill>
+                  <a:schemeClr val="bg1"/>
+                </a:solidFill>
+                <a:latin typeface="+mn-lt"/>
+              </a:defRPr>
+            </a:lvl9pPr>
+          </a:lstStyle>
+          <a:p>
+            <a:pPr marL="285750" indent="-285750">
+              <a:spcBef>
+                <a:spcPct val="0"/>
+              </a:spcBef>
+              <a:buFont typeface="Arial" panose="020B0604020202020204" pitchFamily="34" charset="0"/>
+              <a:buChar char="•"/>
+            </a:pPr>
+            <a:r>
+              <a:rPr lang="en-US" sz="1800" kern="1200">
+                <a:latin typeface="Candara" panose="020E0502030303020204" pitchFamily="34" charset="0"/>
+                <a:cs typeface="Arial" charset="0"/>
+              </a:rPr>
+              <a:t>Via Explorer Context Menu</a:t>
+            </a:r>
+          </a:p>
+          <a:p>
+            <a:pPr marL="285750" indent="-285750">
+              <a:spcBef>
+                <a:spcPct val="0"/>
+              </a:spcBef>
+              <a:buFont typeface="Arial" panose="020B0604020202020204" pitchFamily="34" charset="0"/>
+              <a:buChar char="•"/>
+            </a:pPr>
+            <a:r>
+              <a:rPr lang="en-US" sz="1800" kern="1200">
+                <a:latin typeface="Candara" panose="020E0502030303020204" pitchFamily="34" charset="0"/>
+                <a:cs typeface="Arial" charset="0"/>
+              </a:rPr>
+              <a:t>Via Command Line – Code.exe</a:t>
+            </a:r>
+          </a:p>
+          <a:p>
+            <a:pPr marL="285750" indent="-285750">
+              <a:spcBef>
+                <a:spcPct val="0"/>
+              </a:spcBef>
+              <a:buFont typeface="Arial" panose="020B0604020202020204" pitchFamily="34" charset="0"/>
+              <a:buChar char="•"/>
+            </a:pPr>
+            <a:r>
+              <a:rPr lang="en-US" sz="1800" kern="1200">
+                <a:latin typeface="Candara" panose="020E0502030303020204" pitchFamily="34" charset="0"/>
+                <a:cs typeface="Arial" charset="0"/>
+              </a:rPr>
+              <a:t>Open single file vs folder</a:t>
+            </a:r>
+          </a:p>
+          <a:p>
+            <a:pPr marL="285750" indent="-285750">
+              <a:spcBef>
+                <a:spcPct val="0"/>
+              </a:spcBef>
+              <a:buFont typeface="Arial" panose="020B0604020202020204" pitchFamily="34" charset="0"/>
+              <a:buChar char="•"/>
+            </a:pPr>
+            <a:endParaRPr lang="en-US" sz="1800" kern="1200" dirty="0">
+              <a:latin typeface="Candara" panose="020E0502030303020204" pitchFamily="34" charset="0"/>
+              <a:cs typeface="Arial" charset="0"/>
+            </a:endParaRPr>
+          </a:p>
+        </p:txBody>
+      </p:sp>
+      <p:pic>
+        <p:nvPicPr>
+          <p:cNvPr id="5" name="Picture 4">
+            <a:extLst>
+              <a:ext uri="{FF2B5EF4-FFF2-40B4-BE49-F238E27FC236}">
+                <a16:creationId xmlns:a16="http://schemas.microsoft.com/office/drawing/2014/main" id="{A3EC46D8-DAC7-6116-9106-EA7953C3F25D}"/>
+              </a:ext>
+            </a:extLst>
+          </p:cNvPr>
+          <p:cNvPicPr>
+            <a:picLocks noChangeAspect="1"/>
+          </p:cNvPicPr>
+          <p:nvPr/>
+        </p:nvPicPr>
+        <p:blipFill rotWithShape="1">
+          <a:blip r:embed="rId6"/>
+          <a:srcRect l="6722" r="10093"/>
+          <a:stretch/>
+        </p:blipFill>
+        <p:spPr>
+          <a:xfrm>
+            <a:off x="3887509" y="2152829"/>
+            <a:ext cx="2828759" cy="3404541"/>
+          </a:xfrm>
+          <a:prstGeom prst="rect">
+            <a:avLst/>
+          </a:prstGeom>
+        </p:spPr>
+      </p:pic>
+      <p:pic>
+        <p:nvPicPr>
+          <p:cNvPr id="7" name="Picture 6">
+            <a:extLst>
+              <a:ext uri="{FF2B5EF4-FFF2-40B4-BE49-F238E27FC236}">
+                <a16:creationId xmlns:a16="http://schemas.microsoft.com/office/drawing/2014/main" id="{5918553F-F758-E7C9-4317-937C70D081A4}"/>
+              </a:ext>
+            </a:extLst>
+          </p:cNvPr>
+          <p:cNvPicPr>
+            <a:picLocks noChangeAspect="1"/>
+          </p:cNvPicPr>
+          <p:nvPr/>
+        </p:nvPicPr>
+        <p:blipFill rotWithShape="1">
+          <a:blip r:embed="rId7"/>
+          <a:srcRect r="15310"/>
+          <a:stretch/>
+        </p:blipFill>
+        <p:spPr>
+          <a:xfrm>
+            <a:off x="6934200" y="2152829"/>
+            <a:ext cx="3810000" cy="3580600"/>
+          </a:xfrm>
+          <a:prstGeom prst="rect">
+            <a:avLst/>
+          </a:prstGeom>
+        </p:spPr>
+      </p:pic>
+    </p:spTree>
+    <p:extLst>
+      <p:ext uri="{BB962C8B-B14F-4D97-AF65-F5344CB8AC3E}">
+        <p14:creationId xmlns:p14="http://schemas.microsoft.com/office/powerpoint/2010/main" val="2952847942"/>
+      </p:ext>
+    </p:extLst>
+  </p:cSld>
+  <p:clrMapOvr>
+    <a:masterClrMapping/>
+  </p:clrMapOvr>
+  <p:transition/>
+</p:sld>
+</file>
+
+<file path=ppt/slides/slide5.xml><?xml version="1.0" encoding="utf-8"?>
+<p:sld xmlns:a="http://schemas.openxmlformats.org/drawingml/2006/main" xmlns:r="http://schemas.openxmlformats.org/officeDocument/2006/relationships" xmlns:p="http://schemas.openxmlformats.org/presentationml/2006/main">
+  <p:cSld>
+    <p:spTree>
+      <p:nvGrpSpPr>
+        <p:cNvPr id="1" name=""/>
+        <p:cNvGrpSpPr/>
+        <p:nvPr/>
+      </p:nvGrpSpPr>
+      <p:grpSpPr>
+        <a:xfrm>
+          <a:off x="0" y="0"/>
+          <a:ext cx="0" cy="0"/>
+          <a:chOff x="0" y="0"/>
+          <a:chExt cx="0" cy="0"/>
+        </a:xfrm>
+      </p:grpSpPr>
+      <p:sp>
+        <p:nvSpPr>
+          <p:cNvPr id="3" name="Title 2"/>
+          <p:cNvSpPr>
+            <a:spLocks noGrp="1"/>
+          </p:cNvSpPr>
+          <p:nvPr>
+            <p:ph type="title"/>
+          </p:nvPr>
+        </p:nvSpPr>
+        <p:spPr>
+          <a:noFill/>
+          <a:ln>
+            <a:noFill/>
+          </a:ln>
+          <a:extLst>
+            <a:ext uri="{909E8E84-426E-40DD-AFC4-6F175D3DCCD1}">
+              <a14:hiddenFill xmlns:a14="http://schemas.microsoft.com/office/drawing/2010/main">
+                <a:solidFill>
+                  <a:srgbClr val="FFFFFF"/>
+                </a:solidFill>
+              </a14:hiddenFill>
+            </a:ext>
+            <a:ext uri="{91240B29-F687-4F45-9708-019B960494DF}">
+              <a14:hiddenLine xmlns:a14="http://schemas.microsoft.com/office/drawing/2010/main" w="9525">
+                <a:solidFill>
+                  <a:srgbClr val="000000"/>
+                </a:solidFill>
+                <a:miter lim="800000"/>
+                <a:headEnd/>
+                <a:tailEnd/>
+              </a14:hiddenLine>
+            </a:ext>
+          </a:extLst>
+        </p:spPr>
+        <p:txBody>
+          <a:bodyPr vert="horz" wrap="square" lIns="91440" tIns="45720" rIns="91440" bIns="45720" numCol="1" anchor="b" anchorCtr="0" compatLnSpc="1">
+            <a:prstTxWarp prst="textNoShape">
+              <a:avLst/>
+            </a:prstTxWarp>
+            <a:spAutoFit/>
+          </a:bodyPr>
+          <a:lstStyle/>
+          <a:p>
+            <a:r>
+              <a:rPr lang="en-US" kern="1200" dirty="0">
+                <a:latin typeface="Candara" panose="020E0502030303020204" pitchFamily="34" charset="0"/>
+              </a:rPr>
+              <a:t>The Editor Overview</a:t>
+            </a:r>
+          </a:p>
+        </p:txBody>
+      </p:sp>
+      <p:sp>
+        <p:nvSpPr>
+          <p:cNvPr id="4" name="Slide Number Placeholder 3"/>
+          <p:cNvSpPr>
+            <a:spLocks noGrp="1"/>
+          </p:cNvSpPr>
+          <p:nvPr>
+            <p:ph type="sldNum" sz="quarter" idx="10"/>
+          </p:nvPr>
+        </p:nvSpPr>
+        <p:spPr/>
+        <p:txBody>
+          <a:bodyPr/>
+          <a:lstStyle/>
+          <a:p>
+            <a:fld id="{A1BED318-8369-4B57-A789-6DE14716B575}" type="slidenum">
+              <a:rPr lang="en-US" smtClean="0">
+                <a:solidFill>
+                  <a:schemeClr val="bg2">
+                    <a:lumMod val="50000"/>
+                  </a:schemeClr>
+                </a:solidFill>
+                <a:latin typeface="Consolas" panose="020B0609020204030204" pitchFamily="49" charset="0"/>
+                <a:cs typeface="Consolas" panose="020B0609020204030204" pitchFamily="49" charset="0"/>
+              </a:rPr>
+              <a:pPr/>
+              <a:t>5</a:t>
+            </a:fld>
+            <a:endParaRPr lang="en-US" dirty="0">
+              <a:solidFill>
+                <a:schemeClr val="bg2">
+                  <a:lumMod val="50000"/>
+                </a:schemeClr>
+              </a:solidFill>
+              <a:latin typeface="Consolas" panose="020B0609020204030204" pitchFamily="49" charset="0"/>
+              <a:cs typeface="Consolas" panose="020B0609020204030204" pitchFamily="49" charset="0"/>
+            </a:endParaRPr>
+          </a:p>
+        </p:txBody>
+      </p:sp>
+      <p:sp>
+        <p:nvSpPr>
+          <p:cNvPr id="2" name="Content Placeholder 2">
+            <a:extLst>
+              <a:ext uri="{FF2B5EF4-FFF2-40B4-BE49-F238E27FC236}">
+                <a16:creationId xmlns:a16="http://schemas.microsoft.com/office/drawing/2014/main" id="{AFD3BE29-AA42-33CC-FA24-6F4AD22B3C20}"/>
+              </a:ext>
+            </a:extLst>
+          </p:cNvPr>
+          <p:cNvSpPr>
+            <a:spLocks noGrp="1"/>
+          </p:cNvSpPr>
+          <p:nvPr>
+            <p:ph idx="1"/>
+          </p:nvPr>
+        </p:nvSpPr>
+        <p:spPr>
+          <a:xfrm>
+            <a:off x="304800" y="952500"/>
+            <a:ext cx="10287003" cy="5681684"/>
+          </a:xfrm>
+          <a:noFill/>
+        </p:spPr>
+        <p:txBody>
+          <a:bodyPr wrap="square" numCol="2" rtlCol="0">
+            <a:spAutoFit/>
+          </a:bodyPr>
+          <a:lstStyle/>
+          <a:p>
+            <a:pPr marL="285750" indent="-285750">
+              <a:spcBef>
+                <a:spcPct val="0"/>
+              </a:spcBef>
+              <a:buFont typeface="Arial" panose="020B0604020202020204" pitchFamily="34" charset="0"/>
+              <a:buChar char="•"/>
+            </a:pPr>
+            <a:r>
+              <a:rPr lang="en-US" sz="1800" kern="1200" dirty="0">
+                <a:latin typeface="Candara" panose="020E0502030303020204" pitchFamily="34" charset="0"/>
+                <a:cs typeface="Arial" charset="0"/>
+              </a:rPr>
+              <a:t>Ctrl + Shift + P – Open Command Palette </a:t>
+            </a:r>
+          </a:p>
+          <a:p>
+            <a:pPr marL="285750" indent="-285750">
+              <a:spcBef>
+                <a:spcPct val="0"/>
+              </a:spcBef>
+              <a:buFont typeface="Arial" panose="020B0604020202020204" pitchFamily="34" charset="0"/>
+              <a:buChar char="•"/>
+            </a:pPr>
+            <a:r>
+              <a:rPr lang="en-US" sz="1800" kern="1200" dirty="0">
+                <a:latin typeface="Candara" panose="020E0502030303020204" pitchFamily="34" charset="0"/>
+                <a:cs typeface="Arial" charset="0"/>
+              </a:rPr>
+              <a:t>Ctrl + P –Open File from workspace(?)</a:t>
+            </a:r>
+            <a:endParaRPr lang="en-US" sz="1400" kern="1200" dirty="0">
+              <a:latin typeface="Candara" panose="020E0502030303020204" pitchFamily="34" charset="0"/>
+              <a:cs typeface="Arial" charset="0"/>
+            </a:endParaRPr>
+          </a:p>
+          <a:p>
+            <a:pPr marL="285750" indent="-285750">
+              <a:spcBef>
+                <a:spcPct val="0"/>
+              </a:spcBef>
+              <a:buFont typeface="Arial" panose="020B0604020202020204" pitchFamily="34" charset="0"/>
+              <a:buChar char="•"/>
+            </a:pPr>
+            <a:r>
+              <a:rPr lang="en-US" sz="1800" kern="1200" dirty="0">
+                <a:latin typeface="Candara" panose="020E0502030303020204" pitchFamily="34" charset="0"/>
+                <a:cs typeface="Arial" charset="0"/>
+              </a:rPr>
+              <a:t>Explorer</a:t>
+            </a:r>
+          </a:p>
+          <a:p>
+            <a:pPr marL="857250" lvl="1" indent="-285750">
+              <a:spcBef>
+                <a:spcPct val="0"/>
+              </a:spcBef>
+              <a:buFont typeface="Arial" panose="020B0604020202020204" pitchFamily="34" charset="0"/>
+              <a:buChar char="•"/>
+            </a:pPr>
+            <a:r>
+              <a:rPr lang="en-US" sz="1400" kern="1200" dirty="0">
+                <a:latin typeface="Candara" panose="020E0502030303020204" pitchFamily="34" charset="0"/>
+                <a:cs typeface="Arial" charset="0"/>
+              </a:rPr>
+              <a:t>Create files with multiple sub directories deep</a:t>
+            </a:r>
+          </a:p>
+          <a:p>
+            <a:pPr marL="857250" lvl="1" indent="-285750">
+              <a:spcBef>
+                <a:spcPct val="0"/>
+              </a:spcBef>
+              <a:buFont typeface="Arial" panose="020B0604020202020204" pitchFamily="34" charset="0"/>
+              <a:buChar char="•"/>
+            </a:pPr>
+            <a:r>
+              <a:rPr lang="en-US" sz="1400" kern="1200" dirty="0">
+                <a:latin typeface="Candara" panose="020E0502030303020204" pitchFamily="34" charset="0"/>
+                <a:cs typeface="Arial" charset="0"/>
+              </a:rPr>
+              <a:t>Compare Files</a:t>
+            </a:r>
+          </a:p>
+          <a:p>
+            <a:pPr marL="285750" indent="-285750">
+              <a:lnSpc>
+                <a:spcPct val="150000"/>
+              </a:lnSpc>
+              <a:spcBef>
+                <a:spcPct val="0"/>
+              </a:spcBef>
+              <a:buFont typeface="Arial" panose="020B0604020202020204" pitchFamily="34" charset="0"/>
+              <a:buChar char="•"/>
+            </a:pPr>
+            <a:r>
+              <a:rPr lang="en-US" sz="1800" dirty="0">
+                <a:effectLst/>
+                <a:latin typeface="Calibri" panose="020F0502020204030204" pitchFamily="34" charset="0"/>
+              </a:rPr>
+              <a:t>Editor tabs – Copy Path</a:t>
+            </a:r>
+          </a:p>
+          <a:p>
+            <a:pPr marL="285750" indent="-285750">
+              <a:lnSpc>
+                <a:spcPct val="150000"/>
+              </a:lnSpc>
+              <a:spcBef>
+                <a:spcPct val="0"/>
+              </a:spcBef>
+              <a:buFont typeface="Arial" panose="020B0604020202020204" pitchFamily="34" charset="0"/>
+              <a:buChar char="•"/>
+            </a:pPr>
+            <a:r>
+              <a:rPr lang="en-US" sz="1800" kern="1200" dirty="0">
+                <a:latin typeface="Candara" panose="020E0502030303020204" pitchFamily="34" charset="0"/>
+                <a:cs typeface="Arial" charset="0"/>
+              </a:rPr>
+              <a:t>80/100 Column Guides</a:t>
+            </a:r>
+          </a:p>
+          <a:p>
+            <a:pPr marL="285750" indent="-285750">
+              <a:lnSpc>
+                <a:spcPct val="150000"/>
+              </a:lnSpc>
+              <a:spcBef>
+                <a:spcPct val="0"/>
+              </a:spcBef>
+              <a:buFont typeface="Arial" panose="020B0604020202020204" pitchFamily="34" charset="0"/>
+              <a:buChar char="•"/>
+            </a:pPr>
+            <a:r>
+              <a:rPr lang="en-US" sz="1800" kern="1200" dirty="0">
+                <a:latin typeface="Candara" panose="020E0502030303020204" pitchFamily="34" charset="0"/>
+                <a:cs typeface="Arial" charset="0"/>
+              </a:rPr>
+              <a:t>Indent Guides</a:t>
+            </a:r>
+          </a:p>
+          <a:p>
+            <a:pPr marL="285750" indent="-285750">
+              <a:lnSpc>
+                <a:spcPct val="150000"/>
+              </a:lnSpc>
+              <a:spcBef>
+                <a:spcPct val="0"/>
+              </a:spcBef>
+              <a:buFont typeface="Arial" panose="020B0604020202020204" pitchFamily="34" charset="0"/>
+              <a:buChar char="•"/>
+            </a:pPr>
+            <a:r>
+              <a:rPr lang="en-US" sz="1800" kern="1200" dirty="0">
+                <a:latin typeface="Candara" panose="020E0502030303020204" pitchFamily="34" charset="0"/>
+                <a:cs typeface="Arial" charset="0"/>
+              </a:rPr>
+              <a:t>Ctrl + F/H – Find/Replace in current file</a:t>
+            </a:r>
+          </a:p>
+          <a:p>
+            <a:pPr marL="285750" indent="-285750">
+              <a:lnSpc>
+                <a:spcPct val="150000"/>
+              </a:lnSpc>
+              <a:spcBef>
+                <a:spcPct val="0"/>
+              </a:spcBef>
+              <a:buFont typeface="Arial" panose="020B0604020202020204" pitchFamily="34" charset="0"/>
+              <a:buChar char="•"/>
+            </a:pPr>
+            <a:r>
+              <a:rPr lang="en-US" sz="1800" kern="1200" dirty="0">
+                <a:latin typeface="Candara" panose="020E0502030303020204" pitchFamily="34" charset="0"/>
+                <a:cs typeface="Arial" charset="0"/>
+              </a:rPr>
+              <a:t>Scroll bar search highlights</a:t>
+            </a:r>
+          </a:p>
+          <a:p>
+            <a:pPr marL="285750" indent="-285750">
+              <a:lnSpc>
+                <a:spcPct val="150000"/>
+              </a:lnSpc>
+              <a:spcBef>
+                <a:spcPct val="0"/>
+              </a:spcBef>
+              <a:buFont typeface="Arial" panose="020B0604020202020204" pitchFamily="34" charset="0"/>
+              <a:buChar char="•"/>
+            </a:pPr>
+            <a:r>
+              <a:rPr lang="en-US" sz="1800" kern="1200" dirty="0">
+                <a:latin typeface="Candara" panose="020E0502030303020204" pitchFamily="34" charset="0"/>
+                <a:cs typeface="Arial" charset="0"/>
+              </a:rPr>
+              <a:t>Ctrl + Shift + F/H – Find/Replace in workspace</a:t>
+            </a:r>
+          </a:p>
+          <a:p>
+            <a:pPr marL="285750" indent="-285750">
+              <a:lnSpc>
+                <a:spcPct val="150000"/>
+              </a:lnSpc>
+              <a:spcBef>
+                <a:spcPct val="0"/>
+              </a:spcBef>
+              <a:buFont typeface="Arial" panose="020B0604020202020204" pitchFamily="34" charset="0"/>
+              <a:buChar char="•"/>
+            </a:pPr>
+            <a:r>
+              <a:rPr lang="en-US" sz="1800" kern="1200" dirty="0">
+                <a:latin typeface="Candara" panose="020E0502030303020204" pitchFamily="34" charset="0"/>
+                <a:cs typeface="Arial" charset="0"/>
+              </a:rPr>
+              <a:t>Ctrl + \ - Splits</a:t>
+            </a:r>
+          </a:p>
+          <a:p>
+            <a:pPr marL="285750" indent="-285750">
+              <a:lnSpc>
+                <a:spcPct val="150000"/>
+              </a:lnSpc>
+              <a:spcBef>
+                <a:spcPct val="0"/>
+              </a:spcBef>
+              <a:buFont typeface="Arial" panose="020B0604020202020204" pitchFamily="34" charset="0"/>
+              <a:buChar char="•"/>
+            </a:pPr>
+            <a:r>
+              <a:rPr lang="en-US" sz="1800" kern="1200" dirty="0">
+                <a:cs typeface="Arial" charset="0"/>
+              </a:rPr>
+              <a:t>Sticky Scroll</a:t>
+            </a:r>
+          </a:p>
+          <a:p>
+            <a:pPr marL="285750" indent="-285750">
+              <a:lnSpc>
+                <a:spcPct val="150000"/>
+              </a:lnSpc>
+              <a:spcBef>
+                <a:spcPct val="0"/>
+              </a:spcBef>
+              <a:buFont typeface="Arial" panose="020B0604020202020204" pitchFamily="34" charset="0"/>
+              <a:buChar char="•"/>
+            </a:pPr>
+            <a:endParaRPr lang="en-US" sz="1800" kern="1200" dirty="0">
+              <a:cs typeface="Arial" charset="0"/>
+            </a:endParaRPr>
+          </a:p>
+          <a:p>
+            <a:pPr marL="285750" indent="-285750">
+              <a:lnSpc>
+                <a:spcPct val="150000"/>
+              </a:lnSpc>
+              <a:spcBef>
+                <a:spcPct val="0"/>
+              </a:spcBef>
+              <a:buFont typeface="Arial" panose="020B0604020202020204" pitchFamily="34" charset="0"/>
+              <a:buChar char="•"/>
+            </a:pPr>
+            <a:endParaRPr lang="en-US" sz="1800" kern="1200" dirty="0">
+              <a:cs typeface="Arial" charset="0"/>
+            </a:endParaRPr>
+          </a:p>
+          <a:p>
+            <a:pPr marL="285750" indent="-285750">
+              <a:lnSpc>
+                <a:spcPct val="150000"/>
+              </a:lnSpc>
+              <a:spcBef>
+                <a:spcPct val="0"/>
+              </a:spcBef>
+              <a:buFont typeface="Arial" panose="020B0604020202020204" pitchFamily="34" charset="0"/>
+              <a:buChar char="•"/>
+            </a:pPr>
+            <a:r>
+              <a:rPr lang="en-US" sz="1800" kern="1200" dirty="0">
+                <a:latin typeface="Candara" panose="020E0502030303020204" pitchFamily="34" charset="0"/>
+                <a:cs typeface="Arial" charset="0"/>
+              </a:rPr>
+              <a:t>Ctrl + Shift + \ - Find the matching brace</a:t>
+            </a:r>
+          </a:p>
+          <a:p>
+            <a:pPr marL="285750" indent="-285750">
+              <a:lnSpc>
+                <a:spcPct val="150000"/>
+              </a:lnSpc>
+              <a:spcBef>
+                <a:spcPct val="0"/>
+              </a:spcBef>
+              <a:buFont typeface="Arial" panose="020B0604020202020204" pitchFamily="34" charset="0"/>
+              <a:buChar char="•"/>
+            </a:pPr>
+            <a:r>
+              <a:rPr lang="en-US" sz="1800" kern="1200" dirty="0">
+                <a:latin typeface="Candara" panose="020E0502030303020204" pitchFamily="34" charset="0"/>
+                <a:cs typeface="Arial" charset="0"/>
+              </a:rPr>
+              <a:t>Alt + Left/Right – Navigation history</a:t>
+            </a:r>
+          </a:p>
+          <a:p>
+            <a:pPr marL="285750" indent="-285750">
+              <a:lnSpc>
+                <a:spcPct val="150000"/>
+              </a:lnSpc>
+              <a:spcBef>
+                <a:spcPct val="0"/>
+              </a:spcBef>
+              <a:buFont typeface="Arial" panose="020B0604020202020204" pitchFamily="34" charset="0"/>
+              <a:buChar char="•"/>
+            </a:pPr>
+            <a:r>
+              <a:rPr lang="en-US" sz="1800" kern="1200" dirty="0">
+                <a:latin typeface="Candara" panose="020E0502030303020204" pitchFamily="34" charset="0"/>
+                <a:cs typeface="Arial" charset="0"/>
+              </a:rPr>
+              <a:t>Remove blank lines</a:t>
+            </a:r>
+          </a:p>
+          <a:p>
+            <a:pPr marL="285750" indent="-285750">
+              <a:lnSpc>
+                <a:spcPct val="150000"/>
+              </a:lnSpc>
+              <a:spcBef>
+                <a:spcPct val="0"/>
+              </a:spcBef>
+              <a:buFont typeface="Arial" panose="020B0604020202020204" pitchFamily="34" charset="0"/>
+              <a:buChar char="•"/>
+            </a:pPr>
+            <a:endParaRPr lang="en-US" sz="1800" kern="1200" dirty="0">
+              <a:latin typeface="Candara" panose="020E0502030303020204" pitchFamily="34" charset="0"/>
+              <a:cs typeface="Arial" charset="0"/>
+            </a:endParaRPr>
+          </a:p>
+          <a:p>
+            <a:pPr marL="285750" indent="-285750">
+              <a:lnSpc>
+                <a:spcPct val="150000"/>
+              </a:lnSpc>
+              <a:spcBef>
+                <a:spcPct val="0"/>
+              </a:spcBef>
+              <a:buFont typeface="Arial" panose="020B0604020202020204" pitchFamily="34" charset="0"/>
+              <a:buChar char="•"/>
+            </a:pPr>
+            <a:endParaRPr lang="en-US" sz="1800" kern="1200" dirty="0">
+              <a:latin typeface="Candara" panose="020E0502030303020204" pitchFamily="34" charset="0"/>
+              <a:cs typeface="Arial" charset="0"/>
+            </a:endParaRPr>
+          </a:p>
+          <a:p>
+            <a:pPr marL="285750" indent="-285750">
+              <a:lnSpc>
+                <a:spcPct val="150000"/>
+              </a:lnSpc>
+              <a:spcBef>
+                <a:spcPct val="0"/>
+              </a:spcBef>
+              <a:buFont typeface="Arial" panose="020B0604020202020204" pitchFamily="34" charset="0"/>
+              <a:buChar char="•"/>
+            </a:pPr>
+            <a:endParaRPr lang="en-US" sz="1800" kern="1200" dirty="0">
+              <a:latin typeface="Candara" panose="020E0502030303020204" pitchFamily="34" charset="0"/>
+              <a:cs typeface="Arial" charset="0"/>
+            </a:endParaRPr>
+          </a:p>
+        </p:txBody>
+      </p:sp>
+      <p:pic>
+        <p:nvPicPr>
+          <p:cNvPr id="8" name="Picture 7">
+            <a:extLst>
+              <a:ext uri="{FF2B5EF4-FFF2-40B4-BE49-F238E27FC236}">
+                <a16:creationId xmlns:a16="http://schemas.microsoft.com/office/drawing/2014/main" id="{9D26D43C-5474-121D-8EFB-8D2C4B0B8AD8}"/>
+              </a:ext>
+            </a:extLst>
+          </p:cNvPr>
+          <p:cNvPicPr>
+            <a:picLocks noChangeAspect="1"/>
+          </p:cNvPicPr>
+          <p:nvPr/>
+        </p:nvPicPr>
+        <p:blipFill>
+          <a:blip r:embed="rId3"/>
+          <a:stretch>
+            <a:fillRect/>
+          </a:stretch>
+        </p:blipFill>
+        <p:spPr>
+          <a:xfrm>
+            <a:off x="5715000" y="2502044"/>
+            <a:ext cx="3078938" cy="3267219"/>
+          </a:xfrm>
+          <a:prstGeom prst="rect">
+            <a:avLst/>
+          </a:prstGeom>
+        </p:spPr>
+      </p:pic>
+    </p:spTree>
+    <p:extLst>
+      <p:ext uri="{BB962C8B-B14F-4D97-AF65-F5344CB8AC3E}">
+        <p14:creationId xmlns:p14="http://schemas.microsoft.com/office/powerpoint/2010/main" val="946196539"/>
       </p:ext>
     </p:extLst>
   </p:cSld>
@@ -8568,7 +9052,7 @@
               <a:rPr lang="en-US" kern="1200" dirty="0">
                 <a:latin typeface="Candara" panose="020E0502030303020204" pitchFamily="34" charset="0"/>
               </a:rPr>
-              <a:t>Interface Overview</a:t>
+              <a:t>Basic Editing/Navigation in editing text</a:t>
             </a:r>
           </a:p>
         </p:txBody>
@@ -8632,12 +9116,12 @@
         <p:spPr>
           <a:xfrm>
             <a:off x="304800" y="952500"/>
-            <a:ext cx="10287003" cy="3600986"/>
+            <a:ext cx="10287003" cy="2585323"/>
           </a:xfrm>
           <a:noFill/>
         </p:spPr>
         <p:txBody>
-          <a:bodyPr wrap="square" numCol="2" rtlCol="0">
+          <a:bodyPr wrap="square" rtlCol="0">
             <a:spAutoFit/>
           </a:bodyPr>
           <a:lstStyle/>
@@ -8654,7 +9138,7 @@
                 <a:latin typeface="Candara" panose="020E0502030303020204" pitchFamily="34" charset="0"/>
                 <a:cs typeface="Arial" charset="0"/>
               </a:rPr>
-              <a:t>Traditional Clunky Toolbars vs Command Palette</a:t>
+              <a:t>Left/Right – navigate each character left/right</a:t>
             </a:r>
           </a:p>
           <a:p>
@@ -8670,7 +9154,7 @@
                 <a:latin typeface="Candara" panose="020E0502030303020204" pitchFamily="34" charset="0"/>
                 <a:cs typeface="Arial" charset="0"/>
               </a:rPr>
-              <a:t>Ctrl + Shift + P – Open Command Palette </a:t>
+              <a:t>Ctrl – Jump b/w words</a:t>
             </a:r>
           </a:p>
           <a:p>
@@ -8686,11 +9170,11 @@
                 <a:latin typeface="Candara" panose="020E0502030303020204" pitchFamily="34" charset="0"/>
                 <a:cs typeface="Arial" charset="0"/>
               </a:rPr>
-              <a:t>Ctrl + P –Open File from workspace(?)</a:t>
-            </a:r>
-          </a:p>
-          <a:p>
-            <a:pPr marL="857250" lvl="1" indent="-285750">
+              <a:t>Home/End – Move to beginning and end of the line</a:t>
+            </a:r>
+          </a:p>
+          <a:p>
+            <a:pPr marL="285750" indent="-285750">
               <a:spcBef>
                 <a:spcPct val="0"/>
               </a:spcBef>
@@ -8698,15 +9182,15 @@
               <a:buChar char="•"/>
             </a:pPr>
             <a:r>
-              <a:rPr lang="en-US" sz="1400" kern="1200" dirty="0">
+              <a:rPr lang="en-US" sz="1800" kern="1200" dirty="0">
                 <a:latin typeface="Candara" panose="020E0502030303020204" pitchFamily="34" charset="0"/>
                 <a:cs typeface="Arial" charset="0"/>
               </a:rPr>
-              <a:t>Fuzzy find file name</a:t>
-            </a:r>
-          </a:p>
-          <a:p>
-            <a:pPr marL="857250" lvl="1" indent="-285750">
+              <a:t>Shift – Selection character</a:t>
+            </a:r>
+          </a:p>
+          <a:p>
+            <a:pPr marL="285750" indent="-285750">
               <a:spcBef>
                 <a:spcPct val="0"/>
               </a:spcBef>
@@ -8714,11 +9198,11 @@
               <a:buChar char="•"/>
             </a:pPr>
             <a:r>
-              <a:rPr lang="en-US" sz="1400" kern="1200" dirty="0">
+              <a:rPr lang="en-US" sz="1800" kern="1200" dirty="0">
                 <a:latin typeface="Candara" panose="020E0502030303020204" pitchFamily="34" charset="0"/>
                 <a:cs typeface="Arial" charset="0"/>
               </a:rPr>
-              <a:t>File with line number</a:t>
+              <a:t>Delete/Backspace – deletes the next/previous character</a:t>
             </a:r>
           </a:p>
           <a:p>
@@ -8730,11 +9214,18 @@
               <a:buChar char="•"/>
             </a:pPr>
             <a:r>
+              <a:rPr lang="en-US" sz="1800" kern="1200" dirty="0" err="1">
+                <a:latin typeface="Candara" panose="020E0502030303020204" pitchFamily="34" charset="0"/>
+                <a:cs typeface="Arial" charset="0"/>
+              </a:rPr>
+              <a:t>Ctrl+C</a:t>
+            </a:r>
+            <a:r>
               <a:rPr lang="en-US" sz="1800" kern="1200" dirty="0">
                 <a:latin typeface="Candara" panose="020E0502030303020204" pitchFamily="34" charset="0"/>
                 <a:cs typeface="Arial" charset="0"/>
               </a:rPr>
-              <a:t>Ctrl + Tab – List/switch b/w open files</a:t>
+              <a:t> – Copy selected text</a:t>
             </a:r>
           </a:p>
           <a:p>
@@ -8746,15 +9237,22 @@
               <a:buChar char="•"/>
             </a:pPr>
             <a:r>
+              <a:rPr lang="en-US" sz="1800" kern="1200" dirty="0" err="1">
+                <a:latin typeface="Candara" panose="020E0502030303020204" pitchFamily="34" charset="0"/>
+                <a:cs typeface="Arial" charset="0"/>
+              </a:rPr>
+              <a:t>Ctrl+V</a:t>
+            </a:r>
+            <a:r>
               <a:rPr lang="en-US" sz="1800" kern="1200" dirty="0">
                 <a:latin typeface="Candara" panose="020E0502030303020204" pitchFamily="34" charset="0"/>
                 <a:cs typeface="Arial" charset="0"/>
               </a:rPr>
-              <a:t>Explorer</a:t>
-            </a:r>
-          </a:p>
-          <a:p>
-            <a:pPr marL="857250" lvl="1" indent="-285750">
+              <a:t> – Paste copied text</a:t>
+            </a:r>
+          </a:p>
+          <a:p>
+            <a:pPr marL="285750" indent="-285750">
               <a:spcBef>
                 <a:spcPct val="0"/>
               </a:spcBef>
@@ -8762,31 +9260,257 @@
               <a:buChar char="•"/>
             </a:pPr>
             <a:r>
-              <a:rPr lang="en-US" sz="1400" kern="1200" dirty="0">
+              <a:rPr lang="en-US" sz="1800" kern="1200" dirty="0" err="1">
                 <a:latin typeface="Candara" panose="020E0502030303020204" pitchFamily="34" charset="0"/>
                 <a:cs typeface="Arial" charset="0"/>
               </a:rPr>
-              <a:t>Create files with multiple sub directories deep</a:t>
-            </a:r>
-          </a:p>
-          <a:p>
-            <a:pPr marL="857250" lvl="1" indent="-285750">
+              <a:t>Ctrl+X</a:t>
+            </a:r>
+            <a:r>
+              <a:rPr lang="en-US" sz="1800" kern="1200" dirty="0">
+                <a:latin typeface="Candara" panose="020E0502030303020204" pitchFamily="34" charset="0"/>
+                <a:cs typeface="Arial" charset="0"/>
+              </a:rPr>
+              <a:t> – Cut selected text</a:t>
+            </a:r>
+          </a:p>
+          <a:p>
+            <a:pPr marL="285750" indent="-285750">
               <a:spcBef>
                 <a:spcPct val="0"/>
               </a:spcBef>
               <a:buFont typeface="Arial" panose="020B0604020202020204" pitchFamily="34" charset="0"/>
               <a:buChar char="•"/>
             </a:pPr>
-            <a:r>
-              <a:rPr lang="en-US" sz="1400" kern="1200" dirty="0">
-                <a:latin typeface="Candara" panose="020E0502030303020204" pitchFamily="34" charset="0"/>
-                <a:cs typeface="Arial" charset="0"/>
-              </a:rPr>
-              <a:t>Reveal in File Explorer</a:t>
-            </a:r>
-          </a:p>
-          <a:p>
-            <a:pPr marL="857250" lvl="1" indent="-285750">
+            <a:endParaRPr lang="en-US" sz="1800" kern="1200" dirty="0">
+              <a:latin typeface="Candara" panose="020E0502030303020204" pitchFamily="34" charset="0"/>
+              <a:cs typeface="Arial" charset="0"/>
+            </a:endParaRPr>
+          </a:p>
+        </p:txBody>
+      </p:sp>
+      <p:sp>
+        <p:nvSpPr>
+          <p:cNvPr id="7" name="Title 2">
+            <a:extLst>
+              <a:ext uri="{FF2B5EF4-FFF2-40B4-BE49-F238E27FC236}">
+                <a16:creationId xmlns:a16="http://schemas.microsoft.com/office/drawing/2014/main" id="{F82E5C19-22B3-B35F-251E-021E6BD28005}"/>
+              </a:ext>
+            </a:extLst>
+          </p:cNvPr>
+          <p:cNvSpPr txBox="1">
+            <a:spLocks/>
+          </p:cNvSpPr>
+          <p:nvPr/>
+        </p:nvSpPr>
+        <p:spPr bwMode="auto">
+          <a:xfrm>
+            <a:off x="537696" y="3695700"/>
+            <a:ext cx="9204325" cy="584775"/>
+          </a:xfrm>
+          <a:prstGeom prst="rect">
+            <a:avLst/>
+          </a:prstGeom>
+          <a:noFill/>
+          <a:ln>
+            <a:noFill/>
+          </a:ln>
+          <a:extLst>
+            <a:ext uri="{909E8E84-426E-40DD-AFC4-6F175D3DCCD1}">
+              <a14:hiddenFill xmlns:a14="http://schemas.microsoft.com/office/drawing/2010/main">
+                <a:solidFill>
+                  <a:srgbClr val="FFFFFF"/>
+                </a:solidFill>
+              </a14:hiddenFill>
+            </a:ext>
+            <a:ext uri="{91240B29-F687-4F45-9708-019B960494DF}">
+              <a14:hiddenLine xmlns:a14="http://schemas.microsoft.com/office/drawing/2010/main" w="9525">
+                <a:solidFill>
+                  <a:srgbClr val="000000"/>
+                </a:solidFill>
+                <a:miter lim="800000"/>
+                <a:headEnd/>
+                <a:tailEnd/>
+              </a14:hiddenLine>
+            </a:ext>
+          </a:extLst>
+        </p:spPr>
+        <p:txBody>
+          <a:bodyPr vert="horz" wrap="square" lIns="91440" tIns="45720" rIns="91440" bIns="45720" numCol="1" anchor="b" anchorCtr="0" compatLnSpc="1">
+            <a:prstTxWarp prst="textNoShape">
+              <a:avLst/>
+            </a:prstTxWarp>
+            <a:spAutoFit/>
+          </a:bodyPr>
+          <a:lstStyle>
+            <a:lvl1pPr algn="l" rtl="0" eaLnBrk="1" fontAlgn="base" hangingPunct="1">
+              <a:spcBef>
+                <a:spcPct val="0"/>
+              </a:spcBef>
+              <a:spcAft>
+                <a:spcPct val="0"/>
+              </a:spcAft>
+              <a:defRPr sz="3200" b="1">
+                <a:solidFill>
+                  <a:srgbClr val="73B900"/>
+                </a:solidFill>
+                <a:latin typeface="Calibri" panose="020F0502020204030204" pitchFamily="34" charset="0"/>
+                <a:ea typeface="+mj-ea"/>
+                <a:cs typeface="Calibri" panose="020F0502020204030204" pitchFamily="34" charset="0"/>
+              </a:defRPr>
+            </a:lvl1pPr>
+            <a:lvl2pPr algn="l" rtl="0" eaLnBrk="1" fontAlgn="base" hangingPunct="1">
+              <a:spcBef>
+                <a:spcPct val="0"/>
+              </a:spcBef>
+              <a:spcAft>
+                <a:spcPct val="0"/>
+              </a:spcAft>
+              <a:defRPr sz="3200" b="1">
+                <a:solidFill>
+                  <a:srgbClr val="73B900"/>
+                </a:solidFill>
+                <a:latin typeface="Arial" charset="0"/>
+              </a:defRPr>
+            </a:lvl2pPr>
+            <a:lvl3pPr algn="l" rtl="0" eaLnBrk="1" fontAlgn="base" hangingPunct="1">
+              <a:spcBef>
+                <a:spcPct val="0"/>
+              </a:spcBef>
+              <a:spcAft>
+                <a:spcPct val="0"/>
+              </a:spcAft>
+              <a:defRPr sz="3200" b="1">
+                <a:solidFill>
+                  <a:srgbClr val="73B900"/>
+                </a:solidFill>
+                <a:latin typeface="Arial" charset="0"/>
+              </a:defRPr>
+            </a:lvl3pPr>
+            <a:lvl4pPr algn="l" rtl="0" eaLnBrk="1" fontAlgn="base" hangingPunct="1">
+              <a:spcBef>
+                <a:spcPct val="0"/>
+              </a:spcBef>
+              <a:spcAft>
+                <a:spcPct val="0"/>
+              </a:spcAft>
+              <a:defRPr sz="3200" b="1">
+                <a:solidFill>
+                  <a:srgbClr val="73B900"/>
+                </a:solidFill>
+                <a:latin typeface="Arial" charset="0"/>
+              </a:defRPr>
+            </a:lvl4pPr>
+            <a:lvl5pPr algn="l" rtl="0" eaLnBrk="1" fontAlgn="base" hangingPunct="1">
+              <a:spcBef>
+                <a:spcPct val="0"/>
+              </a:spcBef>
+              <a:spcAft>
+                <a:spcPct val="0"/>
+              </a:spcAft>
+              <a:defRPr sz="3200" b="1">
+                <a:solidFill>
+                  <a:srgbClr val="73B900"/>
+                </a:solidFill>
+                <a:latin typeface="Arial" charset="0"/>
+              </a:defRPr>
+            </a:lvl5pPr>
+            <a:lvl6pPr marL="457200" algn="l" rtl="0" eaLnBrk="1" fontAlgn="base" hangingPunct="1">
+              <a:spcBef>
+                <a:spcPct val="0"/>
+              </a:spcBef>
+              <a:spcAft>
+                <a:spcPct val="0"/>
+              </a:spcAft>
+              <a:defRPr sz="3200" b="1">
+                <a:solidFill>
+                  <a:srgbClr val="73B900"/>
+                </a:solidFill>
+                <a:latin typeface="Arial" charset="0"/>
+              </a:defRPr>
+            </a:lvl6pPr>
+            <a:lvl7pPr marL="914400" algn="l" rtl="0" eaLnBrk="1" fontAlgn="base" hangingPunct="1">
+              <a:spcBef>
+                <a:spcPct val="0"/>
+              </a:spcBef>
+              <a:spcAft>
+                <a:spcPct val="0"/>
+              </a:spcAft>
+              <a:defRPr sz="3200" b="1">
+                <a:solidFill>
+                  <a:srgbClr val="73B900"/>
+                </a:solidFill>
+                <a:latin typeface="Arial" charset="0"/>
+              </a:defRPr>
+            </a:lvl7pPr>
+            <a:lvl8pPr marL="1371600" algn="l" rtl="0" eaLnBrk="1" fontAlgn="base" hangingPunct="1">
+              <a:spcBef>
+                <a:spcPct val="0"/>
+              </a:spcBef>
+              <a:spcAft>
+                <a:spcPct val="0"/>
+              </a:spcAft>
+              <a:defRPr sz="3200" b="1">
+                <a:solidFill>
+                  <a:srgbClr val="73B900"/>
+                </a:solidFill>
+                <a:latin typeface="Arial" charset="0"/>
+              </a:defRPr>
+            </a:lvl8pPr>
+            <a:lvl9pPr marL="1828800" algn="l" rtl="0" eaLnBrk="1" fontAlgn="base" hangingPunct="1">
+              <a:spcBef>
+                <a:spcPct val="0"/>
+              </a:spcBef>
+              <a:spcAft>
+                <a:spcPct val="0"/>
+              </a:spcAft>
+              <a:defRPr sz="3200" b="1">
+                <a:solidFill>
+                  <a:srgbClr val="73B900"/>
+                </a:solidFill>
+                <a:latin typeface="Arial" charset="0"/>
+              </a:defRPr>
+            </a:lvl9pPr>
+          </a:lstStyle>
+          <a:p>
+            <a:r>
+              <a:rPr lang="en-US" kern="1200" dirty="0">
+                <a:latin typeface="Candara" panose="020E0502030303020204" pitchFamily="34" charset="0"/>
+              </a:rPr>
+              <a:t>VS Code Specific</a:t>
+            </a:r>
+          </a:p>
+        </p:txBody>
+      </p:sp>
+      <p:sp>
+        <p:nvSpPr>
+          <p:cNvPr id="9" name="TextBox 8">
+            <a:extLst>
+              <a:ext uri="{FF2B5EF4-FFF2-40B4-BE49-F238E27FC236}">
+                <a16:creationId xmlns:a16="http://schemas.microsoft.com/office/drawing/2014/main" id="{21109B2E-C00C-2D92-D400-B51A08642E2F}"/>
+              </a:ext>
+            </a:extLst>
+          </p:cNvPr>
+          <p:cNvSpPr txBox="1"/>
+          <p:nvPr/>
+        </p:nvSpPr>
+        <p:spPr>
+          <a:xfrm>
+            <a:off x="304800" y="4381500"/>
+            <a:ext cx="5486400" cy="1077218"/>
+          </a:xfrm>
+          <a:prstGeom prst="rect">
+            <a:avLst/>
+          </a:prstGeom>
+          <a:noFill/>
+        </p:spPr>
+        <p:txBody>
+          <a:bodyPr wrap="square">
+            <a:spAutoFit/>
+          </a:bodyPr>
+          <a:lstStyle/>
+          <a:p>
+            <a:pPr marL="285750" indent="-285750">
               <a:spcBef>
                 <a:spcPct val="0"/>
               </a:spcBef>
@@ -8794,11 +9518,11 @@
               <a:buChar char="•"/>
             </a:pPr>
             <a:r>
-              <a:rPr lang="en-US" sz="1400" kern="1200" dirty="0">
+              <a:rPr lang="en-US" sz="1800" kern="1200" dirty="0">
                 <a:latin typeface="Candara" panose="020E0502030303020204" pitchFamily="34" charset="0"/>
                 <a:cs typeface="Arial" charset="0"/>
               </a:rPr>
-              <a:t>Search inside explorer</a:t>
+              <a:t>Line Operations(no selection)</a:t>
             </a:r>
           </a:p>
           <a:p>
@@ -8814,11 +9538,11 @@
                 <a:latin typeface="Candara" panose="020E0502030303020204" pitchFamily="34" charset="0"/>
                 <a:cs typeface="Arial" charset="0"/>
               </a:rPr>
-              <a:t>Compare Files</a:t>
-            </a:r>
-          </a:p>
-          <a:p>
-            <a:pPr marL="285750" indent="-285750">
+              <a:t>Ctrl + C – Copy entire line</a:t>
+            </a:r>
+          </a:p>
+          <a:p>
+            <a:pPr marL="857250" lvl="1" indent="-285750">
               <a:spcBef>
                 <a:spcPct val="0"/>
               </a:spcBef>
@@ -8826,11 +9550,11 @@
               <a:buChar char="•"/>
             </a:pPr>
             <a:r>
-              <a:rPr lang="en-US" sz="1800" kern="1200" dirty="0">
+              <a:rPr lang="en-US" sz="1400" kern="1200" dirty="0">
                 <a:latin typeface="Candara" panose="020E0502030303020204" pitchFamily="34" charset="0"/>
                 <a:cs typeface="Arial" charset="0"/>
               </a:rPr>
-              <a:t>Ctrl + ` - Open built in Terminal</a:t>
+              <a:t>Ctrl + X – Cut Line</a:t>
             </a:r>
           </a:p>
           <a:p>
@@ -8846,30 +9570,7 @@
                 <a:latin typeface="Candara" panose="020E0502030303020204" pitchFamily="34" charset="0"/>
                 <a:cs typeface="Arial" charset="0"/>
               </a:rPr>
-              <a:t>Status Bar</a:t>
-            </a:r>
-          </a:p>
-          <a:p>
-            <a:pPr marL="285750" indent="-285750">
-              <a:spcBef>
-                <a:spcPct val="0"/>
-              </a:spcBef>
-              <a:buFont typeface="Arial" panose="020B0604020202020204" pitchFamily="34" charset="0"/>
-              <a:buChar char="•"/>
-            </a:pPr>
-            <a:r>
-              <a:rPr lang="en-US" sz="1800" kern="1200" dirty="0" err="1">
-                <a:latin typeface="Candara" panose="020E0502030303020204" pitchFamily="34" charset="0"/>
-                <a:cs typeface="Arial" charset="0"/>
-              </a:rPr>
-              <a:t>Ctrl+B</a:t>
-            </a:r>
-            <a:r>
-              <a:rPr lang="en-US" sz="1800" kern="1200" dirty="0">
-                <a:latin typeface="Candara" panose="020E0502030303020204" pitchFamily="34" charset="0"/>
-                <a:cs typeface="Arial" charset="0"/>
-              </a:rPr>
-              <a:t> – To minimize the side bar</a:t>
+              <a:t>Alt + Down/Up – Move lines</a:t>
             </a:r>
           </a:p>
         </p:txBody>
@@ -8877,7 +9578,7 @@
     </p:spTree>
     <p:extLst>
       <p:ext uri="{BB962C8B-B14F-4D97-AF65-F5344CB8AC3E}">
-        <p14:creationId xmlns:p14="http://schemas.microsoft.com/office/powerpoint/2010/main" val="1126691328"/>
+        <p14:creationId xmlns:p14="http://schemas.microsoft.com/office/powerpoint/2010/main" val="3544741326"/>
       </p:ext>
     </p:extLst>
   </p:cSld>
@@ -8907,15 +9608,20 @@
       </p:grpSpPr>
       <p:sp>
         <p:nvSpPr>
-          <p:cNvPr id="3" name="Title 2"/>
-          <p:cNvSpPr>
-            <a:spLocks noGrp="1"/>
+          <p:cNvPr id="11" name="Title 1"/>
+          <p:cNvSpPr txBox="1">
+            <a:spLocks/>
           </p:cNvSpPr>
-          <p:nvPr>
-            <p:ph type="title"/>
-          </p:nvPr>
+          <p:nvPr/>
         </p:nvSpPr>
-        <p:spPr>
+        <p:spPr bwMode="auto">
+          <a:xfrm>
+            <a:off x="2609850" y="2793713"/>
+            <a:ext cx="5753100" cy="584775"/>
+          </a:xfrm>
+          <a:prstGeom prst="rect">
+            <a:avLst/>
+          </a:prstGeom>
           <a:noFill/>
           <a:ln>
             <a:noFill/>
@@ -8947,491 +9653,169 @@
             </a:prstTxWarp>
             <a:spAutoFit/>
           </a:bodyPr>
-          <a:lstStyle/>
-          <a:p>
-            <a:r>
-              <a:rPr lang="en-US" kern="1200" dirty="0">
-                <a:latin typeface="Candara" panose="020E0502030303020204" pitchFamily="34" charset="0"/>
-              </a:rPr>
-              <a:t>The Editor</a:t>
-            </a:r>
-          </a:p>
-        </p:txBody>
-      </p:sp>
-      <p:sp>
-        <p:nvSpPr>
-          <p:cNvPr id="4" name="Slide Number Placeholder 3"/>
-          <p:cNvSpPr>
-            <a:spLocks noGrp="1"/>
-          </p:cNvSpPr>
-          <p:nvPr>
-            <p:ph type="sldNum" sz="quarter" idx="10"/>
-          </p:nvPr>
-        </p:nvSpPr>
-        <p:spPr/>
-        <p:txBody>
-          <a:bodyPr/>
-          <a:lstStyle/>
-          <a:p>
-            <a:fld id="{A1BED318-8369-4B57-A789-6DE14716B575}" type="slidenum">
-              <a:rPr lang="en-US" smtClean="0">
-                <a:solidFill>
-                  <a:schemeClr val="bg2">
-                    <a:lumMod val="50000"/>
-                  </a:schemeClr>
-                </a:solidFill>
-                <a:latin typeface="Consolas" panose="020B0609020204030204" pitchFamily="49" charset="0"/>
-                <a:cs typeface="Consolas" panose="020B0609020204030204" pitchFamily="49" charset="0"/>
-              </a:rPr>
-              <a:pPr/>
-              <a:t>7</a:t>
-            </a:fld>
-            <a:endParaRPr lang="en-US" dirty="0">
-              <a:solidFill>
-                <a:schemeClr val="bg2">
-                  <a:lumMod val="50000"/>
-                </a:schemeClr>
-              </a:solidFill>
-              <a:latin typeface="Consolas" panose="020B0609020204030204" pitchFamily="49" charset="0"/>
-              <a:cs typeface="Consolas" panose="020B0609020204030204" pitchFamily="49" charset="0"/>
-            </a:endParaRPr>
-          </a:p>
-        </p:txBody>
-      </p:sp>
-      <p:sp>
-        <p:nvSpPr>
-          <p:cNvPr id="2" name="Content Placeholder 2">
-            <a:extLst>
-              <a:ext uri="{FF2B5EF4-FFF2-40B4-BE49-F238E27FC236}">
-                <a16:creationId xmlns:a16="http://schemas.microsoft.com/office/drawing/2014/main" id="{AFD3BE29-AA42-33CC-FA24-6F4AD22B3C20}"/>
-              </a:ext>
-            </a:extLst>
-          </p:cNvPr>
-          <p:cNvSpPr>
-            <a:spLocks noGrp="1"/>
-          </p:cNvSpPr>
-          <p:nvPr>
-            <p:ph idx="1"/>
-          </p:nvPr>
-        </p:nvSpPr>
-        <p:spPr>
-          <a:xfrm>
-            <a:off x="304800" y="952500"/>
-            <a:ext cx="10287003" cy="4619854"/>
-          </a:xfrm>
-          <a:noFill/>
-        </p:spPr>
-        <p:txBody>
-          <a:bodyPr wrap="square" numCol="2" rtlCol="0">
-            <a:spAutoFit/>
-          </a:bodyPr>
-          <a:lstStyle/>
-          <a:p>
-            <a:pPr marL="285750" indent="-285750">
-              <a:lnSpc>
-                <a:spcPct val="150000"/>
-              </a:lnSpc>
-              <a:spcBef>
-                <a:spcPct val="0"/>
-              </a:spcBef>
-              <a:buFont typeface="Arial" panose="020B0604020202020204" pitchFamily="34" charset="0"/>
-              <a:buChar char="•"/>
-            </a:pPr>
-            <a:r>
-              <a:rPr lang="en-US" sz="1800" dirty="0">
-                <a:effectLst/>
+          <a:lstStyle>
+            <a:lvl1pPr algn="l" rtl="0" eaLnBrk="1" fontAlgn="base" hangingPunct="1">
+              <a:spcBef>
+                <a:spcPct val="0"/>
+              </a:spcBef>
+              <a:spcAft>
+                <a:spcPct val="0"/>
+              </a:spcAft>
+              <a:defRPr sz="3200" b="1">
+                <a:solidFill>
+                  <a:srgbClr val="73B900"/>
+                </a:solidFill>
                 <a:latin typeface="Calibri" panose="020F0502020204030204" pitchFamily="34" charset="0"/>
-              </a:rPr>
-              <a:t>Editor tabs</a:t>
-            </a:r>
-          </a:p>
-          <a:p>
-            <a:pPr marL="285750" indent="-285750">
-              <a:lnSpc>
-                <a:spcPct val="150000"/>
-              </a:lnSpc>
-              <a:spcBef>
-                <a:spcPct val="0"/>
-              </a:spcBef>
-              <a:buFont typeface="Arial" panose="020B0604020202020204" pitchFamily="34" charset="0"/>
-              <a:buChar char="•"/>
-            </a:pPr>
-            <a:r>
-              <a:rPr lang="en-US" sz="1800" kern="1200" dirty="0" err="1">
-                <a:latin typeface="Candara" panose="020E0502030303020204" pitchFamily="34" charset="0"/>
-                <a:cs typeface="Arial" charset="0"/>
-              </a:rPr>
-              <a:t>BreadCrumbs</a:t>
-            </a:r>
-            <a:endParaRPr lang="en-US" sz="1800" kern="1200" dirty="0">
-              <a:latin typeface="Candara" panose="020E0502030303020204" pitchFamily="34" charset="0"/>
-              <a:cs typeface="Arial" charset="0"/>
-            </a:endParaRPr>
-          </a:p>
-          <a:p>
-            <a:pPr marL="285750" indent="-285750">
-              <a:lnSpc>
-                <a:spcPct val="150000"/>
-              </a:lnSpc>
-              <a:spcBef>
-                <a:spcPct val="0"/>
-              </a:spcBef>
-              <a:buFont typeface="Arial" panose="020B0604020202020204" pitchFamily="34" charset="0"/>
-              <a:buChar char="•"/>
-            </a:pPr>
-            <a:r>
-              <a:rPr lang="en-US" sz="1800" kern="1200" dirty="0">
-                <a:latin typeface="Candara" panose="020E0502030303020204" pitchFamily="34" charset="0"/>
-                <a:cs typeface="Arial" charset="0"/>
-              </a:rPr>
-              <a:t>80/100 Column Guides</a:t>
-            </a:r>
-          </a:p>
-          <a:p>
-            <a:pPr marL="285750" indent="-285750">
-              <a:lnSpc>
-                <a:spcPct val="150000"/>
-              </a:lnSpc>
-              <a:spcBef>
-                <a:spcPct val="0"/>
-              </a:spcBef>
-              <a:buFont typeface="Arial" panose="020B0604020202020204" pitchFamily="34" charset="0"/>
-              <a:buChar char="•"/>
-            </a:pPr>
-            <a:r>
-              <a:rPr lang="en-US" sz="1800" kern="1200" dirty="0">
-                <a:latin typeface="Candara" panose="020E0502030303020204" pitchFamily="34" charset="0"/>
-                <a:cs typeface="Arial" charset="0"/>
-              </a:rPr>
-              <a:t>Indent Guides</a:t>
-            </a:r>
-          </a:p>
-          <a:p>
-            <a:pPr marL="285750" indent="-285750">
-              <a:lnSpc>
-                <a:spcPct val="150000"/>
-              </a:lnSpc>
-              <a:spcBef>
-                <a:spcPct val="0"/>
-              </a:spcBef>
-              <a:buFont typeface="Arial" panose="020B0604020202020204" pitchFamily="34" charset="0"/>
-              <a:buChar char="•"/>
-            </a:pPr>
-            <a:r>
-              <a:rPr lang="en-US" sz="1800" kern="1200" dirty="0">
-                <a:latin typeface="Candara" panose="020E0502030303020204" pitchFamily="34" charset="0"/>
-                <a:cs typeface="Arial" charset="0"/>
-              </a:rPr>
-              <a:t>Ctrl + F/H – Find/Replace in current file</a:t>
-            </a:r>
-          </a:p>
-          <a:p>
-            <a:pPr marL="285750" indent="-285750">
-              <a:lnSpc>
-                <a:spcPct val="150000"/>
-              </a:lnSpc>
-              <a:spcBef>
-                <a:spcPct val="0"/>
-              </a:spcBef>
-              <a:buFont typeface="Arial" panose="020B0604020202020204" pitchFamily="34" charset="0"/>
-              <a:buChar char="•"/>
-            </a:pPr>
-            <a:r>
-              <a:rPr lang="en-US" sz="1800" kern="1200" dirty="0">
-                <a:latin typeface="Candara" panose="020E0502030303020204" pitchFamily="34" charset="0"/>
-                <a:cs typeface="Arial" charset="0"/>
-              </a:rPr>
-              <a:t>Scroll bar search highlights</a:t>
-            </a:r>
-          </a:p>
-          <a:p>
-            <a:pPr marL="285750" indent="-285750">
-              <a:lnSpc>
-                <a:spcPct val="150000"/>
-              </a:lnSpc>
-              <a:spcBef>
-                <a:spcPct val="0"/>
-              </a:spcBef>
-              <a:buFont typeface="Arial" panose="020B0604020202020204" pitchFamily="34" charset="0"/>
-              <a:buChar char="•"/>
-            </a:pPr>
-            <a:r>
-              <a:rPr lang="en-US" sz="1800" kern="1200" dirty="0">
-                <a:latin typeface="Candara" panose="020E0502030303020204" pitchFamily="34" charset="0"/>
-                <a:cs typeface="Arial" charset="0"/>
-              </a:rPr>
-              <a:t>Ctrl + Shift + F/H – Find/Replace in workspace</a:t>
-            </a:r>
-          </a:p>
-          <a:p>
-            <a:pPr marL="285750" indent="-285750">
-              <a:lnSpc>
-                <a:spcPct val="150000"/>
-              </a:lnSpc>
-              <a:spcBef>
-                <a:spcPct val="0"/>
-              </a:spcBef>
-              <a:buFont typeface="Arial" panose="020B0604020202020204" pitchFamily="34" charset="0"/>
-              <a:buChar char="•"/>
-            </a:pPr>
-            <a:r>
-              <a:rPr lang="en-US" sz="1800" kern="1200" dirty="0">
-                <a:latin typeface="Candara" panose="020E0502030303020204" pitchFamily="34" charset="0"/>
-                <a:cs typeface="Arial" charset="0"/>
-              </a:rPr>
-              <a:t>Ctrl + Shift + O – Switch b/w functions</a:t>
-            </a:r>
-          </a:p>
-          <a:p>
-            <a:pPr marL="285750" indent="-285750">
-              <a:lnSpc>
-                <a:spcPct val="150000"/>
-              </a:lnSpc>
-              <a:spcBef>
-                <a:spcPct val="0"/>
-              </a:spcBef>
-              <a:buFont typeface="Arial" panose="020B0604020202020204" pitchFamily="34" charset="0"/>
-              <a:buChar char="•"/>
-            </a:pPr>
-            <a:r>
-              <a:rPr lang="en-US" sz="1800" kern="1200" dirty="0">
-                <a:latin typeface="Candara" panose="020E0502030303020204" pitchFamily="34" charset="0"/>
-                <a:cs typeface="Arial" charset="0"/>
-              </a:rPr>
-              <a:t>Ctrl + \ - Splits</a:t>
-            </a:r>
-          </a:p>
-          <a:p>
-            <a:pPr marL="285750" indent="-285750">
-              <a:lnSpc>
-                <a:spcPct val="150000"/>
-              </a:lnSpc>
-              <a:spcBef>
-                <a:spcPct val="0"/>
-              </a:spcBef>
-              <a:buFont typeface="Arial" panose="020B0604020202020204" pitchFamily="34" charset="0"/>
-              <a:buChar char="•"/>
-            </a:pPr>
-            <a:r>
-              <a:rPr lang="en-US" sz="1800" kern="1200" dirty="0">
-                <a:cs typeface="Arial" charset="0"/>
-              </a:rPr>
-              <a:t>Sticky Scroll</a:t>
-            </a:r>
-          </a:p>
-          <a:p>
-            <a:pPr marL="285750" indent="-285750">
-              <a:lnSpc>
-                <a:spcPct val="150000"/>
-              </a:lnSpc>
-              <a:spcBef>
-                <a:spcPct val="0"/>
-              </a:spcBef>
-              <a:buFont typeface="Arial" panose="020B0604020202020204" pitchFamily="34" charset="0"/>
-              <a:buChar char="•"/>
-            </a:pPr>
-            <a:r>
-              <a:rPr lang="en-US" sz="1800" kern="1200" dirty="0">
-                <a:latin typeface="Candara" panose="020E0502030303020204" pitchFamily="34" charset="0"/>
-                <a:cs typeface="Arial" charset="0"/>
-              </a:rPr>
-              <a:t>Ctrl + Shift + \ - Find the matching brace</a:t>
-            </a:r>
-          </a:p>
-          <a:p>
-            <a:pPr marL="285750" indent="-285750">
-              <a:lnSpc>
-                <a:spcPct val="150000"/>
-              </a:lnSpc>
-              <a:spcBef>
-                <a:spcPct val="0"/>
-              </a:spcBef>
-              <a:buFont typeface="Arial" panose="020B0604020202020204" pitchFamily="34" charset="0"/>
-              <a:buChar char="•"/>
-            </a:pPr>
-            <a:r>
-              <a:rPr lang="en-US" sz="1800" kern="1200" dirty="0">
-                <a:latin typeface="Candara" panose="020E0502030303020204" pitchFamily="34" charset="0"/>
-                <a:cs typeface="Arial" charset="0"/>
-              </a:rPr>
-              <a:t>Alt + Left/Right – Navigation history</a:t>
-            </a:r>
-          </a:p>
-          <a:p>
-            <a:pPr marL="285750" indent="-285750">
-              <a:lnSpc>
-                <a:spcPct val="150000"/>
-              </a:lnSpc>
-              <a:spcBef>
-                <a:spcPct val="0"/>
-              </a:spcBef>
-              <a:buFont typeface="Arial" panose="020B0604020202020204" pitchFamily="34" charset="0"/>
-              <a:buChar char="•"/>
-            </a:pPr>
-            <a:r>
-              <a:rPr lang="en-US" sz="1800" kern="1200" dirty="0">
-                <a:latin typeface="Candara" panose="020E0502030303020204" pitchFamily="34" charset="0"/>
-                <a:cs typeface="Arial" charset="0"/>
-              </a:rPr>
-              <a:t>Remove blank lines</a:t>
-            </a:r>
-          </a:p>
-          <a:p>
-            <a:pPr marL="285750" indent="-285750">
-              <a:lnSpc>
-                <a:spcPct val="150000"/>
-              </a:lnSpc>
-              <a:spcBef>
-                <a:spcPct val="0"/>
-              </a:spcBef>
-              <a:buFont typeface="Arial" panose="020B0604020202020204" pitchFamily="34" charset="0"/>
-              <a:buChar char="•"/>
-            </a:pPr>
-            <a:r>
-              <a:rPr lang="en-US" sz="1800" kern="1200" dirty="0">
-                <a:latin typeface="Candara" panose="020E0502030303020204" pitchFamily="34" charset="0"/>
-                <a:cs typeface="Arial" charset="0"/>
-              </a:rPr>
-              <a:t>Line Operations(no selection)</a:t>
-            </a:r>
-          </a:p>
-          <a:p>
-            <a:pPr marL="857250" lvl="1" indent="-285750">
-              <a:lnSpc>
-                <a:spcPct val="150000"/>
-              </a:lnSpc>
-              <a:spcBef>
-                <a:spcPct val="0"/>
-              </a:spcBef>
-              <a:buFont typeface="Arial" panose="020B0604020202020204" pitchFamily="34" charset="0"/>
-              <a:buChar char="•"/>
-            </a:pPr>
-            <a:r>
-              <a:rPr lang="en-US" sz="1400" kern="1200" dirty="0">
-                <a:latin typeface="Candara" panose="020E0502030303020204" pitchFamily="34" charset="0"/>
-                <a:cs typeface="Arial" charset="0"/>
-              </a:rPr>
-              <a:t>Ctrl + C – Copy entire line</a:t>
-            </a:r>
-          </a:p>
-          <a:p>
-            <a:pPr marL="857250" lvl="1" indent="-285750">
-              <a:lnSpc>
-                <a:spcPct val="150000"/>
-              </a:lnSpc>
-              <a:spcBef>
-                <a:spcPct val="0"/>
-              </a:spcBef>
-              <a:buFont typeface="Arial" panose="020B0604020202020204" pitchFamily="34" charset="0"/>
-              <a:buChar char="•"/>
-            </a:pPr>
-            <a:r>
-              <a:rPr lang="en-US" sz="1400" kern="1200" dirty="0">
-                <a:latin typeface="Candara" panose="020E0502030303020204" pitchFamily="34" charset="0"/>
-                <a:cs typeface="Arial" charset="0"/>
-              </a:rPr>
-              <a:t>Ctrl + X – Cut Line</a:t>
-            </a:r>
-          </a:p>
-          <a:p>
-            <a:pPr marL="285750" indent="-285750">
-              <a:lnSpc>
-                <a:spcPct val="150000"/>
-              </a:lnSpc>
-              <a:spcBef>
-                <a:spcPct val="0"/>
-              </a:spcBef>
-              <a:buFont typeface="Arial" panose="020B0604020202020204" pitchFamily="34" charset="0"/>
-              <a:buChar char="•"/>
-            </a:pPr>
-            <a:r>
-              <a:rPr lang="en-US" sz="1800" kern="1200" dirty="0">
-                <a:latin typeface="Candara" panose="020E0502030303020204" pitchFamily="34" charset="0"/>
-                <a:cs typeface="Arial" charset="0"/>
-              </a:rPr>
-              <a:t>Shift + Alt + Left/Right – Expand or Shrink Selection </a:t>
-            </a:r>
-          </a:p>
-          <a:p>
-            <a:pPr marL="285750" indent="-285750">
-              <a:lnSpc>
-                <a:spcPct val="150000"/>
-              </a:lnSpc>
-              <a:spcBef>
-                <a:spcPct val="0"/>
-              </a:spcBef>
-              <a:buFont typeface="Arial" panose="020B0604020202020204" pitchFamily="34" charset="0"/>
-              <a:buChar char="•"/>
-            </a:pPr>
-            <a:r>
-              <a:rPr lang="en-US" sz="1800" kern="1200" dirty="0">
-                <a:latin typeface="Candara" panose="020E0502030303020204" pitchFamily="34" charset="0"/>
-                <a:cs typeface="Arial" charset="0"/>
-              </a:rPr>
-              <a:t>Alt + Down/Up – Move lines</a:t>
-            </a:r>
-          </a:p>
-          <a:p>
-            <a:pPr marL="285750" indent="-285750">
-              <a:lnSpc>
-                <a:spcPct val="150000"/>
-              </a:lnSpc>
-              <a:spcBef>
-                <a:spcPct val="0"/>
-              </a:spcBef>
-              <a:buFont typeface="Arial" panose="020B0604020202020204" pitchFamily="34" charset="0"/>
-              <a:buChar char="•"/>
-            </a:pPr>
-            <a:endParaRPr lang="en-US" sz="1800" kern="1200" dirty="0">
-              <a:latin typeface="Candara" panose="020E0502030303020204" pitchFamily="34" charset="0"/>
-              <a:cs typeface="Arial" charset="0"/>
-            </a:endParaRPr>
-          </a:p>
-          <a:p>
-            <a:pPr marL="285750" indent="-285750">
-              <a:lnSpc>
-                <a:spcPct val="150000"/>
-              </a:lnSpc>
-              <a:spcBef>
-                <a:spcPct val="0"/>
-              </a:spcBef>
-              <a:buFont typeface="Arial" panose="020B0604020202020204" pitchFamily="34" charset="0"/>
-              <a:buChar char="•"/>
-            </a:pPr>
-            <a:endParaRPr lang="en-US" sz="1800" kern="1200" dirty="0">
-              <a:latin typeface="Candara" panose="020E0502030303020204" pitchFamily="34" charset="0"/>
-              <a:cs typeface="Arial" charset="0"/>
-            </a:endParaRPr>
-          </a:p>
-          <a:p>
-            <a:pPr marL="285750" indent="-285750">
-              <a:lnSpc>
-                <a:spcPct val="150000"/>
-              </a:lnSpc>
-              <a:spcBef>
-                <a:spcPct val="0"/>
-              </a:spcBef>
-              <a:buFont typeface="Arial" panose="020B0604020202020204" pitchFamily="34" charset="0"/>
-              <a:buChar char="•"/>
-            </a:pPr>
-            <a:endParaRPr lang="en-US" sz="1800" kern="1200" dirty="0">
-              <a:latin typeface="Candara" panose="020E0502030303020204" pitchFamily="34" charset="0"/>
-              <a:cs typeface="Arial" charset="0"/>
-            </a:endParaRPr>
+                <a:ea typeface="+mj-ea"/>
+                <a:cs typeface="Calibri" panose="020F0502020204030204" pitchFamily="34" charset="0"/>
+              </a:defRPr>
+            </a:lvl1pPr>
+            <a:lvl2pPr algn="l" rtl="0" eaLnBrk="1" fontAlgn="base" hangingPunct="1">
+              <a:spcBef>
+                <a:spcPct val="0"/>
+              </a:spcBef>
+              <a:spcAft>
+                <a:spcPct val="0"/>
+              </a:spcAft>
+              <a:defRPr sz="3200" b="1">
+                <a:solidFill>
+                  <a:srgbClr val="73B900"/>
+                </a:solidFill>
+                <a:latin typeface="Arial" charset="0"/>
+              </a:defRPr>
+            </a:lvl2pPr>
+            <a:lvl3pPr algn="l" rtl="0" eaLnBrk="1" fontAlgn="base" hangingPunct="1">
+              <a:spcBef>
+                <a:spcPct val="0"/>
+              </a:spcBef>
+              <a:spcAft>
+                <a:spcPct val="0"/>
+              </a:spcAft>
+              <a:defRPr sz="3200" b="1">
+                <a:solidFill>
+                  <a:srgbClr val="73B900"/>
+                </a:solidFill>
+                <a:latin typeface="Arial" charset="0"/>
+              </a:defRPr>
+            </a:lvl3pPr>
+            <a:lvl4pPr algn="l" rtl="0" eaLnBrk="1" fontAlgn="base" hangingPunct="1">
+              <a:spcBef>
+                <a:spcPct val="0"/>
+              </a:spcBef>
+              <a:spcAft>
+                <a:spcPct val="0"/>
+              </a:spcAft>
+              <a:defRPr sz="3200" b="1">
+                <a:solidFill>
+                  <a:srgbClr val="73B900"/>
+                </a:solidFill>
+                <a:latin typeface="Arial" charset="0"/>
+              </a:defRPr>
+            </a:lvl4pPr>
+            <a:lvl5pPr algn="l" rtl="0" eaLnBrk="1" fontAlgn="base" hangingPunct="1">
+              <a:spcBef>
+                <a:spcPct val="0"/>
+              </a:spcBef>
+              <a:spcAft>
+                <a:spcPct val="0"/>
+              </a:spcAft>
+              <a:defRPr sz="3200" b="1">
+                <a:solidFill>
+                  <a:srgbClr val="73B900"/>
+                </a:solidFill>
+                <a:latin typeface="Arial" charset="0"/>
+              </a:defRPr>
+            </a:lvl5pPr>
+            <a:lvl6pPr marL="457200" algn="l" rtl="0" eaLnBrk="1" fontAlgn="base" hangingPunct="1">
+              <a:spcBef>
+                <a:spcPct val="0"/>
+              </a:spcBef>
+              <a:spcAft>
+                <a:spcPct val="0"/>
+              </a:spcAft>
+              <a:defRPr sz="3200" b="1">
+                <a:solidFill>
+                  <a:srgbClr val="73B900"/>
+                </a:solidFill>
+                <a:latin typeface="Arial" charset="0"/>
+              </a:defRPr>
+            </a:lvl6pPr>
+            <a:lvl7pPr marL="914400" algn="l" rtl="0" eaLnBrk="1" fontAlgn="base" hangingPunct="1">
+              <a:spcBef>
+                <a:spcPct val="0"/>
+              </a:spcBef>
+              <a:spcAft>
+                <a:spcPct val="0"/>
+              </a:spcAft>
+              <a:defRPr sz="3200" b="1">
+                <a:solidFill>
+                  <a:srgbClr val="73B900"/>
+                </a:solidFill>
+                <a:latin typeface="Arial" charset="0"/>
+              </a:defRPr>
+            </a:lvl7pPr>
+            <a:lvl8pPr marL="1371600" algn="l" rtl="0" eaLnBrk="1" fontAlgn="base" hangingPunct="1">
+              <a:spcBef>
+                <a:spcPct val="0"/>
+              </a:spcBef>
+              <a:spcAft>
+                <a:spcPct val="0"/>
+              </a:spcAft>
+              <a:defRPr sz="3200" b="1">
+                <a:solidFill>
+                  <a:srgbClr val="73B900"/>
+                </a:solidFill>
+                <a:latin typeface="Arial" charset="0"/>
+              </a:defRPr>
+            </a:lvl8pPr>
+            <a:lvl9pPr marL="1828800" algn="l" rtl="0" eaLnBrk="1" fontAlgn="base" hangingPunct="1">
+              <a:spcBef>
+                <a:spcPct val="0"/>
+              </a:spcBef>
+              <a:spcAft>
+                <a:spcPct val="0"/>
+              </a:spcAft>
+              <a:defRPr sz="3200" b="1">
+                <a:solidFill>
+                  <a:srgbClr val="73B900"/>
+                </a:solidFill>
+                <a:latin typeface="Arial" charset="0"/>
+              </a:defRPr>
+            </a:lvl9pPr>
+          </a:lstStyle>
+          <a:p>
+            <a:pPr algn="ctr"/>
+            <a:r>
+              <a:rPr lang="en-US" dirty="0">
+                <a:latin typeface="Candara" panose="020E0502030303020204" pitchFamily="34" charset="0"/>
+              </a:rPr>
+              <a:t>Basic editing walkthrough</a:t>
+            </a:r>
           </a:p>
         </p:txBody>
       </p:sp>
     </p:spTree>
     <p:extLst>
       <p:ext uri="{BB962C8B-B14F-4D97-AF65-F5344CB8AC3E}">
-        <p14:creationId xmlns:p14="http://schemas.microsoft.com/office/powerpoint/2010/main" val="946196539"/>
+        <p14:creationId xmlns:p14="http://schemas.microsoft.com/office/powerpoint/2010/main" val="3893333190"/>
       </p:ext>
     </p:extLst>
   </p:cSld>
   <p:clrMapOvr>
     <a:masterClrMapping/>
   </p:clrMapOvr>
-  <p:transition/>
+  <mc:AlternateContent xmlns:mc="http://schemas.openxmlformats.org/markup-compatibility/2006" xmlns:p14="http://schemas.microsoft.com/office/powerpoint/2010/main">
+    <mc:Choice Requires="p14">
+      <p:transition spd="med" p14:dur="700">
+        <p:fade/>
+      </p:transition>
+    </mc:Choice>
+    <mc:Fallback xmlns="">
+      <p:transition spd="med">
+        <p:fade/>
+      </p:transition>
+    </mc:Fallback>
+  </mc:AlternateContent>
 </p:sld>
 </file>
 
@@ -9500,7 +9884,7 @@
               <a:rPr lang="en-US" kern="1200" dirty="0">
                 <a:latin typeface="Candara" panose="020E0502030303020204" pitchFamily="34" charset="0"/>
               </a:rPr>
-              <a:t>Basic Editing/Navigation in editing text</a:t>
+              <a:t>Multiple Cursor</a:t>
             </a:r>
           </a:p>
         </p:txBody>
@@ -9564,7 +9948,7 @@
         <p:spPr>
           <a:xfrm>
             <a:off x="304800" y="952500"/>
-            <a:ext cx="10287003" cy="2585323"/>
+            <a:ext cx="10287003" cy="1477328"/>
           </a:xfrm>
           <a:noFill/>
         </p:spPr>
@@ -9586,7 +9970,7 @@
                 <a:latin typeface="Candara" panose="020E0502030303020204" pitchFamily="34" charset="0"/>
                 <a:cs typeface="Arial" charset="0"/>
               </a:rPr>
-              <a:t>Left/Right – navigate each character left/right</a:t>
+              <a:t>Ctrl + D – Create Multiple cursor at next occurrence </a:t>
             </a:r>
           </a:p>
           <a:p>
@@ -9602,7 +9986,7 @@
                 <a:latin typeface="Candara" panose="020E0502030303020204" pitchFamily="34" charset="0"/>
                 <a:cs typeface="Arial" charset="0"/>
               </a:rPr>
-              <a:t>Ctrl – Jump b/w words</a:t>
+              <a:t>Ctrl + Alt + Down/Up – Create Multiple cursors on each line</a:t>
             </a:r>
           </a:p>
           <a:p>
@@ -9618,7 +10002,7 @@
                 <a:latin typeface="Candara" panose="020E0502030303020204" pitchFamily="34" charset="0"/>
                 <a:cs typeface="Arial" charset="0"/>
               </a:rPr>
-              <a:t>Home/End – Move to beginning and end of the line</a:t>
+              <a:t>Each Cursors copies its own select word</a:t>
             </a:r>
           </a:p>
           <a:p>
@@ -9634,7 +10018,7 @@
                 <a:latin typeface="Candara" panose="020E0502030303020204" pitchFamily="34" charset="0"/>
                 <a:cs typeface="Arial" charset="0"/>
               </a:rPr>
-              <a:t>Shift – Selection character</a:t>
+              <a:t>Ctrl + Shift + I – Multiple Cursors on all selected lines</a:t>
             </a:r>
           </a:p>
           <a:p>
@@ -9646,71 +10030,40 @@
               <a:buChar char="•"/>
             </a:pPr>
             <a:r>
+              <a:rPr lang="en-US" sz="1800" kern="1200" dirty="0" err="1">
+                <a:latin typeface="Candara" panose="020E0502030303020204" pitchFamily="34" charset="0"/>
+                <a:cs typeface="Arial" charset="0"/>
+              </a:rPr>
+              <a:t>Ctrl+F</a:t>
+            </a:r>
+            <a:r>
               <a:rPr lang="en-US" sz="1800" kern="1200" dirty="0">
                 <a:latin typeface="Candara" panose="020E0502030303020204" pitchFamily="34" charset="0"/>
                 <a:cs typeface="Arial" charset="0"/>
               </a:rPr>
-              <a:t>Delete/Backspace – deletes the next/previous character</a:t>
-            </a:r>
-          </a:p>
-          <a:p>
-            <a:pPr marL="285750" indent="-285750">
-              <a:spcBef>
-                <a:spcPct val="0"/>
-              </a:spcBef>
-              <a:buFont typeface="Arial" panose="020B0604020202020204" pitchFamily="34" charset="0"/>
-              <a:buChar char="•"/>
-            </a:pPr>
-            <a:endParaRPr lang="en-US" sz="1800" kern="1200" dirty="0">
-              <a:latin typeface="Candara" panose="020E0502030303020204" pitchFamily="34" charset="0"/>
-              <a:cs typeface="Arial" charset="0"/>
-            </a:endParaRPr>
-          </a:p>
-          <a:p>
-            <a:pPr marL="285750" indent="-285750">
-              <a:spcBef>
-                <a:spcPct val="0"/>
-              </a:spcBef>
-              <a:buFont typeface="Arial" panose="020B0604020202020204" pitchFamily="34" charset="0"/>
-              <a:buChar char="•"/>
-            </a:pPr>
-            <a:endParaRPr lang="en-US" sz="1800" kern="1200" dirty="0">
-              <a:latin typeface="Candara" panose="020E0502030303020204" pitchFamily="34" charset="0"/>
-              <a:cs typeface="Arial" charset="0"/>
-            </a:endParaRPr>
-          </a:p>
-          <a:p>
-            <a:pPr marL="285750" indent="-285750">
-              <a:spcBef>
-                <a:spcPct val="0"/>
-              </a:spcBef>
-              <a:buFont typeface="Arial" panose="020B0604020202020204" pitchFamily="34" charset="0"/>
-              <a:buChar char="•"/>
-            </a:pPr>
-            <a:endParaRPr lang="en-US" sz="1800" kern="1200" dirty="0">
-              <a:latin typeface="Candara" panose="020E0502030303020204" pitchFamily="34" charset="0"/>
-              <a:cs typeface="Arial" charset="0"/>
-            </a:endParaRPr>
-          </a:p>
-          <a:p>
-            <a:pPr marL="285750" indent="-285750">
-              <a:spcBef>
-                <a:spcPct val="0"/>
-              </a:spcBef>
-              <a:buFont typeface="Arial" panose="020B0604020202020204" pitchFamily="34" charset="0"/>
-              <a:buChar char="•"/>
-            </a:pPr>
-            <a:endParaRPr lang="en-US" sz="1800" kern="1200" dirty="0">
-              <a:latin typeface="Candara" panose="020E0502030303020204" pitchFamily="34" charset="0"/>
-              <a:cs typeface="Arial" charset="0"/>
-            </a:endParaRPr>
+              <a:t> &gt; Search &gt; </a:t>
+            </a:r>
+            <a:r>
+              <a:rPr lang="en-US" sz="1800" kern="1200" dirty="0" err="1">
+                <a:latin typeface="Candara" panose="020E0502030303020204" pitchFamily="34" charset="0"/>
+                <a:cs typeface="Arial" charset="0"/>
+              </a:rPr>
+              <a:t>Alt+Enter</a:t>
+            </a:r>
+            <a:r>
+              <a:rPr lang="en-US" sz="1800" kern="1200" dirty="0">
+                <a:latin typeface="Candara" panose="020E0502030303020204" pitchFamily="34" charset="0"/>
+                <a:cs typeface="Arial" charset="0"/>
+              </a:rPr>
+              <a:t> – Create multiple cursor on all occurrences in the current file</a:t>
+            </a:r>
           </a:p>
         </p:txBody>
       </p:sp>
     </p:spTree>
     <p:extLst>
       <p:ext uri="{BB962C8B-B14F-4D97-AF65-F5344CB8AC3E}">
-        <p14:creationId xmlns:p14="http://schemas.microsoft.com/office/powerpoint/2010/main" val="3544741326"/>
+        <p14:creationId xmlns:p14="http://schemas.microsoft.com/office/powerpoint/2010/main" val="2861928724"/>
       </p:ext>
     </p:extLst>
   </p:cSld>
@@ -9916,12 +10269,11 @@
             </a:lvl9pPr>
           </a:lstStyle>
           <a:p>
-            <a:pPr algn="ctr"/>
             <a:r>
               <a:rPr lang="en-US" dirty="0">
                 <a:latin typeface="Candara" panose="020E0502030303020204" pitchFamily="34" charset="0"/>
               </a:rPr>
-              <a:t>Basic editing walkthrough</a:t>
+              <a:t>Multiple Cursors Walkthrough</a:t>
             </a:r>
           </a:p>
         </p:txBody>
@@ -9929,7 +10281,7 @@
     </p:spTree>
     <p:extLst>
       <p:ext uri="{BB962C8B-B14F-4D97-AF65-F5344CB8AC3E}">
-        <p14:creationId xmlns:p14="http://schemas.microsoft.com/office/powerpoint/2010/main" val="3893333190"/>
+        <p14:creationId xmlns:p14="http://schemas.microsoft.com/office/powerpoint/2010/main" val="3359961443"/>
       </p:ext>
     </p:extLst>
   </p:cSld>
@@ -10859,6 +11211,21 @@
 </file>
 
 <file path=customXml/item1.xml><?xml version="1.0" encoding="utf-8"?>
+<?mso-contentType ?>
+<FormTemplates xmlns="http://schemas.microsoft.com/sharepoint/v3/contenttype/forms">
+  <Display>DocumentLibraryForm</Display>
+  <Edit>DocumentLibraryForm</Edit>
+  <New>DocumentLibraryForm</New>
+</FormTemplates>
+</file>
+
+<file path=customXml/item2.xml><?xml version="1.0" encoding="utf-8"?>
+<p:properties xmlns:p="http://schemas.microsoft.com/office/2006/metadata/properties" xmlns:xsi="http://www.w3.org/2001/XMLSchema-instance" xmlns:pc="http://schemas.microsoft.com/office/infopath/2007/PartnerControls">
+  <documentManagement/>
+</p:properties>
+</file>
+
+<file path=customXml/item3.xml><?xml version="1.0" encoding="utf-8"?>
 <ct:contentTypeSchema xmlns:ct="http://schemas.microsoft.com/office/2006/metadata/contentType" xmlns:ma="http://schemas.microsoft.com/office/2006/metadata/properties/metaAttributes" ct:_="" ma:_="" ma:contentTypeName="Document" ma:contentTypeID="0x01010047A1F168AA82BD44AFB7A6B27EE2A5DB" ma:contentTypeVersion="0" ma:contentTypeDescription="Create a new document." ma:contentTypeScope="" ma:versionID="00dcde3064f088d8dbfa9684837bd74d">
   <xsd:schema xmlns:xsd="http://www.w3.org/2001/XMLSchema" xmlns:p="http://schemas.microsoft.com/office/2006/metadata/properties" targetNamespace="http://schemas.microsoft.com/office/2006/metadata/properties" ma:root="true" ma:fieldsID="4aeb20c0e3442673af7ee10786458764">
     <xsd:element name="properties">
@@ -10907,22 +11274,30 @@
 </ct:contentTypeSchema>
 </file>
 
-<file path=customXml/item2.xml><?xml version="1.0" encoding="utf-8"?>
-<p:properties xmlns:p="http://schemas.microsoft.com/office/2006/metadata/properties" xmlns:xsi="http://www.w3.org/2001/XMLSchema-instance" xmlns:pc="http://schemas.microsoft.com/office/infopath/2007/PartnerControls">
-  <documentManagement/>
-</p:properties>
+<file path=customXml/itemProps1.xml><?xml version="1.0" encoding="utf-8"?>
+<ds:datastoreItem xmlns:ds="http://schemas.openxmlformats.org/officeDocument/2006/customXml" ds:itemID="{26F0324F-D1C3-4C15-A601-527A5223BCAC}">
+  <ds:schemaRefs>
+    <ds:schemaRef ds:uri="http://schemas.microsoft.com/sharepoint/v3/contenttype/forms"/>
+  </ds:schemaRefs>
+</ds:datastoreItem>
 </file>
 
-<file path=customXml/item3.xml><?xml version="1.0" encoding="utf-8"?>
-<?mso-contentType ?>
-<FormTemplates xmlns="http://schemas.microsoft.com/sharepoint/v3/contenttype/forms">
-  <Display>DocumentLibraryForm</Display>
-  <Edit>DocumentLibraryForm</Edit>
-  <New>DocumentLibraryForm</New>
-</FormTemplates>
+<file path=customXml/itemProps2.xml><?xml version="1.0" encoding="utf-8"?>
+<ds:datastoreItem xmlns:ds="http://schemas.openxmlformats.org/officeDocument/2006/customXml" ds:itemID="{603AB429-627F-44AD-94B5-DEF574C48DE7}">
+  <ds:schemaRefs>
+    <ds:schemaRef ds:uri="http://schemas.microsoft.com/office/2006/documentManagement/types"/>
+    <ds:schemaRef ds:uri="http://purl.org/dc/terms/"/>
+    <ds:schemaRef ds:uri="http://purl.org/dc/elements/1.1/"/>
+    <ds:schemaRef ds:uri="http://www.w3.org/XML/1998/namespace"/>
+    <ds:schemaRef ds:uri="http://schemas.microsoft.com/office/2006/metadata/properties"/>
+    <ds:schemaRef ds:uri="http://schemas.openxmlformats.org/package/2006/metadata/core-properties"/>
+    <ds:schemaRef ds:uri="http://purl.org/dc/dcmitype/"/>
+    <ds:schemaRef ds:uri="http://schemas.microsoft.com/office/infopath/2007/PartnerControls"/>
+  </ds:schemaRefs>
+</ds:datastoreItem>
 </file>
 
-<file path=customXml/itemProps1.xml><?xml version="1.0" encoding="utf-8"?>
+<file path=customXml/itemProps3.xml><?xml version="1.0" encoding="utf-8"?>
 <ds:datastoreItem xmlns:ds="http://schemas.openxmlformats.org/officeDocument/2006/customXml" ds:itemID="{79231C9E-8E64-4A8B-B2E1-DB9F55EFD8F1}">
   <ds:schemaRefs>
     <ds:schemaRef ds:uri="http://purl.org/dc/elements/1.1/"/>
@@ -10935,27 +11310,4 @@
     <ds:schemaRef ds:uri="http://www.w3.org/2001/XMLSchema"/>
   </ds:schemaRefs>
 </ds:datastoreItem>
-</file>
-
-<file path=customXml/itemProps2.xml><?xml version="1.0" encoding="utf-8"?>
-<ds:datastoreItem xmlns:ds="http://schemas.openxmlformats.org/officeDocument/2006/customXml" ds:itemID="{603AB429-627F-44AD-94B5-DEF574C48DE7}">
-  <ds:schemaRefs>
-    <ds:schemaRef ds:uri="http://purl.org/dc/dcmitype/"/>
-    <ds:schemaRef ds:uri="http://purl.org/dc/elements/1.1/"/>
-    <ds:schemaRef ds:uri="http://purl.org/dc/terms/"/>
-    <ds:schemaRef ds:uri="http://schemas.microsoft.com/office/2006/documentManagement/types"/>
-    <ds:schemaRef ds:uri="http://schemas.microsoft.com/office/2006/metadata/properties"/>
-    <ds:schemaRef ds:uri="http://schemas.microsoft.com/office/infopath/2007/PartnerControls"/>
-    <ds:schemaRef ds:uri="http://schemas.openxmlformats.org/package/2006/metadata/core-properties"/>
-    <ds:schemaRef ds:uri="http://www.w3.org/XML/1998/namespace"/>
-  </ds:schemaRefs>
-</ds:datastoreItem>
-</file>
-
-<file path=customXml/itemProps3.xml><?xml version="1.0" encoding="utf-8"?>
-<ds:datastoreItem xmlns:ds="http://schemas.openxmlformats.org/officeDocument/2006/customXml" ds:itemID="{26F0324F-D1C3-4C15-A601-527A5223BCAC}">
-  <ds:schemaRefs>
-    <ds:schemaRef ds:uri="http://schemas.microsoft.com/sharepoint/v3/contenttype/forms"/>
-  </ds:schemaRefs>
-</ds:datastoreItem>
 </file>